--- a/presentations/TRiCAM QRI Introductory Presentation.pptx
+++ b/presentations/TRiCAM QRI Introductory Presentation.pptx
@@ -4,14 +4,28 @@
   <p:sldMasterIdLst>
     <p:sldMasterId id="2147483648" r:id="rId1"/>
   </p:sldMasterIdLst>
+  <p:notesMasterIdLst>
+    <p:notesMasterId r:id="rId20"/>
+  </p:notesMasterIdLst>
   <p:sldIdLst>
     <p:sldId id="256" r:id="rId2"/>
     <p:sldId id="260" r:id="rId3"/>
-    <p:sldId id="261" r:id="rId4"/>
-    <p:sldId id="262" r:id="rId5"/>
-    <p:sldId id="257" r:id="rId6"/>
-    <p:sldId id="258" r:id="rId7"/>
-    <p:sldId id="259" r:id="rId8"/>
+    <p:sldId id="257" r:id="rId4"/>
+    <p:sldId id="258" r:id="rId5"/>
+    <p:sldId id="275" r:id="rId6"/>
+    <p:sldId id="261" r:id="rId7"/>
+    <p:sldId id="264" r:id="rId8"/>
+    <p:sldId id="269" r:id="rId9"/>
+    <p:sldId id="263" r:id="rId10"/>
+    <p:sldId id="267" r:id="rId11"/>
+    <p:sldId id="268" r:id="rId12"/>
+    <p:sldId id="270" r:id="rId13"/>
+    <p:sldId id="274" r:id="rId14"/>
+    <p:sldId id="265" r:id="rId15"/>
+    <p:sldId id="262" r:id="rId16"/>
+    <p:sldId id="273" r:id="rId17"/>
+    <p:sldId id="271" r:id="rId18"/>
+    <p:sldId id="272" r:id="rId19"/>
   </p:sldIdLst>
   <p:sldSz cx="12192000" cy="6858000"/>
   <p:notesSz cx="6858000" cy="9144000"/>
@@ -129,6 +143,624 @@
 </p:presentation>
 </file>
 
+<file path=ppt/notesMasters/notesMaster1.xml><?xml version="1.0" encoding="utf-8"?>
+<p:notesMaster xmlns:a="http://schemas.openxmlformats.org/drawingml/2006/main" xmlns:r="http://schemas.openxmlformats.org/officeDocument/2006/relationships" xmlns:p="http://schemas.openxmlformats.org/presentationml/2006/main">
+  <p:cSld>
+    <p:bg>
+      <p:bgRef idx="1001">
+        <a:schemeClr val="bg1"/>
+      </p:bgRef>
+    </p:bg>
+    <p:spTree>
+      <p:nvGrpSpPr>
+        <p:cNvPr id="1" name=""/>
+        <p:cNvGrpSpPr/>
+        <p:nvPr/>
+      </p:nvGrpSpPr>
+      <p:grpSpPr>
+        <a:xfrm>
+          <a:off x="0" y="0"/>
+          <a:ext cx="0" cy="0"/>
+          <a:chOff x="0" y="0"/>
+          <a:chExt cx="0" cy="0"/>
+        </a:xfrm>
+      </p:grpSpPr>
+      <p:sp>
+        <p:nvSpPr>
+          <p:cNvPr id="2" name="Header Placeholder 1"/>
+          <p:cNvSpPr>
+            <a:spLocks noGrp="1"/>
+          </p:cNvSpPr>
+          <p:nvPr>
+            <p:ph type="hdr" sz="quarter"/>
+          </p:nvPr>
+        </p:nvSpPr>
+        <p:spPr>
+          <a:xfrm>
+            <a:off x="0" y="0"/>
+            <a:ext cx="2971800" cy="458788"/>
+          </a:xfrm>
+          <a:prstGeom prst="rect">
+            <a:avLst/>
+          </a:prstGeom>
+        </p:spPr>
+        <p:txBody>
+          <a:bodyPr vert="horz" lIns="91440" tIns="45720" rIns="91440" bIns="45720" rtlCol="0"/>
+          <a:lstStyle>
+            <a:lvl1pPr algn="l">
+              <a:defRPr sz="1200"/>
+            </a:lvl1pPr>
+          </a:lstStyle>
+          <a:p>
+            <a:endParaRPr lang="en-US"/>
+          </a:p>
+        </p:txBody>
+      </p:sp>
+      <p:sp>
+        <p:nvSpPr>
+          <p:cNvPr id="3" name="Date Placeholder 2"/>
+          <p:cNvSpPr>
+            <a:spLocks noGrp="1"/>
+          </p:cNvSpPr>
+          <p:nvPr>
+            <p:ph type="dt" idx="1"/>
+          </p:nvPr>
+        </p:nvSpPr>
+        <p:spPr>
+          <a:xfrm>
+            <a:off x="3884613" y="0"/>
+            <a:ext cx="2971800" cy="458788"/>
+          </a:xfrm>
+          <a:prstGeom prst="rect">
+            <a:avLst/>
+          </a:prstGeom>
+        </p:spPr>
+        <p:txBody>
+          <a:bodyPr vert="horz" lIns="91440" tIns="45720" rIns="91440" bIns="45720" rtlCol="0"/>
+          <a:lstStyle>
+            <a:lvl1pPr algn="r">
+              <a:defRPr sz="1200"/>
+            </a:lvl1pPr>
+          </a:lstStyle>
+          <a:p>
+            <a:fld id="{209DDBFB-6AC7-48DC-91AF-69617815B01E}" type="datetimeFigureOut">
+              <a:rPr lang="en-US" smtClean="0"/>
+              <a:t>6/23/2015</a:t>
+            </a:fld>
+            <a:endParaRPr lang="en-US"/>
+          </a:p>
+        </p:txBody>
+      </p:sp>
+      <p:sp>
+        <p:nvSpPr>
+          <p:cNvPr id="4" name="Slide Image Placeholder 3"/>
+          <p:cNvSpPr>
+            <a:spLocks noGrp="1" noRot="1" noChangeAspect="1"/>
+          </p:cNvSpPr>
+          <p:nvPr>
+            <p:ph type="sldImg" idx="2"/>
+          </p:nvPr>
+        </p:nvSpPr>
+        <p:spPr>
+          <a:xfrm>
+            <a:off x="685800" y="1143000"/>
+            <a:ext cx="5486400" cy="3086100"/>
+          </a:xfrm>
+          <a:prstGeom prst="rect">
+            <a:avLst/>
+          </a:prstGeom>
+          <a:noFill/>
+          <a:ln w="12700">
+            <a:solidFill>
+              <a:prstClr val="black"/>
+            </a:solidFill>
+          </a:ln>
+        </p:spPr>
+        <p:txBody>
+          <a:bodyPr vert="horz" lIns="91440" tIns="45720" rIns="91440" bIns="45720" rtlCol="0" anchor="ctr"/>
+          <a:lstStyle/>
+          <a:p>
+            <a:endParaRPr lang="en-US"/>
+          </a:p>
+        </p:txBody>
+      </p:sp>
+      <p:sp>
+        <p:nvSpPr>
+          <p:cNvPr id="5" name="Notes Placeholder 4"/>
+          <p:cNvSpPr>
+            <a:spLocks noGrp="1"/>
+          </p:cNvSpPr>
+          <p:nvPr>
+            <p:ph type="body" sz="quarter" idx="3"/>
+          </p:nvPr>
+        </p:nvSpPr>
+        <p:spPr>
+          <a:xfrm>
+            <a:off x="685800" y="4400550"/>
+            <a:ext cx="5486400" cy="3600450"/>
+          </a:xfrm>
+          <a:prstGeom prst="rect">
+            <a:avLst/>
+          </a:prstGeom>
+        </p:spPr>
+        <p:txBody>
+          <a:bodyPr vert="horz" lIns="91440" tIns="45720" rIns="91440" bIns="45720" rtlCol="0"/>
+          <a:lstStyle/>
+          <a:p>
+            <a:pPr lvl="0"/>
+            <a:r>
+              <a:rPr lang="en-US" smtClean="0"/>
+              <a:t>Click to edit Master text styles</a:t>
+            </a:r>
+          </a:p>
+          <a:p>
+            <a:pPr lvl="1"/>
+            <a:r>
+              <a:rPr lang="en-US" smtClean="0"/>
+              <a:t>Second level</a:t>
+            </a:r>
+          </a:p>
+          <a:p>
+            <a:pPr lvl="2"/>
+            <a:r>
+              <a:rPr lang="en-US" smtClean="0"/>
+              <a:t>Third level</a:t>
+            </a:r>
+          </a:p>
+          <a:p>
+            <a:pPr lvl="3"/>
+            <a:r>
+              <a:rPr lang="en-US" smtClean="0"/>
+              <a:t>Fourth level</a:t>
+            </a:r>
+          </a:p>
+          <a:p>
+            <a:pPr lvl="4"/>
+            <a:r>
+              <a:rPr lang="en-US" smtClean="0"/>
+              <a:t>Fifth level</a:t>
+            </a:r>
+            <a:endParaRPr lang="en-US"/>
+          </a:p>
+        </p:txBody>
+      </p:sp>
+      <p:sp>
+        <p:nvSpPr>
+          <p:cNvPr id="6" name="Footer Placeholder 5"/>
+          <p:cNvSpPr>
+            <a:spLocks noGrp="1"/>
+          </p:cNvSpPr>
+          <p:nvPr>
+            <p:ph type="ftr" sz="quarter" idx="4"/>
+          </p:nvPr>
+        </p:nvSpPr>
+        <p:spPr>
+          <a:xfrm>
+            <a:off x="0" y="8685213"/>
+            <a:ext cx="2971800" cy="458787"/>
+          </a:xfrm>
+          <a:prstGeom prst="rect">
+            <a:avLst/>
+          </a:prstGeom>
+        </p:spPr>
+        <p:txBody>
+          <a:bodyPr vert="horz" lIns="91440" tIns="45720" rIns="91440" bIns="45720" rtlCol="0" anchor="b"/>
+          <a:lstStyle>
+            <a:lvl1pPr algn="l">
+              <a:defRPr sz="1200"/>
+            </a:lvl1pPr>
+          </a:lstStyle>
+          <a:p>
+            <a:endParaRPr lang="en-US"/>
+          </a:p>
+        </p:txBody>
+      </p:sp>
+      <p:sp>
+        <p:nvSpPr>
+          <p:cNvPr id="7" name="Slide Number Placeholder 6"/>
+          <p:cNvSpPr>
+            <a:spLocks noGrp="1"/>
+          </p:cNvSpPr>
+          <p:nvPr>
+            <p:ph type="sldNum" sz="quarter" idx="5"/>
+          </p:nvPr>
+        </p:nvSpPr>
+        <p:spPr>
+          <a:xfrm>
+            <a:off x="3884613" y="8685213"/>
+            <a:ext cx="2971800" cy="458787"/>
+          </a:xfrm>
+          <a:prstGeom prst="rect">
+            <a:avLst/>
+          </a:prstGeom>
+        </p:spPr>
+        <p:txBody>
+          <a:bodyPr vert="horz" lIns="91440" tIns="45720" rIns="91440" bIns="45720" rtlCol="0" anchor="b"/>
+          <a:lstStyle>
+            <a:lvl1pPr algn="r">
+              <a:defRPr sz="1200"/>
+            </a:lvl1pPr>
+          </a:lstStyle>
+          <a:p>
+            <a:fld id="{F7878233-1272-4E9C-BC4D-157418651A72}" type="slidenum">
+              <a:rPr lang="en-US" smtClean="0"/>
+              <a:t>‹#›</a:t>
+            </a:fld>
+            <a:endParaRPr lang="en-US"/>
+          </a:p>
+        </p:txBody>
+      </p:sp>
+    </p:spTree>
+    <p:extLst>
+      <p:ext uri="{BB962C8B-B14F-4D97-AF65-F5344CB8AC3E}">
+        <p14:creationId xmlns:p14="http://schemas.microsoft.com/office/powerpoint/2010/main" val="3805726203"/>
+      </p:ext>
+    </p:extLst>
+  </p:cSld>
+  <p:clrMap bg1="lt1" tx1="dk1" bg2="lt2" tx2="dk2" accent1="accent1" accent2="accent2" accent3="accent3" accent4="accent4" accent5="accent5" accent6="accent6" hlink="hlink" folHlink="folHlink"/>
+  <p:notesStyle>
+    <a:lvl1pPr marL="0" algn="l" defTabSz="914400" rtl="0" eaLnBrk="1" latinLnBrk="0" hangingPunct="1">
+      <a:defRPr sz="1200" kern="1200">
+        <a:solidFill>
+          <a:schemeClr val="tx1"/>
+        </a:solidFill>
+        <a:latin typeface="+mn-lt"/>
+        <a:ea typeface="+mn-ea"/>
+        <a:cs typeface="+mn-cs"/>
+      </a:defRPr>
+    </a:lvl1pPr>
+    <a:lvl2pPr marL="457200" algn="l" defTabSz="914400" rtl="0" eaLnBrk="1" latinLnBrk="0" hangingPunct="1">
+      <a:defRPr sz="1200" kern="1200">
+        <a:solidFill>
+          <a:schemeClr val="tx1"/>
+        </a:solidFill>
+        <a:latin typeface="+mn-lt"/>
+        <a:ea typeface="+mn-ea"/>
+        <a:cs typeface="+mn-cs"/>
+      </a:defRPr>
+    </a:lvl2pPr>
+    <a:lvl3pPr marL="914400" algn="l" defTabSz="914400" rtl="0" eaLnBrk="1" latinLnBrk="0" hangingPunct="1">
+      <a:defRPr sz="1200" kern="1200">
+        <a:solidFill>
+          <a:schemeClr val="tx1"/>
+        </a:solidFill>
+        <a:latin typeface="+mn-lt"/>
+        <a:ea typeface="+mn-ea"/>
+        <a:cs typeface="+mn-cs"/>
+      </a:defRPr>
+    </a:lvl3pPr>
+    <a:lvl4pPr marL="1371600" algn="l" defTabSz="914400" rtl="0" eaLnBrk="1" latinLnBrk="0" hangingPunct="1">
+      <a:defRPr sz="1200" kern="1200">
+        <a:solidFill>
+          <a:schemeClr val="tx1"/>
+        </a:solidFill>
+        <a:latin typeface="+mn-lt"/>
+        <a:ea typeface="+mn-ea"/>
+        <a:cs typeface="+mn-cs"/>
+      </a:defRPr>
+    </a:lvl4pPr>
+    <a:lvl5pPr marL="1828800" algn="l" defTabSz="914400" rtl="0" eaLnBrk="1" latinLnBrk="0" hangingPunct="1">
+      <a:defRPr sz="1200" kern="1200">
+        <a:solidFill>
+          <a:schemeClr val="tx1"/>
+        </a:solidFill>
+        <a:latin typeface="+mn-lt"/>
+        <a:ea typeface="+mn-ea"/>
+        <a:cs typeface="+mn-cs"/>
+      </a:defRPr>
+    </a:lvl5pPr>
+    <a:lvl6pPr marL="2286000" algn="l" defTabSz="914400" rtl="0" eaLnBrk="1" latinLnBrk="0" hangingPunct="1">
+      <a:defRPr sz="1200" kern="1200">
+        <a:solidFill>
+          <a:schemeClr val="tx1"/>
+        </a:solidFill>
+        <a:latin typeface="+mn-lt"/>
+        <a:ea typeface="+mn-ea"/>
+        <a:cs typeface="+mn-cs"/>
+      </a:defRPr>
+    </a:lvl6pPr>
+    <a:lvl7pPr marL="2743200" algn="l" defTabSz="914400" rtl="0" eaLnBrk="1" latinLnBrk="0" hangingPunct="1">
+      <a:defRPr sz="1200" kern="1200">
+        <a:solidFill>
+          <a:schemeClr val="tx1"/>
+        </a:solidFill>
+        <a:latin typeface="+mn-lt"/>
+        <a:ea typeface="+mn-ea"/>
+        <a:cs typeface="+mn-cs"/>
+      </a:defRPr>
+    </a:lvl7pPr>
+    <a:lvl8pPr marL="3200400" algn="l" defTabSz="914400" rtl="0" eaLnBrk="1" latinLnBrk="0" hangingPunct="1">
+      <a:defRPr sz="1200" kern="1200">
+        <a:solidFill>
+          <a:schemeClr val="tx1"/>
+        </a:solidFill>
+        <a:latin typeface="+mn-lt"/>
+        <a:ea typeface="+mn-ea"/>
+        <a:cs typeface="+mn-cs"/>
+      </a:defRPr>
+    </a:lvl8pPr>
+    <a:lvl9pPr marL="3657600" algn="l" defTabSz="914400" rtl="0" eaLnBrk="1" latinLnBrk="0" hangingPunct="1">
+      <a:defRPr sz="1200" kern="1200">
+        <a:solidFill>
+          <a:schemeClr val="tx1"/>
+        </a:solidFill>
+        <a:latin typeface="+mn-lt"/>
+        <a:ea typeface="+mn-ea"/>
+        <a:cs typeface="+mn-cs"/>
+      </a:defRPr>
+    </a:lvl9pPr>
+  </p:notesStyle>
+</p:notesMaster>
+</file>
+
+<file path=ppt/notesSlides/notesSlide1.xml><?xml version="1.0" encoding="utf-8"?>
+<p:notes xmlns:a="http://schemas.openxmlformats.org/drawingml/2006/main" xmlns:r="http://schemas.openxmlformats.org/officeDocument/2006/relationships" xmlns:p="http://schemas.openxmlformats.org/presentationml/2006/main">
+  <p:cSld>
+    <p:spTree>
+      <p:nvGrpSpPr>
+        <p:cNvPr id="1" name=""/>
+        <p:cNvGrpSpPr/>
+        <p:nvPr/>
+      </p:nvGrpSpPr>
+      <p:grpSpPr>
+        <a:xfrm>
+          <a:off x="0" y="0"/>
+          <a:ext cx="0" cy="0"/>
+          <a:chOff x="0" y="0"/>
+          <a:chExt cx="0" cy="0"/>
+        </a:xfrm>
+      </p:grpSpPr>
+      <p:sp>
+        <p:nvSpPr>
+          <p:cNvPr id="2" name="Slide Image Placeholder 1"/>
+          <p:cNvSpPr>
+            <a:spLocks noGrp="1" noRot="1" noChangeAspect="1"/>
+          </p:cNvSpPr>
+          <p:nvPr>
+            <p:ph type="sldImg"/>
+          </p:nvPr>
+        </p:nvSpPr>
+        <p:spPr/>
+      </p:sp>
+      <p:sp>
+        <p:nvSpPr>
+          <p:cNvPr id="3" name="Notes Placeholder 2"/>
+          <p:cNvSpPr>
+            <a:spLocks noGrp="1"/>
+          </p:cNvSpPr>
+          <p:nvPr>
+            <p:ph type="body" idx="1"/>
+          </p:nvPr>
+        </p:nvSpPr>
+        <p:spPr/>
+        <p:txBody>
+          <a:bodyPr/>
+          <a:lstStyle/>
+          <a:p>
+            <a:r>
+              <a:rPr lang="en-US" dirty="0" smtClean="0"/>
+              <a:t>Explain</a:t>
+            </a:r>
+            <a:r>
+              <a:rPr lang="en-US" baseline="0" dirty="0" smtClean="0"/>
+              <a:t> each component</a:t>
+            </a:r>
+            <a:endParaRPr lang="en-US" dirty="0"/>
+          </a:p>
+        </p:txBody>
+      </p:sp>
+      <p:sp>
+        <p:nvSpPr>
+          <p:cNvPr id="4" name="Slide Number Placeholder 3"/>
+          <p:cNvSpPr>
+            <a:spLocks noGrp="1"/>
+          </p:cNvSpPr>
+          <p:nvPr>
+            <p:ph type="sldNum" sz="quarter" idx="10"/>
+          </p:nvPr>
+        </p:nvSpPr>
+        <p:spPr/>
+        <p:txBody>
+          <a:bodyPr/>
+          <a:lstStyle/>
+          <a:p>
+            <a:fld id="{F7878233-1272-4E9C-BC4D-157418651A72}" type="slidenum">
+              <a:rPr lang="en-US" smtClean="0"/>
+              <a:t>9</a:t>
+            </a:fld>
+            <a:endParaRPr lang="en-US"/>
+          </a:p>
+        </p:txBody>
+      </p:sp>
+    </p:spTree>
+    <p:extLst>
+      <p:ext uri="{BB962C8B-B14F-4D97-AF65-F5344CB8AC3E}">
+        <p14:creationId xmlns:p14="http://schemas.microsoft.com/office/powerpoint/2010/main" val="1779274619"/>
+      </p:ext>
+    </p:extLst>
+  </p:cSld>
+  <p:clrMapOvr>
+    <a:masterClrMapping/>
+  </p:clrMapOvr>
+</p:notes>
+</file>
+
+<file path=ppt/notesSlides/notesSlide2.xml><?xml version="1.0" encoding="utf-8"?>
+<p:notes xmlns:a="http://schemas.openxmlformats.org/drawingml/2006/main" xmlns:r="http://schemas.openxmlformats.org/officeDocument/2006/relationships" xmlns:p="http://schemas.openxmlformats.org/presentationml/2006/main">
+  <p:cSld>
+    <p:spTree>
+      <p:nvGrpSpPr>
+        <p:cNvPr id="1" name=""/>
+        <p:cNvGrpSpPr/>
+        <p:nvPr/>
+      </p:nvGrpSpPr>
+      <p:grpSpPr>
+        <a:xfrm>
+          <a:off x="0" y="0"/>
+          <a:ext cx="0" cy="0"/>
+          <a:chOff x="0" y="0"/>
+          <a:chExt cx="0" cy="0"/>
+        </a:xfrm>
+      </p:grpSpPr>
+      <p:sp>
+        <p:nvSpPr>
+          <p:cNvPr id="2" name="Slide Image Placeholder 1"/>
+          <p:cNvSpPr>
+            <a:spLocks noGrp="1" noRot="1" noChangeAspect="1"/>
+          </p:cNvSpPr>
+          <p:nvPr>
+            <p:ph type="sldImg"/>
+          </p:nvPr>
+        </p:nvSpPr>
+        <p:spPr/>
+      </p:sp>
+      <p:sp>
+        <p:nvSpPr>
+          <p:cNvPr id="3" name="Notes Placeholder 2"/>
+          <p:cNvSpPr>
+            <a:spLocks noGrp="1"/>
+          </p:cNvSpPr>
+          <p:nvPr>
+            <p:ph type="body" idx="1"/>
+          </p:nvPr>
+        </p:nvSpPr>
+        <p:spPr/>
+        <p:txBody>
+          <a:bodyPr/>
+          <a:lstStyle/>
+          <a:p>
+            <a:r>
+              <a:rPr lang="en-US" dirty="0" smtClean="0"/>
+              <a:t>Works well with larger</a:t>
+            </a:r>
+            <a:r>
+              <a:rPr lang="en-US" baseline="0" dirty="0" smtClean="0"/>
+              <a:t> data sets!</a:t>
+            </a:r>
+            <a:endParaRPr lang="en-US" dirty="0"/>
+          </a:p>
+        </p:txBody>
+      </p:sp>
+      <p:sp>
+        <p:nvSpPr>
+          <p:cNvPr id="4" name="Slide Number Placeholder 3"/>
+          <p:cNvSpPr>
+            <a:spLocks noGrp="1"/>
+          </p:cNvSpPr>
+          <p:nvPr>
+            <p:ph type="sldNum" sz="quarter" idx="10"/>
+          </p:nvPr>
+        </p:nvSpPr>
+        <p:spPr/>
+        <p:txBody>
+          <a:bodyPr/>
+          <a:lstStyle/>
+          <a:p>
+            <a:fld id="{F7878233-1272-4E9C-BC4D-157418651A72}" type="slidenum">
+              <a:rPr lang="en-US" smtClean="0"/>
+              <a:t>15</a:t>
+            </a:fld>
+            <a:endParaRPr lang="en-US"/>
+          </a:p>
+        </p:txBody>
+      </p:sp>
+    </p:spTree>
+    <p:extLst>
+      <p:ext uri="{BB962C8B-B14F-4D97-AF65-F5344CB8AC3E}">
+        <p14:creationId xmlns:p14="http://schemas.microsoft.com/office/powerpoint/2010/main" val="2247317956"/>
+      </p:ext>
+    </p:extLst>
+  </p:cSld>
+  <p:clrMapOvr>
+    <a:masterClrMapping/>
+  </p:clrMapOvr>
+</p:notes>
+</file>
+
+<file path=ppt/notesSlides/notesSlide3.xml><?xml version="1.0" encoding="utf-8"?>
+<p:notes xmlns:a="http://schemas.openxmlformats.org/drawingml/2006/main" xmlns:r="http://schemas.openxmlformats.org/officeDocument/2006/relationships" xmlns:p="http://schemas.openxmlformats.org/presentationml/2006/main">
+  <p:cSld>
+    <p:spTree>
+      <p:nvGrpSpPr>
+        <p:cNvPr id="1" name=""/>
+        <p:cNvGrpSpPr/>
+        <p:nvPr/>
+      </p:nvGrpSpPr>
+      <p:grpSpPr>
+        <a:xfrm>
+          <a:off x="0" y="0"/>
+          <a:ext cx="0" cy="0"/>
+          <a:chOff x="0" y="0"/>
+          <a:chExt cx="0" cy="0"/>
+        </a:xfrm>
+      </p:grpSpPr>
+      <p:sp>
+        <p:nvSpPr>
+          <p:cNvPr id="2" name="Slide Image Placeholder 1"/>
+          <p:cNvSpPr>
+            <a:spLocks noGrp="1" noRot="1" noChangeAspect="1"/>
+          </p:cNvSpPr>
+          <p:nvPr>
+            <p:ph type="sldImg"/>
+          </p:nvPr>
+        </p:nvSpPr>
+        <p:spPr/>
+      </p:sp>
+      <p:sp>
+        <p:nvSpPr>
+          <p:cNvPr id="3" name="Notes Placeholder 2"/>
+          <p:cNvSpPr>
+            <a:spLocks noGrp="1"/>
+          </p:cNvSpPr>
+          <p:nvPr>
+            <p:ph type="body" idx="1"/>
+          </p:nvPr>
+        </p:nvSpPr>
+        <p:spPr/>
+        <p:txBody>
+          <a:bodyPr/>
+          <a:lstStyle/>
+          <a:p>
+            <a:endParaRPr lang="en-US" dirty="0"/>
+          </a:p>
+        </p:txBody>
+      </p:sp>
+      <p:sp>
+        <p:nvSpPr>
+          <p:cNvPr id="4" name="Slide Number Placeholder 3"/>
+          <p:cNvSpPr>
+            <a:spLocks noGrp="1"/>
+          </p:cNvSpPr>
+          <p:nvPr>
+            <p:ph type="sldNum" sz="quarter" idx="10"/>
+          </p:nvPr>
+        </p:nvSpPr>
+        <p:spPr/>
+        <p:txBody>
+          <a:bodyPr/>
+          <a:lstStyle/>
+          <a:p>
+            <a:fld id="{F7878233-1272-4E9C-BC4D-157418651A72}" type="slidenum">
+              <a:rPr lang="en-US" smtClean="0"/>
+              <a:t>18</a:t>
+            </a:fld>
+            <a:endParaRPr lang="en-US"/>
+          </a:p>
+        </p:txBody>
+      </p:sp>
+    </p:spTree>
+    <p:extLst>
+      <p:ext uri="{BB962C8B-B14F-4D97-AF65-F5344CB8AC3E}">
+        <p14:creationId xmlns:p14="http://schemas.microsoft.com/office/powerpoint/2010/main" val="3363806313"/>
+      </p:ext>
+    </p:extLst>
+  </p:cSld>
+  <p:clrMapOvr>
+    <a:masterClrMapping/>
+  </p:clrMapOvr>
+</p:notes>
+</file>
+
 <file path=ppt/slideLayouts/slideLayout1.xml><?xml version="1.0" encoding="utf-8"?>
 <p:sldLayout xmlns:a="http://schemas.openxmlformats.org/drawingml/2006/main" xmlns:r="http://schemas.openxmlformats.org/officeDocument/2006/relationships" xmlns:p="http://schemas.openxmlformats.org/presentationml/2006/main" type="title" preserve="1">
   <p:cSld name="Title Slide">
@@ -375,7 +1007,7 @@
             <a:fld id="{B61BEF0D-F0BB-DE4B-95CE-6DB70DBA9567}" type="datetimeFigureOut">
               <a:rPr lang="en-US" dirty="0"/>
               <a:pPr/>
-              <a:t>6/22/2015</a:t>
+              <a:t>6/23/2015</a:t>
             </a:fld>
             <a:endParaRPr lang="en-US" dirty="0"/>
           </a:p>
@@ -634,7 +1266,7 @@
             <a:fld id="{B61BEF0D-F0BB-DE4B-95CE-6DB70DBA9567}" type="datetimeFigureOut">
               <a:rPr lang="en-US" dirty="0"/>
               <a:pPr/>
-              <a:t>6/22/2015</a:t>
+              <a:t>6/23/2015</a:t>
             </a:fld>
             <a:endParaRPr lang="en-US" dirty="0"/>
           </a:p>
@@ -866,7 +1498,7 @@
             <a:fld id="{B61BEF0D-F0BB-DE4B-95CE-6DB70DBA9567}" type="datetimeFigureOut">
               <a:rPr lang="en-US" dirty="0"/>
               <a:pPr/>
-              <a:t>6/22/2015</a:t>
+              <a:t>6/23/2015</a:t>
             </a:fld>
             <a:endParaRPr lang="en-US" dirty="0"/>
           </a:p>
@@ -1103,7 +1735,7 @@
             <a:fld id="{B61BEF0D-F0BB-DE4B-95CE-6DB70DBA9567}" type="datetimeFigureOut">
               <a:rPr lang="en-US" dirty="0"/>
               <a:pPr/>
-              <a:t>6/22/2015</a:t>
+              <a:t>6/23/2015</a:t>
             </a:fld>
             <a:endParaRPr lang="en-US" dirty="0"/>
           </a:p>
@@ -1407,7 +2039,7 @@
             <a:fld id="{B61BEF0D-F0BB-DE4B-95CE-6DB70DBA9567}" type="datetimeFigureOut">
               <a:rPr lang="en-US" dirty="0"/>
               <a:pPr/>
-              <a:t>6/22/2015</a:t>
+              <a:t>6/23/2015</a:t>
             </a:fld>
             <a:endParaRPr lang="en-US" dirty="0"/>
           </a:p>
@@ -1706,7 +2338,7 @@
             <a:fld id="{B61BEF0D-F0BB-DE4B-95CE-6DB70DBA9567}" type="datetimeFigureOut">
               <a:rPr lang="en-US" dirty="0"/>
               <a:pPr/>
-              <a:t>6/22/2015</a:t>
+              <a:t>6/23/2015</a:t>
             </a:fld>
             <a:endParaRPr lang="en-US" dirty="0"/>
           </a:p>
@@ -2125,7 +2757,7 @@
             <a:fld id="{B61BEF0D-F0BB-DE4B-95CE-6DB70DBA9567}" type="datetimeFigureOut">
               <a:rPr lang="en-US" dirty="0"/>
               <a:pPr/>
-              <a:t>6/22/2015</a:t>
+              <a:t>6/23/2015</a:t>
             </a:fld>
             <a:endParaRPr lang="en-US" dirty="0"/>
           </a:p>
@@ -2284,7 +2916,7 @@
             <a:fld id="{B61BEF0D-F0BB-DE4B-95CE-6DB70DBA9567}" type="datetimeFigureOut">
               <a:rPr lang="en-US" dirty="0"/>
               <a:pPr/>
-              <a:t>6/22/2015</a:t>
+              <a:t>6/23/2015</a:t>
             </a:fld>
             <a:endParaRPr lang="en-US" dirty="0"/>
           </a:p>
@@ -2376,7 +3008,7 @@
             <a:fld id="{B61BEF0D-F0BB-DE4B-95CE-6DB70DBA9567}" type="datetimeFigureOut">
               <a:rPr lang="en-US" dirty="0"/>
               <a:pPr/>
-              <a:t>6/22/2015</a:t>
+              <a:t>6/23/2015</a:t>
             </a:fld>
             <a:endParaRPr lang="en-US" dirty="0"/>
           </a:p>
@@ -2751,7 +3383,7 @@
             <a:fld id="{B61BEF0D-F0BB-DE4B-95CE-6DB70DBA9567}" type="datetimeFigureOut">
               <a:rPr lang="en-US" dirty="0"/>
               <a:pPr/>
-              <a:t>6/22/2015</a:t>
+              <a:t>6/23/2015</a:t>
             </a:fld>
             <a:endParaRPr lang="en-US" dirty="0"/>
           </a:p>
@@ -3037,7 +3669,7 @@
             <a:fld id="{B61BEF0D-F0BB-DE4B-95CE-6DB70DBA9567}" type="datetimeFigureOut">
               <a:rPr lang="en-US" dirty="0"/>
               <a:pPr/>
-              <a:t>6/22/2015</a:t>
+              <a:t>6/23/2015</a:t>
             </a:fld>
             <a:endParaRPr lang="en-US" dirty="0"/>
           </a:p>
@@ -3245,7 +3877,7 @@
             <a:fld id="{B61BEF0D-F0BB-DE4B-95CE-6DB70DBA9567}" type="datetimeFigureOut">
               <a:rPr lang="en-US" dirty="0"/>
               <a:pPr/>
-              <a:t>6/22/2015</a:t>
+              <a:t>6/23/2015</a:t>
             </a:fld>
             <a:endParaRPr lang="en-US" dirty="0"/>
           </a:p>
@@ -3859,7 +4491,15 @@
           <a:p>
             <a:r>
               <a:rPr lang="en-US" dirty="0" smtClean="0"/>
-              <a:t>TRiCAM QRI Introductory Presentation</a:t>
+              <a:t>TRiCAM QRI </a:t>
+            </a:r>
+            <a:r>
+              <a:rPr lang="en-US" dirty="0" smtClean="0"/>
+              <a:t>Project </a:t>
+            </a:r>
+            <a:r>
+              <a:rPr lang="en-US" dirty="0" smtClean="0"/>
+              <a:t>Presentation</a:t>
             </a:r>
             <a:endParaRPr lang="en-US" dirty="0"/>
           </a:p>
@@ -3984,8 +4624,8 @@
         </p:nvSpPr>
         <p:spPr>
           <a:xfrm>
-            <a:off x="581191" y="3200400"/>
-            <a:ext cx="5611729" cy="369332"/>
+            <a:off x="581191" y="5930565"/>
+            <a:ext cx="6744732" cy="369332"/>
           </a:xfrm>
           <a:prstGeom prst="rect">
             <a:avLst/>
@@ -4003,30 +4643,161 @@
                 <a:solidFill>
                   <a:schemeClr val="bg1"/>
                 </a:solidFill>
+                <a:effectLst>
+                  <a:outerShdw blurRad="38100" dist="38100" dir="2700000" algn="tl">
+                    <a:srgbClr val="000000">
+                      <a:alpha val="43137"/>
+                    </a:srgbClr>
+                  </a:outerShdw>
+                </a:effectLst>
               </a:rPr>
-              <a:t>With </a:t>
-            </a:r>
-            <a:r>
-              <a:rPr lang="en-US" dirty="0">
-                <a:solidFill>
-                  <a:schemeClr val="bg1"/>
-                </a:solidFill>
-              </a:rPr>
-              <a:t>Michelle Yang, Akash Levy, Janette Garcia, Albert </a:t>
+              <a:t>Project Members: Michelle Yang, </a:t>
             </a:r>
             <a:r>
               <a:rPr lang="en-US" dirty="0" smtClean="0">
                 <a:solidFill>
                   <a:schemeClr val="bg1"/>
                 </a:solidFill>
+                <a:effectLst>
+                  <a:outerShdw blurRad="38100" dist="38100" dir="2700000" algn="tl">
+                    <a:srgbClr val="000000">
+                      <a:alpha val="43137"/>
+                    </a:srgbClr>
+                  </a:outerShdw>
+                </a:effectLst>
               </a:rPr>
-              <a:t>Tung</a:t>
+              <a:t>Akash Levy, </a:t>
+            </a:r>
+            <a:r>
+              <a:rPr lang="en-US" dirty="0" smtClean="0">
+                <a:solidFill>
+                  <a:schemeClr val="bg1"/>
+                </a:solidFill>
+                <a:effectLst>
+                  <a:outerShdw blurRad="38100" dist="38100" dir="2700000" algn="tl">
+                    <a:srgbClr val="000000">
+                      <a:alpha val="43137"/>
+                    </a:srgbClr>
+                  </a:outerShdw>
+                </a:effectLst>
+              </a:rPr>
+              <a:t>Janette Garcia, </a:t>
+            </a:r>
+            <a:r>
+              <a:rPr lang="en-US" dirty="0" smtClean="0">
+                <a:solidFill>
+                  <a:schemeClr val="bg1"/>
+                </a:solidFill>
+                <a:effectLst>
+                  <a:outerShdw blurRad="38100" dist="38100" dir="2700000" algn="tl">
+                    <a:srgbClr val="000000">
+                      <a:alpha val="43137"/>
+                    </a:srgbClr>
+                  </a:outerShdw>
+                </a:effectLst>
+              </a:rPr>
+              <a:t>Albert Tung</a:t>
             </a:r>
             <a:endParaRPr lang="en-US" dirty="0">
               <a:solidFill>
                 <a:schemeClr val="bg1"/>
               </a:solidFill>
+              <a:effectLst>
+                <a:outerShdw blurRad="38100" dist="38100" dir="2700000" algn="tl">
+                  <a:srgbClr val="000000">
+                    <a:alpha val="43137"/>
+                  </a:srgbClr>
+                </a:outerShdw>
+              </a:effectLst>
             </a:endParaRPr>
+          </a:p>
+        </p:txBody>
+      </p:sp>
+      <p:sp>
+        <p:nvSpPr>
+          <p:cNvPr id="5" name="TextBox 4"/>
+          <p:cNvSpPr txBox="1"/>
+          <p:nvPr/>
+        </p:nvSpPr>
+        <p:spPr>
+          <a:xfrm>
+            <a:off x="581191" y="3168279"/>
+            <a:ext cx="7012304" cy="1200329"/>
+          </a:xfrm>
+          <a:prstGeom prst="rect">
+            <a:avLst/>
+          </a:prstGeom>
+          <a:noFill/>
+        </p:spPr>
+        <p:txBody>
+          <a:bodyPr wrap="none" rtlCol="0">
+            <a:spAutoFit/>
+          </a:bodyPr>
+          <a:lstStyle/>
+          <a:p>
+            <a:r>
+              <a:rPr lang="en-US" b="1" dirty="0" smtClean="0">
+                <a:solidFill>
+                  <a:schemeClr val="bg1"/>
+                </a:solidFill>
+                <a:effectLst>
+                  <a:outerShdw blurRad="38100" dist="38100" dir="2700000" algn="tl">
+                    <a:srgbClr val="000000">
+                      <a:alpha val="43137"/>
+                    </a:srgbClr>
+                  </a:outerShdw>
+                </a:effectLst>
+              </a:rPr>
+              <a:t>Presentation 1</a:t>
+            </a:r>
+          </a:p>
+          <a:p>
+            <a:r>
+              <a:rPr lang="en-US" dirty="0" smtClean="0">
+                <a:solidFill>
+                  <a:schemeClr val="bg1"/>
+                </a:solidFill>
+                <a:effectLst>
+                  <a:outerShdw blurRad="38100" dist="38100" dir="2700000" algn="tl">
+                    <a:srgbClr val="000000">
+                      <a:alpha val="43137"/>
+                    </a:srgbClr>
+                  </a:outerShdw>
+                </a:effectLst>
+              </a:rPr>
+              <a:t>Presenter:  Akash Levy</a:t>
+            </a:r>
+          </a:p>
+          <a:p>
+            <a:endParaRPr lang="en-US" dirty="0">
+              <a:solidFill>
+                <a:schemeClr val="bg1"/>
+              </a:solidFill>
+              <a:effectLst>
+                <a:outerShdw blurRad="38100" dist="38100" dir="2700000" algn="tl">
+                  <a:srgbClr val="000000">
+                    <a:alpha val="43137"/>
+                  </a:srgbClr>
+                </a:outerShdw>
+              </a:effectLst>
+            </a:endParaRPr>
+          </a:p>
+          <a:p>
+            <a:r>
+              <a:rPr lang="en-US" i="1" dirty="0" smtClean="0">
+                <a:solidFill>
+                  <a:schemeClr val="bg1"/>
+                </a:solidFill>
+                <a:effectLst>
+                  <a:outerShdw blurRad="38100" dist="38100" dir="2700000" algn="tl">
+                    <a:srgbClr val="000000">
+                      <a:alpha val="43137"/>
+                    </a:srgbClr>
+                  </a:outerShdw>
+                </a:effectLst>
+              </a:rPr>
+              <a:t>This presentation: project description, how machine learning works, future steps</a:t>
+            </a:r>
           </a:p>
         </p:txBody>
       </p:sp>
@@ -4050,7 +4821,7 @@
 </p:sld>
 </file>
 
-<file path=ppt/slides/slide2.xml><?xml version="1.0" encoding="utf-8"?>
+<file path=ppt/slides/slide10.xml><?xml version="1.0" encoding="utf-8"?>
 <p:sld xmlns:a="http://schemas.openxmlformats.org/drawingml/2006/main" xmlns:r="http://schemas.openxmlformats.org/officeDocument/2006/relationships" xmlns:p="http://schemas.openxmlformats.org/presentationml/2006/main">
   <p:cSld>
     <p:spTree>
@@ -4084,56 +4855,1045 @@
           <a:p>
             <a:r>
               <a:rPr lang="en-US" dirty="0" smtClean="0"/>
-              <a:t>Introduction</a:t>
+              <a:t>How does deep learning Work?</a:t>
             </a:r>
             <a:endParaRPr lang="en-US" dirty="0"/>
           </a:p>
         </p:txBody>
       </p:sp>
-      <p:sp>
-        <p:nvSpPr>
-          <p:cNvPr id="3" name="Content Placeholder 2"/>
-          <p:cNvSpPr>
-            <a:spLocks noGrp="1"/>
-          </p:cNvSpPr>
-          <p:nvPr>
-            <p:ph idx="1"/>
-          </p:nvPr>
-        </p:nvSpPr>
-        <p:spPr/>
-        <p:txBody>
-          <a:bodyPr/>
-          <a:lstStyle/>
-          <a:p>
-            <a:r>
-              <a:rPr lang="en-US" dirty="0" smtClean="0"/>
-              <a:t>Project proposed by Quantum Reservoir Impact, a petroleum reservoir management company</a:t>
-            </a:r>
-          </a:p>
-          <a:p>
-            <a:r>
-              <a:rPr lang="en-US" dirty="0" smtClean="0"/>
-              <a:t>Goal: to use deep learning to identify features in and forecast oil production rate in a series of petroleum wells</a:t>
-            </a:r>
-          </a:p>
-          <a:p>
-            <a:r>
-              <a:rPr lang="en-US" dirty="0" smtClean="0"/>
-              <a:t>Strategy: detect “events” (</a:t>
-            </a:r>
-          </a:p>
-        </p:txBody>
-      </p:sp>
+      <mc:AlternateContent xmlns:mc="http://schemas.openxmlformats.org/markup-compatibility/2006">
+        <mc:Choice xmlns:a14="http://schemas.microsoft.com/office/drawing/2010/main" Requires="a14">
+          <p:sp>
+            <p:nvSpPr>
+              <p:cNvPr id="48" name="Content Placeholder 2"/>
+              <p:cNvSpPr>
+                <a:spLocks noGrp="1"/>
+              </p:cNvSpPr>
+              <p:nvPr>
+                <p:ph idx="1"/>
+              </p:nvPr>
+            </p:nvSpPr>
+            <p:spPr>
+              <a:xfrm>
+                <a:off x="581192" y="2180496"/>
+                <a:ext cx="11029615" cy="3678303"/>
+              </a:xfrm>
+              <a:ln>
+                <a:noFill/>
+              </a:ln>
+            </p:spPr>
+            <p:txBody>
+              <a:bodyPr/>
+              <a:lstStyle/>
+              <a:p>
+                <a:r>
+                  <a:rPr lang="en-US" dirty="0" smtClean="0"/>
+                  <a:t>The math behind a single neuron boils down to evaluating the activation function at the value given by the dot product of the </a:t>
+                </a:r>
+                <a:r>
+                  <a:rPr lang="en-US" i="1" dirty="0" smtClean="0"/>
+                  <a:t>weight vector</a:t>
+                </a:r>
+                <a:r>
+                  <a:rPr lang="en-US" dirty="0" smtClean="0"/>
+                  <a:t> and the </a:t>
+                </a:r>
+                <a:r>
+                  <a:rPr lang="en-US" i="1" dirty="0" smtClean="0"/>
+                  <a:t>input vector</a:t>
+                </a:r>
+              </a:p>
+              <a:p>
+                <a14:m>
+                  <m:oMath xmlns:m="http://schemas.openxmlformats.org/officeDocument/2006/math">
+                    <m:sSub>
+                      <m:sSubPr>
+                        <m:ctrlPr>
+                          <a:rPr lang="en-US" i="1">
+                            <a:latin typeface="Cambria Math" panose="02040503050406030204" pitchFamily="18" charset="0"/>
+                            <a:ea typeface="Cambria Math" panose="02040503050406030204" pitchFamily="18" charset="0"/>
+                          </a:rPr>
+                        </m:ctrlPr>
+                      </m:sSubPr>
+                      <m:e>
+                        <m:r>
+                          <a:rPr lang="en-US" b="0" i="1" smtClean="0">
+                            <a:latin typeface="Cambria Math" panose="02040503050406030204" pitchFamily="18" charset="0"/>
+                            <a:ea typeface="Cambria Math" panose="02040503050406030204" pitchFamily="18" charset="0"/>
+                          </a:rPr>
+                          <m:t>𝑂</m:t>
+                        </m:r>
+                      </m:e>
+                      <m:sub>
+                        <m:r>
+                          <a:rPr lang="en-US" i="1">
+                            <a:latin typeface="Cambria Math" panose="02040503050406030204" pitchFamily="18" charset="0"/>
+                            <a:ea typeface="Cambria Math" panose="02040503050406030204" pitchFamily="18" charset="0"/>
+                          </a:rPr>
+                          <m:t>0</m:t>
+                        </m:r>
+                      </m:sub>
+                    </m:sSub>
+                    <m:r>
+                      <a:rPr lang="en-US" i="1">
+                        <a:latin typeface="Cambria Math" panose="02040503050406030204" pitchFamily="18" charset="0"/>
+                        <a:ea typeface="Cambria Math" panose="02040503050406030204" pitchFamily="18" charset="0"/>
+                      </a:rPr>
+                      <m:t>=</m:t>
+                    </m:r>
+                    <m:r>
+                      <a:rPr lang="en-US" i="1">
+                        <a:latin typeface="Cambria Math" panose="02040503050406030204" pitchFamily="18" charset="0"/>
+                        <a:ea typeface="Cambria Math" panose="02040503050406030204" pitchFamily="18" charset="0"/>
+                      </a:rPr>
+                      <m:t>𝛿</m:t>
+                    </m:r>
+                    <m:d>
+                      <m:dPr>
+                        <m:ctrlPr>
+                          <a:rPr lang="en-US" i="1">
+                            <a:latin typeface="Cambria Math" panose="02040503050406030204" pitchFamily="18" charset="0"/>
+                          </a:rPr>
+                        </m:ctrlPr>
+                      </m:dPr>
+                      <m:e>
+                        <m:d>
+                          <m:dPr>
+                            <m:begChr m:val="["/>
+                            <m:endChr m:val="]"/>
+                            <m:ctrlPr>
+                              <a:rPr lang="en-US" i="1">
+                                <a:latin typeface="Cambria Math" panose="02040503050406030204" pitchFamily="18" charset="0"/>
+                              </a:rPr>
+                            </m:ctrlPr>
+                          </m:dPr>
+                          <m:e>
+                            <m:m>
+                              <m:mPr>
+                                <m:mcs>
+                                  <m:mc>
+                                    <m:mcPr>
+                                      <m:count m:val="1"/>
+                                      <m:mcJc m:val="center"/>
+                                    </m:mcPr>
+                                  </m:mc>
+                                </m:mcs>
+                                <m:ctrlPr>
+                                  <a:rPr lang="en-US" i="1">
+                                    <a:latin typeface="Cambria Math" panose="02040503050406030204" pitchFamily="18" charset="0"/>
+                                  </a:rPr>
+                                </m:ctrlPr>
+                              </m:mPr>
+                              <m:mr>
+                                <m:e>
+                                  <m:sSub>
+                                    <m:sSubPr>
+                                      <m:ctrlPr>
+                                        <a:rPr lang="en-US" i="1">
+                                          <a:latin typeface="Cambria Math" panose="02040503050406030204" pitchFamily="18" charset="0"/>
+                                        </a:rPr>
+                                      </m:ctrlPr>
+                                    </m:sSubPr>
+                                    <m:e>
+                                      <m:r>
+                                        <a:rPr lang="en-US" i="1" smtClean="0">
+                                          <a:latin typeface="Cambria Math" panose="02040503050406030204" pitchFamily="18" charset="0"/>
+                                        </a:rPr>
+                                        <m:t>𝑤</m:t>
+                                      </m:r>
+                                    </m:e>
+                                    <m:sub>
+                                      <m:r>
+                                        <a:rPr lang="en-US" i="1">
+                                          <a:latin typeface="Cambria Math" panose="02040503050406030204" pitchFamily="18" charset="0"/>
+                                        </a:rPr>
+                                        <m:t>0</m:t>
+                                      </m:r>
+                                    </m:sub>
+                                  </m:sSub>
+                                </m:e>
+                              </m:mr>
+                              <m:mr>
+                                <m:e>
+                                  <m:r>
+                                    <a:rPr lang="en-US" i="1" smtClean="0">
+                                      <a:latin typeface="Cambria Math" panose="02040503050406030204" pitchFamily="18" charset="0"/>
+                                    </a:rPr>
+                                    <m:t>⋮</m:t>
+                                  </m:r>
+                                </m:e>
+                              </m:mr>
+                              <m:mr>
+                                <m:e>
+                                  <m:sSub>
+                                    <m:sSubPr>
+                                      <m:ctrlPr>
+                                        <a:rPr lang="en-US" i="1">
+                                          <a:latin typeface="Cambria Math" panose="02040503050406030204" pitchFamily="18" charset="0"/>
+                                        </a:rPr>
+                                      </m:ctrlPr>
+                                    </m:sSubPr>
+                                    <m:e>
+                                      <m:r>
+                                        <a:rPr lang="en-US" i="1">
+                                          <a:latin typeface="Cambria Math" panose="02040503050406030204" pitchFamily="18" charset="0"/>
+                                        </a:rPr>
+                                        <m:t>𝑤</m:t>
+                                      </m:r>
+                                    </m:e>
+                                    <m:sub>
+                                      <m:r>
+                                        <a:rPr lang="en-US" b="0" i="1" smtClean="0">
+                                          <a:latin typeface="Cambria Math" panose="02040503050406030204" pitchFamily="18" charset="0"/>
+                                        </a:rPr>
+                                        <m:t>𝑛</m:t>
+                                      </m:r>
+                                    </m:sub>
+                                  </m:sSub>
+                                </m:e>
+                              </m:mr>
+                            </m:m>
+                          </m:e>
+                        </m:d>
+                        <m:r>
+                          <a:rPr lang="en-US" i="1">
+                            <a:latin typeface="Cambria Math" panose="02040503050406030204" pitchFamily="18" charset="0"/>
+                          </a:rPr>
+                          <m:t>⋅</m:t>
+                        </m:r>
+                        <m:d>
+                          <m:dPr>
+                            <m:begChr m:val="["/>
+                            <m:endChr m:val="]"/>
+                            <m:ctrlPr>
+                              <a:rPr lang="en-US" i="1">
+                                <a:latin typeface="Cambria Math" panose="02040503050406030204" pitchFamily="18" charset="0"/>
+                              </a:rPr>
+                            </m:ctrlPr>
+                          </m:dPr>
+                          <m:e>
+                            <m:m>
+                              <m:mPr>
+                                <m:mcs>
+                                  <m:mc>
+                                    <m:mcPr>
+                                      <m:count m:val="1"/>
+                                      <m:mcJc m:val="center"/>
+                                    </m:mcPr>
+                                  </m:mc>
+                                </m:mcs>
+                                <m:ctrlPr>
+                                  <a:rPr lang="en-US" i="1">
+                                    <a:latin typeface="Cambria Math" panose="02040503050406030204" pitchFamily="18" charset="0"/>
+                                  </a:rPr>
+                                </m:ctrlPr>
+                              </m:mPr>
+                              <m:mr>
+                                <m:e>
+                                  <m:sSub>
+                                    <m:sSubPr>
+                                      <m:ctrlPr>
+                                        <a:rPr lang="en-US" i="1">
+                                          <a:latin typeface="Cambria Math" panose="02040503050406030204" pitchFamily="18" charset="0"/>
+                                        </a:rPr>
+                                      </m:ctrlPr>
+                                    </m:sSubPr>
+                                    <m:e>
+                                      <m:r>
+                                        <a:rPr lang="en-US" b="0" i="1" smtClean="0">
+                                          <a:latin typeface="Cambria Math" panose="02040503050406030204" pitchFamily="18" charset="0"/>
+                                        </a:rPr>
+                                        <m:t>𝐼</m:t>
+                                      </m:r>
+                                    </m:e>
+                                    <m:sub>
+                                      <m:r>
+                                        <a:rPr lang="en-US" i="1">
+                                          <a:latin typeface="Cambria Math" panose="02040503050406030204" pitchFamily="18" charset="0"/>
+                                        </a:rPr>
+                                        <m:t>0</m:t>
+                                      </m:r>
+                                    </m:sub>
+                                  </m:sSub>
+                                </m:e>
+                              </m:mr>
+                              <m:mr>
+                                <m:e>
+                                  <m:r>
+                                    <a:rPr lang="en-US" i="1" smtClean="0">
+                                      <a:latin typeface="Cambria Math" panose="02040503050406030204" pitchFamily="18" charset="0"/>
+                                    </a:rPr>
+                                    <m:t>⋮</m:t>
+                                  </m:r>
+                                </m:e>
+                              </m:mr>
+                              <m:mr>
+                                <m:e>
+                                  <m:sSub>
+                                    <m:sSubPr>
+                                      <m:ctrlPr>
+                                        <a:rPr lang="en-US" i="1">
+                                          <a:latin typeface="Cambria Math" panose="02040503050406030204" pitchFamily="18" charset="0"/>
+                                        </a:rPr>
+                                      </m:ctrlPr>
+                                    </m:sSubPr>
+                                    <m:e>
+                                      <m:r>
+                                        <a:rPr lang="en-US" b="0" i="1" smtClean="0">
+                                          <a:latin typeface="Cambria Math" panose="02040503050406030204" pitchFamily="18" charset="0"/>
+                                        </a:rPr>
+                                        <m:t>𝐼</m:t>
+                                      </m:r>
+                                    </m:e>
+                                    <m:sub>
+                                      <m:r>
+                                        <a:rPr lang="en-US" b="0" i="1" smtClean="0">
+                                          <a:latin typeface="Cambria Math" panose="02040503050406030204" pitchFamily="18" charset="0"/>
+                                        </a:rPr>
+                                        <m:t>𝑛</m:t>
+                                      </m:r>
+                                    </m:sub>
+                                  </m:sSub>
+                                </m:e>
+                              </m:mr>
+                            </m:m>
+                          </m:e>
+                        </m:d>
+                      </m:e>
+                    </m:d>
+                    <m:r>
+                      <a:rPr lang="en-US" b="0" i="1" smtClean="0">
+                        <a:latin typeface="Cambria Math" panose="02040503050406030204" pitchFamily="18" charset="0"/>
+                      </a:rPr>
+                      <m:t>=</m:t>
+                    </m:r>
+                    <m:r>
+                      <a:rPr lang="en-US" i="1">
+                        <a:latin typeface="Cambria Math" panose="02040503050406030204" pitchFamily="18" charset="0"/>
+                        <a:ea typeface="Cambria Math" panose="02040503050406030204" pitchFamily="18" charset="0"/>
+                      </a:rPr>
+                      <m:t>𝛿</m:t>
+                    </m:r>
+                    <m:d>
+                      <m:dPr>
+                        <m:ctrlPr>
+                          <a:rPr lang="en-US" i="1">
+                            <a:latin typeface="Cambria Math" panose="02040503050406030204" pitchFamily="18" charset="0"/>
+                          </a:rPr>
+                        </m:ctrlPr>
+                      </m:dPr>
+                      <m:e>
+                        <m:acc>
+                          <m:accPr>
+                            <m:chr m:val="⃑"/>
+                            <m:ctrlPr>
+                              <a:rPr lang="en-US" i="1">
+                                <a:latin typeface="Cambria Math" panose="02040503050406030204" pitchFamily="18" charset="0"/>
+                                <a:ea typeface="Cambria Math" panose="02040503050406030204" pitchFamily="18" charset="0"/>
+                              </a:rPr>
+                            </m:ctrlPr>
+                          </m:accPr>
+                          <m:e>
+                            <m:sSub>
+                              <m:sSubPr>
+                                <m:ctrlPr>
+                                  <a:rPr lang="en-US" i="1">
+                                    <a:latin typeface="Cambria Math" panose="02040503050406030204" pitchFamily="18" charset="0"/>
+                                    <a:ea typeface="Cambria Math" panose="02040503050406030204" pitchFamily="18" charset="0"/>
+                                  </a:rPr>
+                                </m:ctrlPr>
+                              </m:sSubPr>
+                              <m:e>
+                                <m:r>
+                                  <a:rPr lang="en-US" i="1">
+                                    <a:latin typeface="Cambria Math" panose="02040503050406030204" pitchFamily="18" charset="0"/>
+                                    <a:ea typeface="Cambria Math" panose="02040503050406030204" pitchFamily="18" charset="0"/>
+                                  </a:rPr>
+                                  <m:t>𝑊</m:t>
+                                </m:r>
+                              </m:e>
+                              <m:sub>
+                                <m:r>
+                                  <a:rPr lang="en-US" i="1">
+                                    <a:latin typeface="Cambria Math" panose="02040503050406030204" pitchFamily="18" charset="0"/>
+                                    <a:ea typeface="Cambria Math" panose="02040503050406030204" pitchFamily="18" charset="0"/>
+                                  </a:rPr>
+                                  <m:t>0</m:t>
+                                </m:r>
+                              </m:sub>
+                            </m:sSub>
+                          </m:e>
+                        </m:acc>
+                        <m:r>
+                          <a:rPr lang="en-US" i="1">
+                            <a:latin typeface="Cambria Math" panose="02040503050406030204" pitchFamily="18" charset="0"/>
+                          </a:rPr>
+                          <m:t>⋅</m:t>
+                        </m:r>
+                        <m:acc>
+                          <m:accPr>
+                            <m:chr m:val="⃑"/>
+                            <m:ctrlPr>
+                              <a:rPr lang="en-US" i="1">
+                                <a:latin typeface="Cambria Math" panose="02040503050406030204" pitchFamily="18" charset="0"/>
+                                <a:ea typeface="Cambria Math" panose="02040503050406030204" pitchFamily="18" charset="0"/>
+                              </a:rPr>
+                            </m:ctrlPr>
+                          </m:accPr>
+                          <m:e>
+                            <m:r>
+                              <m:rPr>
+                                <m:sty m:val="p"/>
+                              </m:rPr>
+                              <a:rPr lang="en-US">
+                                <a:latin typeface="Cambria Math" panose="02040503050406030204" pitchFamily="18" charset="0"/>
+                                <a:ea typeface="Cambria Math" panose="02040503050406030204" pitchFamily="18" charset="0"/>
+                              </a:rPr>
+                              <m:t>I</m:t>
+                            </m:r>
+                          </m:e>
+                        </m:acc>
+                      </m:e>
+                    </m:d>
+                  </m:oMath>
+                </a14:m>
+                <a:r>
+                  <a:rPr lang="en-US" dirty="0" smtClean="0"/>
+                  <a:t> where </a:t>
+                </a:r>
+                <a14:m>
+                  <m:oMath xmlns:m="http://schemas.openxmlformats.org/officeDocument/2006/math">
+                    <m:acc>
+                      <m:accPr>
+                        <m:chr m:val="⃑"/>
+                        <m:ctrlPr>
+                          <a:rPr lang="en-US" i="1">
+                            <a:latin typeface="Cambria Math" panose="02040503050406030204" pitchFamily="18" charset="0"/>
+                            <a:ea typeface="Cambria Math" panose="02040503050406030204" pitchFamily="18" charset="0"/>
+                          </a:rPr>
+                        </m:ctrlPr>
+                      </m:accPr>
+                      <m:e>
+                        <m:sSub>
+                          <m:sSubPr>
+                            <m:ctrlPr>
+                              <a:rPr lang="en-US" i="1">
+                                <a:latin typeface="Cambria Math" panose="02040503050406030204" pitchFamily="18" charset="0"/>
+                                <a:ea typeface="Cambria Math" panose="02040503050406030204" pitchFamily="18" charset="0"/>
+                              </a:rPr>
+                            </m:ctrlPr>
+                          </m:sSubPr>
+                          <m:e>
+                            <m:r>
+                              <a:rPr lang="en-US" i="1">
+                                <a:latin typeface="Cambria Math" panose="02040503050406030204" pitchFamily="18" charset="0"/>
+                                <a:ea typeface="Cambria Math" panose="02040503050406030204" pitchFamily="18" charset="0"/>
+                              </a:rPr>
+                              <m:t>𝑊</m:t>
+                            </m:r>
+                          </m:e>
+                          <m:sub>
+                            <m:r>
+                              <a:rPr lang="en-US" i="1">
+                                <a:latin typeface="Cambria Math" panose="02040503050406030204" pitchFamily="18" charset="0"/>
+                                <a:ea typeface="Cambria Math" panose="02040503050406030204" pitchFamily="18" charset="0"/>
+                              </a:rPr>
+                              <m:t>0</m:t>
+                            </m:r>
+                          </m:sub>
+                        </m:sSub>
+                      </m:e>
+                    </m:acc>
+                    <m:r>
+                      <a:rPr lang="en-US" b="0" i="0" smtClean="0">
+                        <a:latin typeface="Cambria Math" panose="02040503050406030204" pitchFamily="18" charset="0"/>
+                      </a:rPr>
+                      <m:t>=</m:t>
+                    </m:r>
+                    <m:d>
+                      <m:dPr>
+                        <m:begChr m:val="["/>
+                        <m:endChr m:val="]"/>
+                        <m:ctrlPr>
+                          <a:rPr lang="en-US" i="1">
+                            <a:latin typeface="Cambria Math" panose="02040503050406030204" pitchFamily="18" charset="0"/>
+                          </a:rPr>
+                        </m:ctrlPr>
+                      </m:dPr>
+                      <m:e>
+                        <m:m>
+                          <m:mPr>
+                            <m:mcs>
+                              <m:mc>
+                                <m:mcPr>
+                                  <m:count m:val="1"/>
+                                  <m:mcJc m:val="center"/>
+                                </m:mcPr>
+                              </m:mc>
+                            </m:mcs>
+                            <m:ctrlPr>
+                              <a:rPr lang="en-US" i="1">
+                                <a:latin typeface="Cambria Math" panose="02040503050406030204" pitchFamily="18" charset="0"/>
+                              </a:rPr>
+                            </m:ctrlPr>
+                          </m:mPr>
+                          <m:mr>
+                            <m:e>
+                              <m:sSub>
+                                <m:sSubPr>
+                                  <m:ctrlPr>
+                                    <a:rPr lang="en-US" i="1">
+                                      <a:latin typeface="Cambria Math" panose="02040503050406030204" pitchFamily="18" charset="0"/>
+                                    </a:rPr>
+                                  </m:ctrlPr>
+                                </m:sSubPr>
+                                <m:e>
+                                  <m:r>
+                                    <a:rPr lang="en-US" i="1">
+                                      <a:latin typeface="Cambria Math" panose="02040503050406030204" pitchFamily="18" charset="0"/>
+                                    </a:rPr>
+                                    <m:t>𝑤</m:t>
+                                  </m:r>
+                                </m:e>
+                                <m:sub>
+                                  <m:r>
+                                    <a:rPr lang="en-US" i="1">
+                                      <a:latin typeface="Cambria Math" panose="02040503050406030204" pitchFamily="18" charset="0"/>
+                                    </a:rPr>
+                                    <m:t>0</m:t>
+                                  </m:r>
+                                </m:sub>
+                              </m:sSub>
+                            </m:e>
+                          </m:mr>
+                          <m:mr>
+                            <m:e>
+                              <m:r>
+                                <a:rPr lang="en-US" i="1" smtClean="0">
+                                  <a:latin typeface="Cambria Math" panose="02040503050406030204" pitchFamily="18" charset="0"/>
+                                </a:rPr>
+                                <m:t>⋮</m:t>
+                              </m:r>
+                            </m:e>
+                          </m:mr>
+                          <m:mr>
+                            <m:e>
+                              <m:sSub>
+                                <m:sSubPr>
+                                  <m:ctrlPr>
+                                    <a:rPr lang="en-US" i="1">
+                                      <a:latin typeface="Cambria Math" panose="02040503050406030204" pitchFamily="18" charset="0"/>
+                                    </a:rPr>
+                                  </m:ctrlPr>
+                                </m:sSubPr>
+                                <m:e>
+                                  <m:r>
+                                    <a:rPr lang="en-US" i="1">
+                                      <a:latin typeface="Cambria Math" panose="02040503050406030204" pitchFamily="18" charset="0"/>
+                                    </a:rPr>
+                                    <m:t>𝑤</m:t>
+                                  </m:r>
+                                </m:e>
+                                <m:sub>
+                                  <m:r>
+                                    <a:rPr lang="en-US" b="0" i="1" smtClean="0">
+                                      <a:latin typeface="Cambria Math" panose="02040503050406030204" pitchFamily="18" charset="0"/>
+                                    </a:rPr>
+                                    <m:t>𝑛</m:t>
+                                  </m:r>
+                                </m:sub>
+                              </m:sSub>
+                            </m:e>
+                          </m:mr>
+                        </m:m>
+                      </m:e>
+                    </m:d>
+                  </m:oMath>
+                </a14:m>
+                <a:r>
+                  <a:rPr lang="en-US" dirty="0" smtClean="0"/>
+                  <a:t>, </a:t>
+                </a:r>
+                <a14:m>
+                  <m:oMath xmlns:m="http://schemas.openxmlformats.org/officeDocument/2006/math">
+                    <m:acc>
+                      <m:accPr>
+                        <m:chr m:val="⃑"/>
+                        <m:ctrlPr>
+                          <a:rPr lang="en-US" i="1">
+                            <a:latin typeface="Cambria Math" panose="02040503050406030204" pitchFamily="18" charset="0"/>
+                            <a:ea typeface="Cambria Math" panose="02040503050406030204" pitchFamily="18" charset="0"/>
+                          </a:rPr>
+                        </m:ctrlPr>
+                      </m:accPr>
+                      <m:e>
+                        <m:r>
+                          <m:rPr>
+                            <m:sty m:val="p"/>
+                          </m:rPr>
+                          <a:rPr lang="en-US">
+                            <a:latin typeface="Cambria Math" panose="02040503050406030204" pitchFamily="18" charset="0"/>
+                            <a:ea typeface="Cambria Math" panose="02040503050406030204" pitchFamily="18" charset="0"/>
+                          </a:rPr>
+                          <m:t>I</m:t>
+                        </m:r>
+                      </m:e>
+                    </m:acc>
+                    <m:r>
+                      <a:rPr lang="en-US" b="0" i="1" smtClean="0">
+                        <a:latin typeface="Cambria Math" panose="02040503050406030204" pitchFamily="18" charset="0"/>
+                      </a:rPr>
+                      <m:t>=</m:t>
+                    </m:r>
+                    <m:d>
+                      <m:dPr>
+                        <m:begChr m:val="["/>
+                        <m:endChr m:val="]"/>
+                        <m:ctrlPr>
+                          <a:rPr lang="en-US" i="1">
+                            <a:latin typeface="Cambria Math" panose="02040503050406030204" pitchFamily="18" charset="0"/>
+                          </a:rPr>
+                        </m:ctrlPr>
+                      </m:dPr>
+                      <m:e>
+                        <m:m>
+                          <m:mPr>
+                            <m:mcs>
+                              <m:mc>
+                                <m:mcPr>
+                                  <m:count m:val="1"/>
+                                  <m:mcJc m:val="center"/>
+                                </m:mcPr>
+                              </m:mc>
+                            </m:mcs>
+                            <m:ctrlPr>
+                              <a:rPr lang="en-US" i="1">
+                                <a:latin typeface="Cambria Math" panose="02040503050406030204" pitchFamily="18" charset="0"/>
+                              </a:rPr>
+                            </m:ctrlPr>
+                          </m:mPr>
+                          <m:mr>
+                            <m:e>
+                              <m:sSub>
+                                <m:sSubPr>
+                                  <m:ctrlPr>
+                                    <a:rPr lang="en-US" i="1">
+                                      <a:latin typeface="Cambria Math" panose="02040503050406030204" pitchFamily="18" charset="0"/>
+                                    </a:rPr>
+                                  </m:ctrlPr>
+                                </m:sSubPr>
+                                <m:e>
+                                  <m:r>
+                                    <a:rPr lang="en-US" i="1">
+                                      <a:latin typeface="Cambria Math" panose="02040503050406030204" pitchFamily="18" charset="0"/>
+                                    </a:rPr>
+                                    <m:t>𝐼</m:t>
+                                  </m:r>
+                                </m:e>
+                                <m:sub>
+                                  <m:r>
+                                    <a:rPr lang="en-US" i="1">
+                                      <a:latin typeface="Cambria Math" panose="02040503050406030204" pitchFamily="18" charset="0"/>
+                                    </a:rPr>
+                                    <m:t>0</m:t>
+                                  </m:r>
+                                </m:sub>
+                              </m:sSub>
+                            </m:e>
+                          </m:mr>
+                          <m:mr>
+                            <m:e>
+                              <m:r>
+                                <a:rPr lang="en-US" i="1" smtClean="0">
+                                  <a:latin typeface="Cambria Math" panose="02040503050406030204" pitchFamily="18" charset="0"/>
+                                </a:rPr>
+                                <m:t>⋮</m:t>
+                              </m:r>
+                            </m:e>
+                          </m:mr>
+                          <m:mr>
+                            <m:e>
+                              <m:sSub>
+                                <m:sSubPr>
+                                  <m:ctrlPr>
+                                    <a:rPr lang="en-US" i="1" smtClean="0">
+                                      <a:latin typeface="Cambria Math" panose="02040503050406030204" pitchFamily="18" charset="0"/>
+                                    </a:rPr>
+                                  </m:ctrlPr>
+                                </m:sSubPr>
+                                <m:e>
+                                  <m:r>
+                                    <a:rPr lang="en-US" i="1">
+                                      <a:latin typeface="Cambria Math" panose="02040503050406030204" pitchFamily="18" charset="0"/>
+                                    </a:rPr>
+                                    <m:t>𝐼</m:t>
+                                  </m:r>
+                                </m:e>
+                                <m:sub>
+                                  <m:r>
+                                    <a:rPr lang="en-US" b="0" i="1" smtClean="0">
+                                      <a:latin typeface="Cambria Math" panose="02040503050406030204" pitchFamily="18" charset="0"/>
+                                    </a:rPr>
+                                    <m:t>𝑛</m:t>
+                                  </m:r>
+                                </m:sub>
+                              </m:sSub>
+                            </m:e>
+                          </m:mr>
+                        </m:m>
+                      </m:e>
+                    </m:d>
+                  </m:oMath>
+                </a14:m>
+                <a:endParaRPr lang="en-US" dirty="0" smtClean="0"/>
+              </a:p>
+              <a:p>
+                <a:r>
+                  <a:rPr lang="en-US" dirty="0" smtClean="0"/>
+                  <a:t>Extending this idea for multiple output nodes turns the dot product into a matrix product of the weighting matrix (consisting of the weight vectors for each output stacked vertically as rows) and the input vector</a:t>
+                </a:r>
+              </a:p>
+              <a:p>
+                <a14:m>
+                  <m:oMath xmlns:m="http://schemas.openxmlformats.org/officeDocument/2006/math">
+                    <m:acc>
+                      <m:accPr>
+                        <m:chr m:val="⃑"/>
+                        <m:ctrlPr>
+                          <a:rPr lang="en-US" i="1" smtClean="0">
+                            <a:latin typeface="Cambria Math" panose="02040503050406030204" pitchFamily="18" charset="0"/>
+                            <a:ea typeface="Cambria Math" panose="02040503050406030204" pitchFamily="18" charset="0"/>
+                          </a:rPr>
+                        </m:ctrlPr>
+                      </m:accPr>
+                      <m:e>
+                        <m:r>
+                          <a:rPr lang="en-US" b="0" i="1" smtClean="0">
+                            <a:latin typeface="Cambria Math" panose="02040503050406030204" pitchFamily="18" charset="0"/>
+                            <a:ea typeface="Cambria Math" panose="02040503050406030204" pitchFamily="18" charset="0"/>
+                          </a:rPr>
+                          <m:t>𝑂</m:t>
+                        </m:r>
+                      </m:e>
+                    </m:acc>
+                    <m:r>
+                      <a:rPr lang="en-US" i="1">
+                        <a:latin typeface="Cambria Math" panose="02040503050406030204" pitchFamily="18" charset="0"/>
+                        <a:ea typeface="Cambria Math" panose="02040503050406030204" pitchFamily="18" charset="0"/>
+                      </a:rPr>
+                      <m:t>=</m:t>
+                    </m:r>
+                    <m:r>
+                      <a:rPr lang="en-US" i="1">
+                        <a:latin typeface="Cambria Math" panose="02040503050406030204" pitchFamily="18" charset="0"/>
+                        <a:ea typeface="Cambria Math" panose="02040503050406030204" pitchFamily="18" charset="0"/>
+                      </a:rPr>
+                      <m:t>𝛿</m:t>
+                    </m:r>
+                    <m:d>
+                      <m:dPr>
+                        <m:ctrlPr>
+                          <a:rPr lang="en-US" i="1">
+                            <a:latin typeface="Cambria Math" panose="02040503050406030204" pitchFamily="18" charset="0"/>
+                          </a:rPr>
+                        </m:ctrlPr>
+                      </m:dPr>
+                      <m:e>
+                        <m:r>
+                          <a:rPr lang="en-US" b="1" i="1" smtClean="0">
+                            <a:latin typeface="Cambria Math" panose="02040503050406030204" pitchFamily="18" charset="0"/>
+                          </a:rPr>
+                          <m:t>𝑾</m:t>
+                        </m:r>
+                        <m:acc>
+                          <m:accPr>
+                            <m:chr m:val="⃑"/>
+                            <m:ctrlPr>
+                              <a:rPr lang="en-US" i="1">
+                                <a:latin typeface="Cambria Math" panose="02040503050406030204" pitchFamily="18" charset="0"/>
+                                <a:ea typeface="Cambria Math" panose="02040503050406030204" pitchFamily="18" charset="0"/>
+                              </a:rPr>
+                            </m:ctrlPr>
+                          </m:accPr>
+                          <m:e>
+                            <m:r>
+                              <m:rPr>
+                                <m:sty m:val="p"/>
+                              </m:rPr>
+                              <a:rPr lang="en-US">
+                                <a:latin typeface="Cambria Math" panose="02040503050406030204" pitchFamily="18" charset="0"/>
+                                <a:ea typeface="Cambria Math" panose="02040503050406030204" pitchFamily="18" charset="0"/>
+                              </a:rPr>
+                              <m:t>I</m:t>
+                            </m:r>
+                          </m:e>
+                        </m:acc>
+                      </m:e>
+                    </m:d>
+                  </m:oMath>
+                </a14:m>
+                <a:r>
+                  <a:rPr lang="en-US" dirty="0"/>
+                  <a:t> where </a:t>
+                </a:r>
+                <a14:m>
+                  <m:oMath xmlns:m="http://schemas.openxmlformats.org/officeDocument/2006/math">
+                    <m:r>
+                      <a:rPr lang="en-US" b="1" i="1">
+                        <a:latin typeface="Cambria Math" panose="02040503050406030204" pitchFamily="18" charset="0"/>
+                      </a:rPr>
+                      <m:t>𝑾</m:t>
+                    </m:r>
+                    <m:r>
+                      <a:rPr lang="en-US" i="1">
+                        <a:latin typeface="Cambria Math" panose="02040503050406030204" pitchFamily="18" charset="0"/>
+                      </a:rPr>
+                      <m:t>=</m:t>
+                    </m:r>
+                    <m:d>
+                      <m:dPr>
+                        <m:begChr m:val="["/>
+                        <m:endChr m:val="]"/>
+                        <m:ctrlPr>
+                          <a:rPr lang="en-US" i="1" smtClean="0">
+                            <a:latin typeface="Cambria Math" panose="02040503050406030204" pitchFamily="18" charset="0"/>
+                          </a:rPr>
+                        </m:ctrlPr>
+                      </m:dPr>
+                      <m:e>
+                        <m:m>
+                          <m:mPr>
+                            <m:mcs>
+                              <m:mc>
+                                <m:mcPr>
+                                  <m:count m:val="3"/>
+                                  <m:mcJc m:val="center"/>
+                                </m:mcPr>
+                              </m:mc>
+                            </m:mcs>
+                            <m:ctrlPr>
+                              <a:rPr lang="en-US" i="1" smtClean="0">
+                                <a:latin typeface="Cambria Math" panose="02040503050406030204" pitchFamily="18" charset="0"/>
+                              </a:rPr>
+                            </m:ctrlPr>
+                          </m:mPr>
+                          <m:mr>
+                            <m:e>
+                              <m:r>
+                                <a:rPr lang="en-US" i="1">
+                                  <a:latin typeface="Cambria Math" panose="02040503050406030204" pitchFamily="18" charset="0"/>
+                                </a:rPr>
+                                <m:t>⋯</m:t>
+                              </m:r>
+                            </m:e>
+                            <m:e>
+                              <m:acc>
+                                <m:accPr>
+                                  <m:chr m:val="⃑"/>
+                                  <m:ctrlPr>
+                                    <a:rPr lang="en-US" i="1">
+                                      <a:latin typeface="Cambria Math" panose="02040503050406030204" pitchFamily="18" charset="0"/>
+                                      <a:ea typeface="Cambria Math" panose="02040503050406030204" pitchFamily="18" charset="0"/>
+                                    </a:rPr>
+                                  </m:ctrlPr>
+                                </m:accPr>
+                                <m:e>
+                                  <m:sSub>
+                                    <m:sSubPr>
+                                      <m:ctrlPr>
+                                        <a:rPr lang="en-US" b="0" i="1" smtClean="0">
+                                          <a:latin typeface="Cambria Math" panose="02040503050406030204" pitchFamily="18" charset="0"/>
+                                          <a:ea typeface="Cambria Math" panose="02040503050406030204" pitchFamily="18" charset="0"/>
+                                        </a:rPr>
+                                      </m:ctrlPr>
+                                    </m:sSubPr>
+                                    <m:e>
+                                      <m:r>
+                                        <a:rPr lang="en-US" b="0" i="1" smtClean="0">
+                                          <a:latin typeface="Cambria Math" panose="02040503050406030204" pitchFamily="18" charset="0"/>
+                                          <a:ea typeface="Cambria Math" panose="02040503050406030204" pitchFamily="18" charset="0"/>
+                                        </a:rPr>
+                                        <m:t>𝑊</m:t>
+                                      </m:r>
+                                    </m:e>
+                                    <m:sub>
+                                      <m:r>
+                                        <a:rPr lang="en-US" b="0" i="1" smtClean="0">
+                                          <a:latin typeface="Cambria Math" panose="02040503050406030204" pitchFamily="18" charset="0"/>
+                                          <a:ea typeface="Cambria Math" panose="02040503050406030204" pitchFamily="18" charset="0"/>
+                                        </a:rPr>
+                                        <m:t>0</m:t>
+                                      </m:r>
+                                    </m:sub>
+                                  </m:sSub>
+                                </m:e>
+                              </m:acc>
+                            </m:e>
+                            <m:e>
+                              <m:r>
+                                <a:rPr lang="en-US" i="1">
+                                  <a:latin typeface="Cambria Math" panose="02040503050406030204" pitchFamily="18" charset="0"/>
+                                </a:rPr>
+                                <m:t>⋯</m:t>
+                              </m:r>
+                            </m:e>
+                          </m:mr>
+                          <m:mr>
+                            <m:e>
+                              <m:r>
+                                <a:rPr lang="en-US" i="1">
+                                  <a:latin typeface="Cambria Math" panose="02040503050406030204" pitchFamily="18" charset="0"/>
+                                </a:rPr>
+                                <m:t>⋯</m:t>
+                              </m:r>
+                            </m:e>
+                            <m:e>
+                              <m:r>
+                                <a:rPr lang="en-US" i="1" smtClean="0">
+                                  <a:latin typeface="Cambria Math" panose="02040503050406030204" pitchFamily="18" charset="0"/>
+                                </a:rPr>
+                                <m:t>⋮</m:t>
+                              </m:r>
+                            </m:e>
+                            <m:e>
+                              <m:r>
+                                <a:rPr lang="en-US" i="1">
+                                  <a:latin typeface="Cambria Math" panose="02040503050406030204" pitchFamily="18" charset="0"/>
+                                </a:rPr>
+                                <m:t>⋯</m:t>
+                              </m:r>
+                            </m:e>
+                          </m:mr>
+                          <m:mr>
+                            <m:e>
+                              <m:r>
+                                <a:rPr lang="en-US" i="1">
+                                  <a:latin typeface="Cambria Math" panose="02040503050406030204" pitchFamily="18" charset="0"/>
+                                </a:rPr>
+                                <m:t>⋯</m:t>
+                              </m:r>
+                            </m:e>
+                            <m:e>
+                              <m:acc>
+                                <m:accPr>
+                                  <m:chr m:val="⃑"/>
+                                  <m:ctrlPr>
+                                    <a:rPr lang="en-US" i="1">
+                                      <a:latin typeface="Cambria Math" panose="02040503050406030204" pitchFamily="18" charset="0"/>
+                                      <a:ea typeface="Cambria Math" panose="02040503050406030204" pitchFamily="18" charset="0"/>
+                                    </a:rPr>
+                                  </m:ctrlPr>
+                                </m:accPr>
+                                <m:e>
+                                  <m:sSub>
+                                    <m:sSubPr>
+                                      <m:ctrlPr>
+                                        <a:rPr lang="en-US" i="1" smtClean="0">
+                                          <a:latin typeface="Cambria Math" panose="02040503050406030204" pitchFamily="18" charset="0"/>
+                                          <a:ea typeface="Cambria Math" panose="02040503050406030204" pitchFamily="18" charset="0"/>
+                                        </a:rPr>
+                                      </m:ctrlPr>
+                                    </m:sSubPr>
+                                    <m:e>
+                                      <m:r>
+                                        <a:rPr lang="en-US" i="1">
+                                          <a:latin typeface="Cambria Math" panose="02040503050406030204" pitchFamily="18" charset="0"/>
+                                          <a:ea typeface="Cambria Math" panose="02040503050406030204" pitchFamily="18" charset="0"/>
+                                        </a:rPr>
+                                        <m:t>𝑊</m:t>
+                                      </m:r>
+                                    </m:e>
+                                    <m:sub>
+                                      <m:r>
+                                        <a:rPr lang="en-US" b="0" i="1" smtClean="0">
+                                          <a:latin typeface="Cambria Math" panose="02040503050406030204" pitchFamily="18" charset="0"/>
+                                          <a:ea typeface="Cambria Math" panose="02040503050406030204" pitchFamily="18" charset="0"/>
+                                        </a:rPr>
+                                        <m:t>𝑛</m:t>
+                                      </m:r>
+                                    </m:sub>
+                                  </m:sSub>
+                                </m:e>
+                              </m:acc>
+                            </m:e>
+                            <m:e>
+                              <m:r>
+                                <a:rPr lang="en-US" i="1">
+                                  <a:latin typeface="Cambria Math" panose="02040503050406030204" pitchFamily="18" charset="0"/>
+                                </a:rPr>
+                                <m:t>⋯</m:t>
+                              </m:r>
+                            </m:e>
+                          </m:mr>
+                        </m:m>
+                      </m:e>
+                    </m:d>
+                  </m:oMath>
+                </a14:m>
+                <a:endParaRPr lang="en-US" dirty="0" smtClean="0"/>
+              </a:p>
+            </p:txBody>
+          </p:sp>
+        </mc:Choice>
+        <mc:Fallback>
+          <p:sp>
+            <p:nvSpPr>
+              <p:cNvPr id="48" name="Content Placeholder 2"/>
+              <p:cNvSpPr>
+                <a:spLocks noGrp="1" noRot="1" noChangeAspect="1" noMove="1" noResize="1" noEditPoints="1" noAdjustHandles="1" noChangeArrowheads="1" noChangeShapeType="1" noTextEdit="1"/>
+              </p:cNvSpPr>
+              <p:nvPr>
+                <p:ph idx="1"/>
+              </p:nvPr>
+            </p:nvSpPr>
+            <p:spPr>
+              <a:xfrm>
+                <a:off x="581192" y="2180496"/>
+                <a:ext cx="11029615" cy="3678303"/>
+              </a:xfrm>
+              <a:blipFill rotWithShape="0">
+                <a:blip r:embed="rId2"/>
+                <a:stretch>
+                  <a:fillRect l="-221" r="-884"/>
+                </a:stretch>
+              </a:blipFill>
+              <a:ln>
+                <a:noFill/>
+              </a:ln>
+            </p:spPr>
+            <p:txBody>
+              <a:bodyPr/>
+              <a:lstStyle/>
+              <a:p>
+                <a:r>
+                  <a:rPr lang="en-US">
+                    <a:noFill/>
+                  </a:rPr>
+                  <a:t> </a:t>
+                </a:r>
+              </a:p>
+            </p:txBody>
+          </p:sp>
+        </mc:Fallback>
+      </mc:AlternateContent>
     </p:spTree>
     <p:extLst>
       <p:ext uri="{BB962C8B-B14F-4D97-AF65-F5344CB8AC3E}">
-        <p14:creationId xmlns:p14="http://schemas.microsoft.com/office/powerpoint/2010/main" val="3681801986"/>
+        <p14:creationId xmlns:p14="http://schemas.microsoft.com/office/powerpoint/2010/main" val="288177242"/>
       </p:ext>
     </p:extLst>
   </p:cSld>
   <p:clrMapOvr>
     <a:masterClrMapping/>
   </p:clrMapOvr>
+  <mc:AlternateContent xmlns:mc="http://schemas.openxmlformats.org/markup-compatibility/2006">
+    <mc:Choice xmlns:p14="http://schemas.microsoft.com/office/powerpoint/2010/main" Requires="p14">
+      <p:transition spd="slow" p14:dur="2000"/>
+    </mc:Choice>
+    <mc:Fallback>
+      <p:transition spd="slow"/>
+    </mc:Fallback>
+  </mc:AlternateContent>
   <p:timing>
     <p:tnLst>
       <p:par>
@@ -4144,7 +5904,7 @@
 </p:sld>
 </file>
 
-<file path=ppt/slides/slide3.xml><?xml version="1.0" encoding="utf-8"?>
+<file path=ppt/slides/slide11.xml><?xml version="1.0" encoding="utf-8"?>
 <p:sld xmlns:a="http://schemas.openxmlformats.org/drawingml/2006/main" xmlns:r="http://schemas.openxmlformats.org/officeDocument/2006/relationships" xmlns:p="http://schemas.openxmlformats.org/presentationml/2006/main">
   <p:cSld>
     <p:spTree>
@@ -4178,41 +5938,522 @@
           <a:p>
             <a:r>
               <a:rPr lang="en-US" dirty="0" smtClean="0"/>
-              <a:t>What is deep learning?</a:t>
+              <a:t>How does Deep Learning Work?</a:t>
             </a:r>
             <a:endParaRPr lang="en-US" dirty="0"/>
           </a:p>
         </p:txBody>
       </p:sp>
-      <p:sp>
-        <p:nvSpPr>
-          <p:cNvPr id="3" name="Content Placeholder 2"/>
-          <p:cNvSpPr>
-            <a:spLocks noGrp="1"/>
-          </p:cNvSpPr>
-          <p:nvPr>
-            <p:ph idx="1"/>
-          </p:nvPr>
-        </p:nvSpPr>
-        <p:spPr/>
-        <p:txBody>
-          <a:bodyPr/>
-          <a:lstStyle/>
-          <a:p>
-            <a:r>
-              <a:rPr lang="en-US" dirty="0" smtClean="0"/>
-              <a:t>Deep learning is a type of machine learning involving several layers</a:t>
-            </a:r>
-          </a:p>
-          <a:p>
-            <a:endParaRPr lang="en-US" dirty="0"/>
-          </a:p>
-        </p:txBody>
-      </p:sp>
+      <mc:AlternateContent xmlns:mc="http://schemas.openxmlformats.org/markup-compatibility/2006">
+        <mc:Choice xmlns:a14="http://schemas.microsoft.com/office/drawing/2010/main" Requires="a14">
+          <p:sp>
+            <p:nvSpPr>
+              <p:cNvPr id="3" name="Content Placeholder 2"/>
+              <p:cNvSpPr>
+                <a:spLocks noGrp="1"/>
+              </p:cNvSpPr>
+              <p:nvPr>
+                <p:ph idx="1"/>
+              </p:nvPr>
+            </p:nvSpPr>
+            <p:spPr>
+              <a:xfrm>
+                <a:off x="590157" y="2180496"/>
+                <a:ext cx="11029615" cy="3678303"/>
+              </a:xfrm>
+            </p:spPr>
+            <p:txBody>
+              <a:bodyPr/>
+              <a:lstStyle/>
+              <a:p>
+                <a:r>
+                  <a:rPr lang="en-US" dirty="0" smtClean="0"/>
+                  <a:t>So how do you adjust the weighting matrix to get the algorithm’s output to match the predicted output?</a:t>
+                </a:r>
+              </a:p>
+              <a:p>
+                <a:r>
+                  <a:rPr lang="en-US" dirty="0" smtClean="0"/>
+                  <a:t>First define loss function </a:t>
+                </a:r>
+                <a14:m>
+                  <m:oMath xmlns:m="http://schemas.openxmlformats.org/officeDocument/2006/math">
+                    <m:r>
+                      <a:rPr lang="en-US" b="0" i="1" smtClean="0">
+                        <a:latin typeface="Cambria Math" panose="02040503050406030204" pitchFamily="18" charset="0"/>
+                      </a:rPr>
+                      <m:t>𝐿</m:t>
+                    </m:r>
+                    <m:r>
+                      <a:rPr lang="en-US" b="1" i="1" smtClean="0">
+                        <a:latin typeface="Cambria Math" panose="02040503050406030204" pitchFamily="18" charset="0"/>
+                      </a:rPr>
+                      <m:t>(</m:t>
+                    </m:r>
+                    <m:sSup>
+                      <m:sSupPr>
+                        <m:ctrlPr>
+                          <a:rPr lang="en-US" b="1" i="1" smtClean="0">
+                            <a:latin typeface="Cambria Math" panose="02040503050406030204" pitchFamily="18" charset="0"/>
+                          </a:rPr>
+                        </m:ctrlPr>
+                      </m:sSupPr>
+                      <m:e>
+                        <m:r>
+                          <a:rPr lang="en-US" b="1" i="1" smtClean="0">
+                            <a:latin typeface="Cambria Math" panose="02040503050406030204" pitchFamily="18" charset="0"/>
+                          </a:rPr>
+                          <m:t>𝑾</m:t>
+                        </m:r>
+                      </m:e>
+                      <m:sup>
+                        <m:r>
+                          <a:rPr lang="en-US" b="1" i="1" smtClean="0">
+                            <a:latin typeface="Cambria Math" panose="02040503050406030204" pitchFamily="18" charset="0"/>
+                          </a:rPr>
+                          <m:t>𝒌</m:t>
+                        </m:r>
+                      </m:sup>
+                    </m:sSup>
+                    <m:r>
+                      <a:rPr lang="en-US" b="1" i="1" smtClean="0">
+                        <a:latin typeface="Cambria Math" panose="02040503050406030204" pitchFamily="18" charset="0"/>
+                      </a:rPr>
+                      <m:t>,</m:t>
+                    </m:r>
+                    <m:acc>
+                      <m:accPr>
+                        <m:chr m:val="⃑"/>
+                        <m:ctrlPr>
+                          <a:rPr lang="en-US" b="0" i="1" smtClean="0">
+                            <a:latin typeface="Cambria Math" panose="02040503050406030204" pitchFamily="18" charset="0"/>
+                          </a:rPr>
+                        </m:ctrlPr>
+                      </m:accPr>
+                      <m:e>
+                        <m:r>
+                          <a:rPr lang="en-US" b="0" i="1" smtClean="0">
+                            <a:latin typeface="Cambria Math" panose="02040503050406030204" pitchFamily="18" charset="0"/>
+                          </a:rPr>
+                          <m:t>𝐼</m:t>
+                        </m:r>
+                      </m:e>
+                    </m:acc>
+                    <m:r>
+                      <a:rPr lang="en-US" b="0" i="1" smtClean="0">
+                        <a:latin typeface="Cambria Math" panose="02040503050406030204" pitchFamily="18" charset="0"/>
+                      </a:rPr>
+                      <m:t>,</m:t>
+                    </m:r>
+                    <m:acc>
+                      <m:accPr>
+                        <m:chr m:val="⃑"/>
+                        <m:ctrlPr>
+                          <a:rPr lang="en-US" b="0" i="1" smtClean="0">
+                            <a:latin typeface="Cambria Math" panose="02040503050406030204" pitchFamily="18" charset="0"/>
+                          </a:rPr>
+                        </m:ctrlPr>
+                      </m:accPr>
+                      <m:e>
+                        <m:r>
+                          <a:rPr lang="en-US" b="0" i="1" smtClean="0">
+                            <a:latin typeface="Cambria Math" panose="02040503050406030204" pitchFamily="18" charset="0"/>
+                          </a:rPr>
+                          <m:t>𝑂</m:t>
+                        </m:r>
+                      </m:e>
+                    </m:acc>
+                    <m:r>
+                      <a:rPr lang="en-US" b="0" i="1" smtClean="0">
+                        <a:latin typeface="Cambria Math" panose="02040503050406030204" pitchFamily="18" charset="0"/>
+                      </a:rPr>
+                      <m:t>)</m:t>
+                    </m:r>
+                  </m:oMath>
+                </a14:m>
+                <a:r>
+                  <a:rPr lang="en-US" dirty="0" smtClean="0"/>
+                  <a:t> where </a:t>
+                </a:r>
+                <a14:m>
+                  <m:oMath xmlns:m="http://schemas.openxmlformats.org/officeDocument/2006/math">
+                    <m:sSup>
+                      <m:sSupPr>
+                        <m:ctrlPr>
+                          <a:rPr lang="en-US" b="1" i="1">
+                            <a:latin typeface="Cambria Math" panose="02040503050406030204" pitchFamily="18" charset="0"/>
+                          </a:rPr>
+                        </m:ctrlPr>
+                      </m:sSupPr>
+                      <m:e>
+                        <m:r>
+                          <a:rPr lang="en-US" b="1" i="1">
+                            <a:latin typeface="Cambria Math" panose="02040503050406030204" pitchFamily="18" charset="0"/>
+                          </a:rPr>
+                          <m:t>𝑾</m:t>
+                        </m:r>
+                      </m:e>
+                      <m:sup>
+                        <m:r>
+                          <a:rPr lang="en-US" b="1" i="1">
+                            <a:latin typeface="Cambria Math" panose="02040503050406030204" pitchFamily="18" charset="0"/>
+                          </a:rPr>
+                          <m:t>𝒌</m:t>
+                        </m:r>
+                      </m:sup>
+                    </m:sSup>
+                  </m:oMath>
+                </a14:m>
+                <a:r>
+                  <a:rPr lang="en-US" dirty="0" smtClean="0"/>
+                  <a:t> is the weighting vector at iteration k, </a:t>
+                </a:r>
+                <a14:m>
+                  <m:oMath xmlns:m="http://schemas.openxmlformats.org/officeDocument/2006/math">
+                    <m:acc>
+                      <m:accPr>
+                        <m:chr m:val="⃑"/>
+                        <m:ctrlPr>
+                          <a:rPr lang="en-US" i="1">
+                            <a:latin typeface="Cambria Math" panose="02040503050406030204" pitchFamily="18" charset="0"/>
+                          </a:rPr>
+                        </m:ctrlPr>
+                      </m:accPr>
+                      <m:e>
+                        <m:r>
+                          <a:rPr lang="en-US" i="1">
+                            <a:latin typeface="Cambria Math" panose="02040503050406030204" pitchFamily="18" charset="0"/>
+                          </a:rPr>
+                          <m:t>𝐼</m:t>
+                        </m:r>
+                      </m:e>
+                    </m:acc>
+                  </m:oMath>
+                </a14:m>
+                <a:r>
+                  <a:rPr lang="en-US" dirty="0" smtClean="0"/>
+                  <a:t> is one of the input sets from the training data and </a:t>
+                </a:r>
+                <a14:m>
+                  <m:oMath xmlns:m="http://schemas.openxmlformats.org/officeDocument/2006/math">
+                    <m:acc>
+                      <m:accPr>
+                        <m:chr m:val="⃑"/>
+                        <m:ctrlPr>
+                          <a:rPr lang="en-US" i="1">
+                            <a:latin typeface="Cambria Math" panose="02040503050406030204" pitchFamily="18" charset="0"/>
+                          </a:rPr>
+                        </m:ctrlPr>
+                      </m:accPr>
+                      <m:e>
+                        <m:r>
+                          <a:rPr lang="en-US" i="1">
+                            <a:latin typeface="Cambria Math" panose="02040503050406030204" pitchFamily="18" charset="0"/>
+                          </a:rPr>
+                          <m:t>𝑂</m:t>
+                        </m:r>
+                      </m:e>
+                    </m:acc>
+                  </m:oMath>
+                </a14:m>
+                <a:r>
+                  <a:rPr lang="en-US" dirty="0" smtClean="0"/>
+                  <a:t> is the output given </a:t>
+                </a:r>
+                <a14:m>
+                  <m:oMath xmlns:m="http://schemas.openxmlformats.org/officeDocument/2006/math">
+                    <m:acc>
+                      <m:accPr>
+                        <m:chr m:val="⃑"/>
+                        <m:ctrlPr>
+                          <a:rPr lang="en-US" i="1">
+                            <a:latin typeface="Cambria Math" panose="02040503050406030204" pitchFamily="18" charset="0"/>
+                          </a:rPr>
+                        </m:ctrlPr>
+                      </m:accPr>
+                      <m:e>
+                        <m:r>
+                          <a:rPr lang="en-US" i="1">
+                            <a:latin typeface="Cambria Math" panose="02040503050406030204" pitchFamily="18" charset="0"/>
+                          </a:rPr>
+                          <m:t>𝐼</m:t>
+                        </m:r>
+                      </m:e>
+                    </m:acc>
+                  </m:oMath>
+                </a14:m>
+                <a:endParaRPr lang="en-US" dirty="0" smtClean="0"/>
+              </a:p>
+              <a:p>
+                <a:r>
+                  <a:rPr lang="en-US" dirty="0" smtClean="0"/>
+                  <a:t>For time series prediction, we define loss as square error: </a:t>
+                </a:r>
+                <a14:m>
+                  <m:oMath xmlns:m="http://schemas.openxmlformats.org/officeDocument/2006/math">
+                    <m:r>
+                      <a:rPr lang="en-US" i="1">
+                        <a:latin typeface="Cambria Math" panose="02040503050406030204" pitchFamily="18" charset="0"/>
+                      </a:rPr>
+                      <m:t>𝐿</m:t>
+                    </m:r>
+                    <m:d>
+                      <m:dPr>
+                        <m:ctrlPr>
+                          <a:rPr lang="en-US" b="1" i="1">
+                            <a:latin typeface="Cambria Math" panose="02040503050406030204" pitchFamily="18" charset="0"/>
+                          </a:rPr>
+                        </m:ctrlPr>
+                      </m:dPr>
+                      <m:e>
+                        <m:sSup>
+                          <m:sSupPr>
+                            <m:ctrlPr>
+                              <a:rPr lang="en-US" b="1" i="1">
+                                <a:latin typeface="Cambria Math" panose="02040503050406030204" pitchFamily="18" charset="0"/>
+                              </a:rPr>
+                            </m:ctrlPr>
+                          </m:sSupPr>
+                          <m:e>
+                            <m:r>
+                              <a:rPr lang="en-US" b="1" i="1">
+                                <a:latin typeface="Cambria Math" panose="02040503050406030204" pitchFamily="18" charset="0"/>
+                              </a:rPr>
+                              <m:t>𝑾</m:t>
+                            </m:r>
+                          </m:e>
+                          <m:sup>
+                            <m:r>
+                              <a:rPr lang="en-US" b="1" i="1">
+                                <a:latin typeface="Cambria Math" panose="02040503050406030204" pitchFamily="18" charset="0"/>
+                              </a:rPr>
+                              <m:t>𝒌</m:t>
+                            </m:r>
+                          </m:sup>
+                        </m:sSup>
+                        <m:r>
+                          <a:rPr lang="en-US" b="1" i="1">
+                            <a:latin typeface="Cambria Math" panose="02040503050406030204" pitchFamily="18" charset="0"/>
+                          </a:rPr>
+                          <m:t>,</m:t>
+                        </m:r>
+                        <m:acc>
+                          <m:accPr>
+                            <m:chr m:val="⃑"/>
+                            <m:ctrlPr>
+                              <a:rPr lang="en-US" i="1">
+                                <a:latin typeface="Cambria Math" panose="02040503050406030204" pitchFamily="18" charset="0"/>
+                              </a:rPr>
+                            </m:ctrlPr>
+                          </m:accPr>
+                          <m:e>
+                            <m:r>
+                              <a:rPr lang="en-US" i="1">
+                                <a:latin typeface="Cambria Math" panose="02040503050406030204" pitchFamily="18" charset="0"/>
+                              </a:rPr>
+                              <m:t>𝐼</m:t>
+                            </m:r>
+                          </m:e>
+                        </m:acc>
+                        <m:r>
+                          <a:rPr lang="en-US" i="1">
+                            <a:latin typeface="Cambria Math" panose="02040503050406030204" pitchFamily="18" charset="0"/>
+                          </a:rPr>
+                          <m:t>,</m:t>
+                        </m:r>
+                        <m:acc>
+                          <m:accPr>
+                            <m:chr m:val="⃑"/>
+                            <m:ctrlPr>
+                              <a:rPr lang="en-US" i="1">
+                                <a:latin typeface="Cambria Math" panose="02040503050406030204" pitchFamily="18" charset="0"/>
+                              </a:rPr>
+                            </m:ctrlPr>
+                          </m:accPr>
+                          <m:e>
+                            <m:r>
+                              <a:rPr lang="en-US" i="1">
+                                <a:latin typeface="Cambria Math" panose="02040503050406030204" pitchFamily="18" charset="0"/>
+                              </a:rPr>
+                              <m:t>𝑂</m:t>
+                            </m:r>
+                          </m:e>
+                        </m:acc>
+                      </m:e>
+                    </m:d>
+                    <m:r>
+                      <a:rPr lang="en-US" b="0" i="1" smtClean="0">
+                        <a:latin typeface="Cambria Math" panose="02040503050406030204" pitchFamily="18" charset="0"/>
+                      </a:rPr>
+                      <m:t>=</m:t>
+                    </m:r>
+                    <m:sSup>
+                      <m:sSupPr>
+                        <m:ctrlPr>
+                          <a:rPr lang="en-US" b="1" i="1" smtClean="0">
+                            <a:latin typeface="Cambria Math" panose="02040503050406030204" pitchFamily="18" charset="0"/>
+                          </a:rPr>
+                        </m:ctrlPr>
+                      </m:sSupPr>
+                      <m:e>
+                        <m:d>
+                          <m:dPr>
+                            <m:begChr m:val="‖"/>
+                            <m:endChr m:val="‖"/>
+                            <m:ctrlPr>
+                              <a:rPr lang="en-US" b="1" i="1" smtClean="0">
+                                <a:latin typeface="Cambria Math" panose="02040503050406030204" pitchFamily="18" charset="0"/>
+                              </a:rPr>
+                            </m:ctrlPr>
+                          </m:dPr>
+                          <m:e>
+                            <m:sSup>
+                              <m:sSupPr>
+                                <m:ctrlPr>
+                                  <a:rPr lang="en-US" b="1" i="1">
+                                    <a:latin typeface="Cambria Math" panose="02040503050406030204" pitchFamily="18" charset="0"/>
+                                  </a:rPr>
+                                </m:ctrlPr>
+                              </m:sSupPr>
+                              <m:e>
+                                <m:r>
+                                  <a:rPr lang="en-US" b="1" i="1">
+                                    <a:latin typeface="Cambria Math" panose="02040503050406030204" pitchFamily="18" charset="0"/>
+                                  </a:rPr>
+                                  <m:t>𝑾</m:t>
+                                </m:r>
+                              </m:e>
+                              <m:sup>
+                                <m:r>
+                                  <a:rPr lang="en-US" b="1" i="1">
+                                    <a:latin typeface="Cambria Math" panose="02040503050406030204" pitchFamily="18" charset="0"/>
+                                  </a:rPr>
+                                  <m:t>𝒌</m:t>
+                                </m:r>
+                              </m:sup>
+                            </m:sSup>
+                            <m:acc>
+                              <m:accPr>
+                                <m:chr m:val="⃑"/>
+                                <m:ctrlPr>
+                                  <a:rPr lang="en-US" i="1">
+                                    <a:latin typeface="Cambria Math" panose="02040503050406030204" pitchFamily="18" charset="0"/>
+                                  </a:rPr>
+                                </m:ctrlPr>
+                              </m:accPr>
+                              <m:e>
+                                <m:r>
+                                  <a:rPr lang="en-US" i="1">
+                                    <a:latin typeface="Cambria Math" panose="02040503050406030204" pitchFamily="18" charset="0"/>
+                                  </a:rPr>
+                                  <m:t>𝐼</m:t>
+                                </m:r>
+                              </m:e>
+                            </m:acc>
+                            <m:r>
+                              <a:rPr lang="en-US" i="1">
+                                <a:latin typeface="Cambria Math" panose="02040503050406030204" pitchFamily="18" charset="0"/>
+                              </a:rPr>
+                              <m:t>−</m:t>
+                            </m:r>
+                            <m:acc>
+                              <m:accPr>
+                                <m:chr m:val="⃑"/>
+                                <m:ctrlPr>
+                                  <a:rPr lang="en-US" i="1">
+                                    <a:latin typeface="Cambria Math" panose="02040503050406030204" pitchFamily="18" charset="0"/>
+                                  </a:rPr>
+                                </m:ctrlPr>
+                              </m:accPr>
+                              <m:e>
+                                <m:r>
+                                  <a:rPr lang="en-US" i="1">
+                                    <a:latin typeface="Cambria Math" panose="02040503050406030204" pitchFamily="18" charset="0"/>
+                                  </a:rPr>
+                                  <m:t>𝑂</m:t>
+                                </m:r>
+                              </m:e>
+                            </m:acc>
+                          </m:e>
+                        </m:d>
+                      </m:e>
+                      <m:sup>
+                        <m:r>
+                          <a:rPr lang="en-US" b="1" i="1" smtClean="0">
+                            <a:latin typeface="Cambria Math" panose="02040503050406030204" pitchFamily="18" charset="0"/>
+                          </a:rPr>
+                          <m:t>𝟐</m:t>
+                        </m:r>
+                      </m:sup>
+                    </m:sSup>
+                  </m:oMath>
+                </a14:m>
+                <a:endParaRPr lang="en-US" b="0" dirty="0" smtClean="0"/>
+              </a:p>
+              <a:p>
+                <a:r>
+                  <a:rPr lang="en-US" dirty="0" smtClean="0"/>
+                  <a:t>Goal: minimize loss on both training </a:t>
+                </a:r>
+              </a:p>
+              <a:p>
+                <a:r>
+                  <a:rPr lang="en-US" dirty="0" smtClean="0"/>
+                  <a:t>How do we accomplish this?</a:t>
+                </a:r>
+                <a:endParaRPr lang="en-US" dirty="0"/>
+              </a:p>
+              <a:p>
+                <a:r>
+                  <a:rPr lang="en-US" dirty="0" smtClean="0"/>
+                  <a:t>Answer: Stochastic Gradient Descent (SGD)</a:t>
+                </a:r>
+              </a:p>
+            </p:txBody>
+          </p:sp>
+        </mc:Choice>
+        <mc:Fallback>
+          <p:sp>
+            <p:nvSpPr>
+              <p:cNvPr id="3" name="Content Placeholder 2"/>
+              <p:cNvSpPr>
+                <a:spLocks noGrp="1" noRot="1" noChangeAspect="1" noMove="1" noResize="1" noEditPoints="1" noAdjustHandles="1" noChangeArrowheads="1" noChangeShapeType="1" noTextEdit="1"/>
+              </p:cNvSpPr>
+              <p:nvPr>
+                <p:ph idx="1"/>
+              </p:nvPr>
+            </p:nvSpPr>
+            <p:spPr>
+              <a:xfrm>
+                <a:off x="590157" y="2180496"/>
+                <a:ext cx="11029615" cy="3678303"/>
+              </a:xfrm>
+              <a:blipFill rotWithShape="0">
+                <a:blip r:embed="rId2"/>
+                <a:stretch>
+                  <a:fillRect l="-221"/>
+                </a:stretch>
+              </a:blipFill>
+            </p:spPr>
+            <p:txBody>
+              <a:bodyPr/>
+              <a:lstStyle/>
+              <a:p>
+                <a:r>
+                  <a:rPr lang="en-US">
+                    <a:noFill/>
+                  </a:rPr>
+                  <a:t> </a:t>
+                </a:r>
+              </a:p>
+            </p:txBody>
+          </p:sp>
+        </mc:Fallback>
+      </mc:AlternateContent>
     </p:spTree>
     <p:extLst>
       <p:ext uri="{BB962C8B-B14F-4D97-AF65-F5344CB8AC3E}">
-        <p14:creationId xmlns:p14="http://schemas.microsoft.com/office/powerpoint/2010/main" val="1855385488"/>
+        <p14:creationId xmlns:p14="http://schemas.microsoft.com/office/powerpoint/2010/main" val="2015241900"/>
       </p:ext>
     </p:extLst>
   </p:cSld>
@@ -4222,14 +6463,334 @@
   <p:timing>
     <p:tnLst>
       <p:par>
-        <p:cTn id="1" dur="indefinite" restart="never" nodeType="tmRoot"/>
+        <p:cTn id="1" dur="indefinite" restart="never" nodeType="tmRoot">
+          <p:childTnLst>
+            <p:seq concurrent="1" nextAc="seek">
+              <p:cTn id="2" dur="indefinite" nodeType="mainSeq">
+                <p:childTnLst>
+                  <p:par>
+                    <p:cTn id="3" fill="hold">
+                      <p:stCondLst>
+                        <p:cond delay="indefinite"/>
+                      </p:stCondLst>
+                      <p:childTnLst>
+                        <p:par>
+                          <p:cTn id="4" fill="hold">
+                            <p:stCondLst>
+                              <p:cond delay="0"/>
+                            </p:stCondLst>
+                            <p:childTnLst>
+                              <p:par>
+                                <p:cTn id="5" presetID="1" presetClass="entr" presetSubtype="0" fill="hold" grpId="0" nodeType="clickEffect">
+                                  <p:stCondLst>
+                                    <p:cond delay="0"/>
+                                  </p:stCondLst>
+                                  <p:childTnLst>
+                                    <p:set>
+                                      <p:cBhvr>
+                                        <p:cTn id="6" dur="1" fill="hold">
+                                          <p:stCondLst>
+                                            <p:cond delay="0"/>
+                                          </p:stCondLst>
+                                        </p:cTn>
+                                        <p:tgtEl>
+                                          <p:spTgt spid="3">
+                                            <p:txEl>
+                                              <p:pRg st="0" end="0"/>
+                                            </p:txEl>
+                                          </p:spTgt>
+                                        </p:tgtEl>
+                                        <p:attrNameLst>
+                                          <p:attrName>style.visibility</p:attrName>
+                                        </p:attrNameLst>
+                                      </p:cBhvr>
+                                      <p:to>
+                                        <p:strVal val="visible"/>
+                                      </p:to>
+                                    </p:set>
+                                  </p:childTnLst>
+                                </p:cTn>
+                              </p:par>
+                            </p:childTnLst>
+                          </p:cTn>
+                        </p:par>
+                      </p:childTnLst>
+                    </p:cTn>
+                  </p:par>
+                  <p:par>
+                    <p:cTn id="7" fill="hold">
+                      <p:stCondLst>
+                        <p:cond delay="indefinite"/>
+                      </p:stCondLst>
+                      <p:childTnLst>
+                        <p:par>
+                          <p:cTn id="8" fill="hold">
+                            <p:stCondLst>
+                              <p:cond delay="0"/>
+                            </p:stCondLst>
+                            <p:childTnLst>
+                              <p:par>
+                                <p:cTn id="9" presetID="1" presetClass="entr" presetSubtype="0" fill="hold" grpId="0" nodeType="clickEffect">
+                                  <p:stCondLst>
+                                    <p:cond delay="0"/>
+                                  </p:stCondLst>
+                                  <p:childTnLst>
+                                    <p:set>
+                                      <p:cBhvr>
+                                        <p:cTn id="10" dur="1" fill="hold">
+                                          <p:stCondLst>
+                                            <p:cond delay="0"/>
+                                          </p:stCondLst>
+                                        </p:cTn>
+                                        <p:tgtEl>
+                                          <p:spTgt spid="3">
+                                            <p:txEl>
+                                              <p:pRg st="1" end="1"/>
+                                            </p:txEl>
+                                          </p:spTgt>
+                                        </p:tgtEl>
+                                        <p:attrNameLst>
+                                          <p:attrName>style.visibility</p:attrName>
+                                        </p:attrNameLst>
+                                      </p:cBhvr>
+                                      <p:to>
+                                        <p:strVal val="visible"/>
+                                      </p:to>
+                                    </p:set>
+                                  </p:childTnLst>
+                                </p:cTn>
+                              </p:par>
+                            </p:childTnLst>
+                          </p:cTn>
+                        </p:par>
+                      </p:childTnLst>
+                    </p:cTn>
+                  </p:par>
+                  <p:par>
+                    <p:cTn id="11" fill="hold">
+                      <p:stCondLst>
+                        <p:cond delay="indefinite"/>
+                      </p:stCondLst>
+                      <p:childTnLst>
+                        <p:par>
+                          <p:cTn id="12" fill="hold">
+                            <p:stCondLst>
+                              <p:cond delay="0"/>
+                            </p:stCondLst>
+                            <p:childTnLst>
+                              <p:par>
+                                <p:cTn id="13" presetID="1" presetClass="entr" presetSubtype="0" fill="hold" grpId="0" nodeType="clickEffect">
+                                  <p:stCondLst>
+                                    <p:cond delay="0"/>
+                                  </p:stCondLst>
+                                  <p:childTnLst>
+                                    <p:set>
+                                      <p:cBhvr>
+                                        <p:cTn id="14" dur="1" fill="hold">
+                                          <p:stCondLst>
+                                            <p:cond delay="0"/>
+                                          </p:stCondLst>
+                                        </p:cTn>
+                                        <p:tgtEl>
+                                          <p:spTgt spid="3">
+                                            <p:txEl>
+                                              <p:pRg st="2" end="2"/>
+                                            </p:txEl>
+                                          </p:spTgt>
+                                        </p:tgtEl>
+                                        <p:attrNameLst>
+                                          <p:attrName>style.visibility</p:attrName>
+                                        </p:attrNameLst>
+                                      </p:cBhvr>
+                                      <p:to>
+                                        <p:strVal val="visible"/>
+                                      </p:to>
+                                    </p:set>
+                                  </p:childTnLst>
+                                </p:cTn>
+                              </p:par>
+                            </p:childTnLst>
+                          </p:cTn>
+                        </p:par>
+                      </p:childTnLst>
+                    </p:cTn>
+                  </p:par>
+                  <p:par>
+                    <p:cTn id="15" fill="hold">
+                      <p:stCondLst>
+                        <p:cond delay="indefinite"/>
+                      </p:stCondLst>
+                      <p:childTnLst>
+                        <p:par>
+                          <p:cTn id="16" fill="hold">
+                            <p:stCondLst>
+                              <p:cond delay="0"/>
+                            </p:stCondLst>
+                            <p:childTnLst>
+                              <p:par>
+                                <p:cTn id="17" presetID="1" presetClass="entr" presetSubtype="0" fill="hold" grpId="0" nodeType="clickEffect">
+                                  <p:stCondLst>
+                                    <p:cond delay="0"/>
+                                  </p:stCondLst>
+                                  <p:childTnLst>
+                                    <p:set>
+                                      <p:cBhvr>
+                                        <p:cTn id="18" dur="1" fill="hold">
+                                          <p:stCondLst>
+                                            <p:cond delay="0"/>
+                                          </p:stCondLst>
+                                        </p:cTn>
+                                        <p:tgtEl>
+                                          <p:spTgt spid="3">
+                                            <p:txEl>
+                                              <p:pRg st="3" end="3"/>
+                                            </p:txEl>
+                                          </p:spTgt>
+                                        </p:tgtEl>
+                                        <p:attrNameLst>
+                                          <p:attrName>style.visibility</p:attrName>
+                                        </p:attrNameLst>
+                                      </p:cBhvr>
+                                      <p:to>
+                                        <p:strVal val="visible"/>
+                                      </p:to>
+                                    </p:set>
+                                  </p:childTnLst>
+                                </p:cTn>
+                              </p:par>
+                            </p:childTnLst>
+                          </p:cTn>
+                        </p:par>
+                      </p:childTnLst>
+                    </p:cTn>
+                  </p:par>
+                  <p:par>
+                    <p:cTn id="19" fill="hold">
+                      <p:stCondLst>
+                        <p:cond delay="indefinite"/>
+                      </p:stCondLst>
+                      <p:childTnLst>
+                        <p:par>
+                          <p:cTn id="20" fill="hold">
+                            <p:stCondLst>
+                              <p:cond delay="0"/>
+                            </p:stCondLst>
+                            <p:childTnLst>
+                              <p:par>
+                                <p:cTn id="21" presetID="1" presetClass="entr" presetSubtype="0" fill="hold" grpId="0" nodeType="clickEffect">
+                                  <p:stCondLst>
+                                    <p:cond delay="0"/>
+                                  </p:stCondLst>
+                                  <p:childTnLst>
+                                    <p:set>
+                                      <p:cBhvr>
+                                        <p:cTn id="22" dur="1" fill="hold">
+                                          <p:stCondLst>
+                                            <p:cond delay="0"/>
+                                          </p:stCondLst>
+                                        </p:cTn>
+                                        <p:tgtEl>
+                                          <p:spTgt spid="3">
+                                            <p:txEl>
+                                              <p:pRg st="4" end="4"/>
+                                            </p:txEl>
+                                          </p:spTgt>
+                                        </p:tgtEl>
+                                        <p:attrNameLst>
+                                          <p:attrName>style.visibility</p:attrName>
+                                        </p:attrNameLst>
+                                      </p:cBhvr>
+                                      <p:to>
+                                        <p:strVal val="visible"/>
+                                      </p:to>
+                                    </p:set>
+                                  </p:childTnLst>
+                                </p:cTn>
+                              </p:par>
+                            </p:childTnLst>
+                          </p:cTn>
+                        </p:par>
+                      </p:childTnLst>
+                    </p:cTn>
+                  </p:par>
+                  <p:par>
+                    <p:cTn id="23" fill="hold">
+                      <p:stCondLst>
+                        <p:cond delay="indefinite"/>
+                      </p:stCondLst>
+                      <p:childTnLst>
+                        <p:par>
+                          <p:cTn id="24" fill="hold">
+                            <p:stCondLst>
+                              <p:cond delay="0"/>
+                            </p:stCondLst>
+                            <p:childTnLst>
+                              <p:par>
+                                <p:cTn id="25" presetID="1" presetClass="entr" presetSubtype="0" fill="hold" grpId="0" nodeType="clickEffect">
+                                  <p:stCondLst>
+                                    <p:cond delay="0"/>
+                                  </p:stCondLst>
+                                  <p:childTnLst>
+                                    <p:set>
+                                      <p:cBhvr>
+                                        <p:cTn id="26" dur="1" fill="hold">
+                                          <p:stCondLst>
+                                            <p:cond delay="0"/>
+                                          </p:stCondLst>
+                                        </p:cTn>
+                                        <p:tgtEl>
+                                          <p:spTgt spid="3">
+                                            <p:txEl>
+                                              <p:pRg st="5" end="5"/>
+                                            </p:txEl>
+                                          </p:spTgt>
+                                        </p:tgtEl>
+                                        <p:attrNameLst>
+                                          <p:attrName>style.visibility</p:attrName>
+                                        </p:attrNameLst>
+                                      </p:cBhvr>
+                                      <p:to>
+                                        <p:strVal val="visible"/>
+                                      </p:to>
+                                    </p:set>
+                                  </p:childTnLst>
+                                </p:cTn>
+                              </p:par>
+                            </p:childTnLst>
+                          </p:cTn>
+                        </p:par>
+                      </p:childTnLst>
+                    </p:cTn>
+                  </p:par>
+                </p:childTnLst>
+              </p:cTn>
+              <p:prevCondLst>
+                <p:cond evt="onPrev" delay="0">
+                  <p:tgtEl>
+                    <p:sldTgt/>
+                  </p:tgtEl>
+                </p:cond>
+              </p:prevCondLst>
+              <p:nextCondLst>
+                <p:cond evt="onNext" delay="0">
+                  <p:tgtEl>
+                    <p:sldTgt/>
+                  </p:tgtEl>
+                </p:cond>
+              </p:nextCondLst>
+            </p:seq>
+          </p:childTnLst>
+        </p:cTn>
       </p:par>
     </p:tnLst>
+    <p:bldLst>
+      <p:bldP spid="3" grpId="0" build="p"/>
+    </p:bldLst>
   </p:timing>
 </p:sld>
 </file>
 
-<file path=ppt/slides/slide4.xml><?xml version="1.0" encoding="utf-8"?>
+<file path=ppt/slides/slide12.xml><?xml version="1.0" encoding="utf-8"?>
 <p:sld xmlns:a="http://schemas.openxmlformats.org/drawingml/2006/main" xmlns:r="http://schemas.openxmlformats.org/officeDocument/2006/relationships" xmlns:p="http://schemas.openxmlformats.org/presentationml/2006/main">
   <p:cSld>
     <p:spTree>
@@ -4263,7 +6824,1027 @@
           <a:p>
             <a:r>
               <a:rPr lang="en-US" dirty="0" smtClean="0"/>
-              <a:t>What is deep learning?</a:t>
+              <a:t>How does Deep Learning Work?</a:t>
+            </a:r>
+            <a:endParaRPr lang="en-US" dirty="0"/>
+          </a:p>
+        </p:txBody>
+      </p:sp>
+      <mc:AlternateContent xmlns:mc="http://schemas.openxmlformats.org/markup-compatibility/2006">
+        <mc:Choice xmlns:a14="http://schemas.microsoft.com/office/drawing/2010/main" Requires="a14">
+          <p:sp>
+            <p:nvSpPr>
+              <p:cNvPr id="3" name="Content Placeholder 2"/>
+              <p:cNvSpPr>
+                <a:spLocks noGrp="1"/>
+              </p:cNvSpPr>
+              <p:nvPr>
+                <p:ph idx="1"/>
+              </p:nvPr>
+            </p:nvSpPr>
+            <p:spPr>
+              <a:xfrm>
+                <a:off x="590157" y="2180496"/>
+                <a:ext cx="11029615" cy="3678303"/>
+              </a:xfrm>
+            </p:spPr>
+            <p:txBody>
+              <a:bodyPr>
+                <a:normAutofit/>
+              </a:bodyPr>
+              <a:lstStyle/>
+              <a:p>
+                <a:pPr marL="0" indent="0">
+                  <a:buNone/>
+                </a:pPr>
+                <a:r>
+                  <a:rPr lang="en-US" dirty="0" smtClean="0"/>
+                  <a:t>Stochastic gradient descent:</a:t>
+                </a:r>
+              </a:p>
+              <a:p>
+                <a:r>
+                  <a:rPr lang="en-US" dirty="0"/>
+                  <a:t>M</a:t>
+                </a:r>
+                <a:r>
+                  <a:rPr lang="en-US" dirty="0" smtClean="0"/>
+                  <a:t>inimize </a:t>
+                </a:r>
+                <a14:m>
+                  <m:oMath xmlns:m="http://schemas.openxmlformats.org/officeDocument/2006/math">
+                    <m:r>
+                      <a:rPr lang="en-US" i="1">
+                        <a:latin typeface="Cambria Math" panose="02040503050406030204" pitchFamily="18" charset="0"/>
+                      </a:rPr>
+                      <m:t>𝐿</m:t>
+                    </m:r>
+                    <m:r>
+                      <a:rPr lang="en-US" i="1">
+                        <a:latin typeface="Cambria Math" panose="02040503050406030204" pitchFamily="18" charset="0"/>
+                      </a:rPr>
+                      <m:t>=</m:t>
+                    </m:r>
+                    <m:sSup>
+                      <m:sSupPr>
+                        <m:ctrlPr>
+                          <a:rPr lang="en-US" b="1" i="1">
+                            <a:latin typeface="Cambria Math" panose="02040503050406030204" pitchFamily="18" charset="0"/>
+                          </a:rPr>
+                        </m:ctrlPr>
+                      </m:sSupPr>
+                      <m:e>
+                        <m:d>
+                          <m:dPr>
+                            <m:begChr m:val="‖"/>
+                            <m:endChr m:val="‖"/>
+                            <m:ctrlPr>
+                              <a:rPr lang="en-US" b="1" i="1">
+                                <a:latin typeface="Cambria Math" panose="02040503050406030204" pitchFamily="18" charset="0"/>
+                              </a:rPr>
+                            </m:ctrlPr>
+                          </m:dPr>
+                          <m:e>
+                            <m:sSup>
+                              <m:sSupPr>
+                                <m:ctrlPr>
+                                  <a:rPr lang="en-US" b="1" i="1">
+                                    <a:latin typeface="Cambria Math" panose="02040503050406030204" pitchFamily="18" charset="0"/>
+                                  </a:rPr>
+                                </m:ctrlPr>
+                              </m:sSupPr>
+                              <m:e>
+                                <m:r>
+                                  <a:rPr lang="en-US" b="1" i="1">
+                                    <a:latin typeface="Cambria Math" panose="02040503050406030204" pitchFamily="18" charset="0"/>
+                                  </a:rPr>
+                                  <m:t>𝑾</m:t>
+                                </m:r>
+                              </m:e>
+                              <m:sup>
+                                <m:r>
+                                  <a:rPr lang="en-US" b="1" i="1">
+                                    <a:latin typeface="Cambria Math" panose="02040503050406030204" pitchFamily="18" charset="0"/>
+                                  </a:rPr>
+                                  <m:t>𝒌</m:t>
+                                </m:r>
+                              </m:sup>
+                            </m:sSup>
+                            <m:acc>
+                              <m:accPr>
+                                <m:chr m:val="⃑"/>
+                                <m:ctrlPr>
+                                  <a:rPr lang="en-US" i="1">
+                                    <a:latin typeface="Cambria Math" panose="02040503050406030204" pitchFamily="18" charset="0"/>
+                                  </a:rPr>
+                                </m:ctrlPr>
+                              </m:accPr>
+                              <m:e>
+                                <m:r>
+                                  <a:rPr lang="en-US" i="1">
+                                    <a:latin typeface="Cambria Math" panose="02040503050406030204" pitchFamily="18" charset="0"/>
+                                  </a:rPr>
+                                  <m:t>𝐼</m:t>
+                                </m:r>
+                              </m:e>
+                            </m:acc>
+                            <m:r>
+                              <a:rPr lang="en-US" i="1">
+                                <a:latin typeface="Cambria Math" panose="02040503050406030204" pitchFamily="18" charset="0"/>
+                              </a:rPr>
+                              <m:t>−</m:t>
+                            </m:r>
+                            <m:acc>
+                              <m:accPr>
+                                <m:chr m:val="⃑"/>
+                                <m:ctrlPr>
+                                  <a:rPr lang="en-US" i="1">
+                                    <a:latin typeface="Cambria Math" panose="02040503050406030204" pitchFamily="18" charset="0"/>
+                                  </a:rPr>
+                                </m:ctrlPr>
+                              </m:accPr>
+                              <m:e>
+                                <m:r>
+                                  <a:rPr lang="en-US" i="1">
+                                    <a:latin typeface="Cambria Math" panose="02040503050406030204" pitchFamily="18" charset="0"/>
+                                  </a:rPr>
+                                  <m:t>𝑂</m:t>
+                                </m:r>
+                              </m:e>
+                            </m:acc>
+                          </m:e>
+                        </m:d>
+                      </m:e>
+                      <m:sup>
+                        <m:r>
+                          <a:rPr lang="en-US" b="1" i="1">
+                            <a:latin typeface="Cambria Math" panose="02040503050406030204" pitchFamily="18" charset="0"/>
+                          </a:rPr>
+                          <m:t>𝟐</m:t>
+                        </m:r>
+                      </m:sup>
+                    </m:sSup>
+                  </m:oMath>
+                </a14:m>
+                <a:r>
+                  <a:rPr lang="en-US" dirty="0" smtClean="0"/>
+                  <a:t> by optimizing </a:t>
+                </a:r>
+                <a14:m>
+                  <m:oMath xmlns:m="http://schemas.openxmlformats.org/officeDocument/2006/math">
+                    <m:sSup>
+                      <m:sSupPr>
+                        <m:ctrlPr>
+                          <a:rPr lang="en-US" b="1" i="1">
+                            <a:latin typeface="Cambria Math" panose="02040503050406030204" pitchFamily="18" charset="0"/>
+                          </a:rPr>
+                        </m:ctrlPr>
+                      </m:sSupPr>
+                      <m:e>
+                        <m:r>
+                          <a:rPr lang="en-US" b="1" i="1">
+                            <a:latin typeface="Cambria Math" panose="02040503050406030204" pitchFamily="18" charset="0"/>
+                          </a:rPr>
+                          <m:t>𝑾</m:t>
+                        </m:r>
+                      </m:e>
+                      <m:sup>
+                        <m:r>
+                          <a:rPr lang="en-US" b="1" i="1">
+                            <a:latin typeface="Cambria Math" panose="02040503050406030204" pitchFamily="18" charset="0"/>
+                          </a:rPr>
+                          <m:t>𝒌</m:t>
+                        </m:r>
+                      </m:sup>
+                    </m:sSup>
+                  </m:oMath>
+                </a14:m>
+                <a:endParaRPr lang="en-US" dirty="0" smtClean="0"/>
+              </a:p>
+              <a:p>
+                <a:r>
+                  <a:rPr lang="en-US" dirty="0" smtClean="0"/>
+                  <a:t>Try to solve </a:t>
+                </a:r>
+                <a14:m>
+                  <m:oMath xmlns:m="http://schemas.openxmlformats.org/officeDocument/2006/math">
+                    <m:f>
+                      <m:fPr>
+                        <m:ctrlPr>
+                          <a:rPr lang="en-US" i="1" smtClean="0">
+                            <a:latin typeface="Cambria Math" panose="02040503050406030204" pitchFamily="18" charset="0"/>
+                          </a:rPr>
+                        </m:ctrlPr>
+                      </m:fPr>
+                      <m:num>
+                        <m:r>
+                          <a:rPr lang="en-US" i="1" smtClean="0">
+                            <a:latin typeface="Cambria Math" panose="02040503050406030204" pitchFamily="18" charset="0"/>
+                          </a:rPr>
+                          <m:t>𝜕</m:t>
+                        </m:r>
+                        <m:r>
+                          <a:rPr lang="en-US" b="0" i="1" smtClean="0">
+                            <a:latin typeface="Cambria Math" panose="02040503050406030204" pitchFamily="18" charset="0"/>
+                          </a:rPr>
+                          <m:t>𝐿</m:t>
+                        </m:r>
+                      </m:num>
+                      <m:den>
+                        <m:r>
+                          <a:rPr lang="en-US" i="1" smtClean="0">
+                            <a:latin typeface="Cambria Math" panose="02040503050406030204" pitchFamily="18" charset="0"/>
+                          </a:rPr>
+                          <m:t>𝜕</m:t>
+                        </m:r>
+                        <m:sSup>
+                          <m:sSupPr>
+                            <m:ctrlPr>
+                              <a:rPr lang="en-US" b="1" i="1">
+                                <a:latin typeface="Cambria Math" panose="02040503050406030204" pitchFamily="18" charset="0"/>
+                              </a:rPr>
+                            </m:ctrlPr>
+                          </m:sSupPr>
+                          <m:e>
+                            <m:r>
+                              <a:rPr lang="en-US" b="1" i="1">
+                                <a:latin typeface="Cambria Math" panose="02040503050406030204" pitchFamily="18" charset="0"/>
+                              </a:rPr>
+                              <m:t>𝑾</m:t>
+                            </m:r>
+                          </m:e>
+                          <m:sup>
+                            <m:r>
+                              <a:rPr lang="en-US" b="1" i="1">
+                                <a:latin typeface="Cambria Math" panose="02040503050406030204" pitchFamily="18" charset="0"/>
+                              </a:rPr>
+                              <m:t>𝒌</m:t>
+                            </m:r>
+                          </m:sup>
+                        </m:sSup>
+                      </m:den>
+                    </m:f>
+                    <m:r>
+                      <a:rPr lang="en-US" b="0" i="1" smtClean="0">
+                        <a:latin typeface="Cambria Math" panose="02040503050406030204" pitchFamily="18" charset="0"/>
+                      </a:rPr>
+                      <m:t>=0</m:t>
+                    </m:r>
+                  </m:oMath>
+                </a14:m>
+                <a:r>
+                  <a:rPr lang="en-US" dirty="0" smtClean="0"/>
+                  <a:t>, because that’s where the minima is</a:t>
+                </a:r>
+              </a:p>
+              <a:p>
+                <a:r>
+                  <a:rPr lang="en-US" dirty="0" smtClean="0"/>
+                  <a:t>Can’t do this analytically</a:t>
+                </a:r>
+              </a:p>
+              <a:p>
+                <a:r>
+                  <a:rPr lang="en-US" dirty="0" smtClean="0"/>
+                  <a:t>Strategy: Follow gradient of function towards minima</a:t>
+                </a:r>
+              </a:p>
+              <a:p>
+                <a14:m>
+                  <m:oMath xmlns:m="http://schemas.openxmlformats.org/officeDocument/2006/math">
+                    <m:sSup>
+                      <m:sSupPr>
+                        <m:ctrlPr>
+                          <a:rPr lang="en-US" b="1" i="1">
+                            <a:latin typeface="Cambria Math" panose="02040503050406030204" pitchFamily="18" charset="0"/>
+                          </a:rPr>
+                        </m:ctrlPr>
+                      </m:sSupPr>
+                      <m:e>
+                        <m:r>
+                          <a:rPr lang="en-US" b="1" i="1">
+                            <a:latin typeface="Cambria Math" panose="02040503050406030204" pitchFamily="18" charset="0"/>
+                          </a:rPr>
+                          <m:t>𝑾</m:t>
+                        </m:r>
+                      </m:e>
+                      <m:sup>
+                        <m:r>
+                          <a:rPr lang="en-US" b="1" i="1">
+                            <a:latin typeface="Cambria Math" panose="02040503050406030204" pitchFamily="18" charset="0"/>
+                          </a:rPr>
+                          <m:t>𝒌</m:t>
+                        </m:r>
+                        <m:r>
+                          <a:rPr lang="en-US" b="1" i="1" smtClean="0">
+                            <a:latin typeface="Cambria Math" panose="02040503050406030204" pitchFamily="18" charset="0"/>
+                          </a:rPr>
+                          <m:t>+</m:t>
+                        </m:r>
+                        <m:r>
+                          <a:rPr lang="en-US" b="1" i="1" smtClean="0">
+                            <a:latin typeface="Cambria Math" panose="02040503050406030204" pitchFamily="18" charset="0"/>
+                          </a:rPr>
+                          <m:t>𝟏</m:t>
+                        </m:r>
+                      </m:sup>
+                    </m:sSup>
+                    <m:r>
+                      <a:rPr lang="en-US" b="1" i="1" smtClean="0">
+                        <a:latin typeface="Cambria Math" panose="02040503050406030204" pitchFamily="18" charset="0"/>
+                      </a:rPr>
+                      <m:t>=</m:t>
+                    </m:r>
+                    <m:sSup>
+                      <m:sSupPr>
+                        <m:ctrlPr>
+                          <a:rPr lang="en-US" b="1" i="1">
+                            <a:latin typeface="Cambria Math" panose="02040503050406030204" pitchFamily="18" charset="0"/>
+                          </a:rPr>
+                        </m:ctrlPr>
+                      </m:sSupPr>
+                      <m:e>
+                        <m:r>
+                          <a:rPr lang="en-US" b="1" i="1">
+                            <a:latin typeface="Cambria Math" panose="02040503050406030204" pitchFamily="18" charset="0"/>
+                          </a:rPr>
+                          <m:t>𝑾</m:t>
+                        </m:r>
+                      </m:e>
+                      <m:sup>
+                        <m:r>
+                          <a:rPr lang="en-US" b="1" i="1">
+                            <a:latin typeface="Cambria Math" panose="02040503050406030204" pitchFamily="18" charset="0"/>
+                          </a:rPr>
+                          <m:t>𝒌</m:t>
+                        </m:r>
+                      </m:sup>
+                    </m:sSup>
+                    <m:r>
+                      <a:rPr lang="en-US" b="1" i="1" smtClean="0">
+                        <a:latin typeface="Cambria Math" panose="02040503050406030204" pitchFamily="18" charset="0"/>
+                      </a:rPr>
+                      <m:t>−</m:t>
+                    </m:r>
+                    <m:r>
+                      <a:rPr lang="en-US" b="1" i="1" smtClean="0">
+                        <a:latin typeface="Cambria Math" panose="02040503050406030204" pitchFamily="18" charset="0"/>
+                        <a:ea typeface="Cambria Math" panose="02040503050406030204" pitchFamily="18" charset="0"/>
+                      </a:rPr>
+                      <m:t>𝝐</m:t>
+                    </m:r>
+                    <m:f>
+                      <m:fPr>
+                        <m:ctrlPr>
+                          <a:rPr lang="en-US" i="1">
+                            <a:latin typeface="Cambria Math" panose="02040503050406030204" pitchFamily="18" charset="0"/>
+                          </a:rPr>
+                        </m:ctrlPr>
+                      </m:fPr>
+                      <m:num>
+                        <m:r>
+                          <a:rPr lang="en-US" i="1">
+                            <a:latin typeface="Cambria Math" panose="02040503050406030204" pitchFamily="18" charset="0"/>
+                          </a:rPr>
+                          <m:t>𝜕</m:t>
+                        </m:r>
+                        <m:r>
+                          <a:rPr lang="en-US" i="1">
+                            <a:latin typeface="Cambria Math" panose="02040503050406030204" pitchFamily="18" charset="0"/>
+                          </a:rPr>
+                          <m:t>𝐿</m:t>
+                        </m:r>
+                      </m:num>
+                      <m:den>
+                        <m:r>
+                          <a:rPr lang="en-US" i="1">
+                            <a:latin typeface="Cambria Math" panose="02040503050406030204" pitchFamily="18" charset="0"/>
+                          </a:rPr>
+                          <m:t>𝜕</m:t>
+                        </m:r>
+                        <m:sSup>
+                          <m:sSupPr>
+                            <m:ctrlPr>
+                              <a:rPr lang="en-US" b="1" i="1">
+                                <a:latin typeface="Cambria Math" panose="02040503050406030204" pitchFamily="18" charset="0"/>
+                              </a:rPr>
+                            </m:ctrlPr>
+                          </m:sSupPr>
+                          <m:e>
+                            <m:r>
+                              <a:rPr lang="en-US" b="1" i="1">
+                                <a:latin typeface="Cambria Math" panose="02040503050406030204" pitchFamily="18" charset="0"/>
+                              </a:rPr>
+                              <m:t>𝑾</m:t>
+                            </m:r>
+                          </m:e>
+                          <m:sup>
+                            <m:r>
+                              <a:rPr lang="en-US" b="1" i="1">
+                                <a:latin typeface="Cambria Math" panose="02040503050406030204" pitchFamily="18" charset="0"/>
+                              </a:rPr>
+                              <m:t>𝒌</m:t>
+                            </m:r>
+                          </m:sup>
+                        </m:sSup>
+                      </m:den>
+                    </m:f>
+                  </m:oMath>
+                </a14:m>
+                <a:r>
+                  <a:rPr lang="en-US" dirty="0" smtClean="0"/>
+                  <a:t> where </a:t>
+                </a:r>
+                <a14:m>
+                  <m:oMath xmlns:m="http://schemas.openxmlformats.org/officeDocument/2006/math">
+                    <m:r>
+                      <a:rPr lang="en-US" b="1" i="1">
+                        <a:latin typeface="Cambria Math" panose="02040503050406030204" pitchFamily="18" charset="0"/>
+                        <a:ea typeface="Cambria Math" panose="02040503050406030204" pitchFamily="18" charset="0"/>
+                      </a:rPr>
+                      <m:t>𝝐</m:t>
+                    </m:r>
+                  </m:oMath>
+                </a14:m>
+                <a:r>
+                  <a:rPr lang="en-US" dirty="0" smtClean="0"/>
+                  <a:t> is the “learning rate” i.e. how quickly your gradient descends</a:t>
+                </a:r>
+              </a:p>
+              <a:p>
+                <a:r>
+                  <a:rPr lang="en-US" dirty="0" smtClean="0"/>
+                  <a:t>With this strategy, you can make your loss arbitrarily close to 0!</a:t>
+                </a:r>
+              </a:p>
+              <a:p>
+                <a:r>
+                  <a:rPr lang="en-US" i="1" dirty="0" smtClean="0"/>
+                  <a:t>Pitfall: Overtraining</a:t>
+                </a:r>
+                <a:endParaRPr lang="en-US" i="1" dirty="0"/>
+              </a:p>
+            </p:txBody>
+          </p:sp>
+        </mc:Choice>
+        <mc:Fallback>
+          <p:sp>
+            <p:nvSpPr>
+              <p:cNvPr id="3" name="Content Placeholder 2"/>
+              <p:cNvSpPr>
+                <a:spLocks noGrp="1" noRot="1" noChangeAspect="1" noMove="1" noResize="1" noEditPoints="1" noAdjustHandles="1" noChangeArrowheads="1" noChangeShapeType="1" noTextEdit="1"/>
+              </p:cNvSpPr>
+              <p:nvPr>
+                <p:ph idx="1"/>
+              </p:nvPr>
+            </p:nvSpPr>
+            <p:spPr>
+              <a:xfrm>
+                <a:off x="590157" y="2180496"/>
+                <a:ext cx="11029615" cy="3678303"/>
+              </a:xfrm>
+              <a:blipFill rotWithShape="0">
+                <a:blip r:embed="rId2"/>
+                <a:stretch>
+                  <a:fillRect l="-498" t="-663" b="-2488"/>
+                </a:stretch>
+              </a:blipFill>
+            </p:spPr>
+            <p:txBody>
+              <a:bodyPr/>
+              <a:lstStyle/>
+              <a:p>
+                <a:r>
+                  <a:rPr lang="en-US">
+                    <a:noFill/>
+                  </a:rPr>
+                  <a:t> </a:t>
+                </a:r>
+              </a:p>
+            </p:txBody>
+          </p:sp>
+        </mc:Fallback>
+      </mc:AlternateContent>
+    </p:spTree>
+    <p:extLst>
+      <p:ext uri="{BB962C8B-B14F-4D97-AF65-F5344CB8AC3E}">
+        <p14:creationId xmlns:p14="http://schemas.microsoft.com/office/powerpoint/2010/main" val="109124155"/>
+      </p:ext>
+    </p:extLst>
+  </p:cSld>
+  <p:clrMapOvr>
+    <a:masterClrMapping/>
+  </p:clrMapOvr>
+  <p:timing>
+    <p:tnLst>
+      <p:par>
+        <p:cTn id="1" dur="indefinite" restart="never" nodeType="tmRoot"/>
+      </p:par>
+    </p:tnLst>
+  </p:timing>
+</p:sld>
+</file>
+
+<file path=ppt/slides/slide13.xml><?xml version="1.0" encoding="utf-8"?>
+<p:sld xmlns:a="http://schemas.openxmlformats.org/drawingml/2006/main" xmlns:r="http://schemas.openxmlformats.org/officeDocument/2006/relationships" xmlns:p="http://schemas.openxmlformats.org/presentationml/2006/main">
+  <p:cSld>
+    <p:spTree>
+      <p:nvGrpSpPr>
+        <p:cNvPr id="1" name=""/>
+        <p:cNvGrpSpPr/>
+        <p:nvPr/>
+      </p:nvGrpSpPr>
+      <p:grpSpPr>
+        <a:xfrm>
+          <a:off x="0" y="0"/>
+          <a:ext cx="0" cy="0"/>
+          <a:chOff x="0" y="0"/>
+          <a:chExt cx="0" cy="0"/>
+        </a:xfrm>
+      </p:grpSpPr>
+      <p:sp>
+        <p:nvSpPr>
+          <p:cNvPr id="2" name="Title 1"/>
+          <p:cNvSpPr>
+            <a:spLocks noGrp="1"/>
+          </p:cNvSpPr>
+          <p:nvPr>
+            <p:ph type="title"/>
+          </p:nvPr>
+        </p:nvSpPr>
+        <p:spPr/>
+        <p:txBody>
+          <a:bodyPr/>
+          <a:lstStyle/>
+          <a:p>
+            <a:r>
+              <a:rPr lang="en-US" dirty="0" smtClean="0"/>
+              <a:t>How does Deep Learning Work?</a:t>
+            </a:r>
+            <a:endParaRPr lang="en-US" dirty="0"/>
+          </a:p>
+        </p:txBody>
+      </p:sp>
+      <p:sp>
+        <p:nvSpPr>
+          <p:cNvPr id="3" name="Content Placeholder 2"/>
+          <p:cNvSpPr>
+            <a:spLocks noGrp="1"/>
+          </p:cNvSpPr>
+          <p:nvPr>
+            <p:ph idx="1"/>
+          </p:nvPr>
+        </p:nvSpPr>
+        <p:spPr/>
+        <p:txBody>
+          <a:bodyPr/>
+          <a:lstStyle/>
+          <a:p>
+            <a:pPr marL="0" indent="0">
+              <a:buNone/>
+            </a:pPr>
+            <a:r>
+              <a:rPr lang="en-US" dirty="0" smtClean="0"/>
+              <a:t>Before discussing overtraining:</a:t>
+            </a:r>
+          </a:p>
+          <a:p>
+            <a:r>
+              <a:rPr lang="en-US" dirty="0" smtClean="0"/>
+              <a:t>To do machine learning we have to split our data into training and validation sets</a:t>
+            </a:r>
+          </a:p>
+          <a:p>
+            <a:r>
+              <a:rPr lang="en-US" dirty="0" smtClean="0"/>
+              <a:t>Train neural networks using </a:t>
+            </a:r>
+            <a:r>
+              <a:rPr lang="en-US" b="1" dirty="0" smtClean="0"/>
+              <a:t>training set</a:t>
+            </a:r>
+          </a:p>
+          <a:p>
+            <a:r>
+              <a:rPr lang="en-US" dirty="0" smtClean="0"/>
+              <a:t>Test how well it works on novel input using </a:t>
+            </a:r>
+            <a:r>
+              <a:rPr lang="en-US" b="1" dirty="0" smtClean="0"/>
+              <a:t>validation set</a:t>
+            </a:r>
+          </a:p>
+          <a:p>
+            <a:r>
+              <a:rPr lang="en-US" dirty="0" smtClean="0"/>
+              <a:t>QRI holds the third data set, </a:t>
+            </a:r>
+            <a:r>
+              <a:rPr lang="en-US" b="1" dirty="0" smtClean="0"/>
+              <a:t>testing set</a:t>
+            </a:r>
+            <a:r>
+              <a:rPr lang="en-US" dirty="0" smtClean="0"/>
+              <a:t>, which contains predictions for the wells at future dates</a:t>
+            </a:r>
+          </a:p>
+        </p:txBody>
+      </p:sp>
+    </p:spTree>
+    <p:extLst>
+      <p:ext uri="{BB962C8B-B14F-4D97-AF65-F5344CB8AC3E}">
+        <p14:creationId xmlns:p14="http://schemas.microsoft.com/office/powerpoint/2010/main" val="3363720571"/>
+      </p:ext>
+    </p:extLst>
+  </p:cSld>
+  <p:clrMapOvr>
+    <a:masterClrMapping/>
+  </p:clrMapOvr>
+  <p:timing>
+    <p:tnLst>
+      <p:par>
+        <p:cTn id="1" dur="indefinite" restart="never" nodeType="tmRoot"/>
+      </p:par>
+    </p:tnLst>
+  </p:timing>
+</p:sld>
+</file>
+
+<file path=ppt/slides/slide14.xml><?xml version="1.0" encoding="utf-8"?>
+<p:sld xmlns:a="http://schemas.openxmlformats.org/drawingml/2006/main" xmlns:r="http://schemas.openxmlformats.org/officeDocument/2006/relationships" xmlns:p="http://schemas.openxmlformats.org/presentationml/2006/main">
+  <p:cSld>
+    <p:spTree>
+      <p:nvGrpSpPr>
+        <p:cNvPr id="1" name=""/>
+        <p:cNvGrpSpPr/>
+        <p:nvPr/>
+      </p:nvGrpSpPr>
+      <p:grpSpPr>
+        <a:xfrm>
+          <a:off x="0" y="0"/>
+          <a:ext cx="0" cy="0"/>
+          <a:chOff x="0" y="0"/>
+          <a:chExt cx="0" cy="0"/>
+        </a:xfrm>
+      </p:grpSpPr>
+      <p:sp>
+        <p:nvSpPr>
+          <p:cNvPr id="2" name="Title 1"/>
+          <p:cNvSpPr>
+            <a:spLocks noGrp="1"/>
+          </p:cNvSpPr>
+          <p:nvPr>
+            <p:ph type="title"/>
+          </p:nvPr>
+        </p:nvSpPr>
+        <p:spPr/>
+        <p:txBody>
+          <a:bodyPr/>
+          <a:lstStyle/>
+          <a:p>
+            <a:r>
+              <a:rPr lang="en-US" dirty="0"/>
+              <a:t>How does Deep Learning Work?</a:t>
+            </a:r>
+          </a:p>
+        </p:txBody>
+      </p:sp>
+      <p:grpSp>
+        <p:nvGrpSpPr>
+          <p:cNvPr id="44" name="Group 43"/>
+          <p:cNvGrpSpPr/>
+          <p:nvPr/>
+        </p:nvGrpSpPr>
+        <p:grpSpPr>
+          <a:xfrm>
+            <a:off x="581192" y="2373742"/>
+            <a:ext cx="6527901" cy="4391830"/>
+            <a:chOff x="2726747" y="2466109"/>
+            <a:chExt cx="6527901" cy="4391830"/>
+          </a:xfrm>
+        </p:grpSpPr>
+        <p:pic>
+          <p:nvPicPr>
+            <p:cNvPr id="2054" name="Picture 6" descr="https://upload.wikimedia.org/wikipedia/commons/thumb/1/1f/Overfitting_svg.svg/1220px-Overfitting_svg.svg.png"/>
+            <p:cNvPicPr>
+              <a:picLocks noChangeAspect="1" noChangeArrowheads="1"/>
+            </p:cNvPicPr>
+            <p:nvPr/>
+          </p:nvPicPr>
+          <p:blipFill rotWithShape="1">
+            <a:blip r:embed="rId2">
+              <a:extLst>
+                <a:ext uri="{28A0092B-C50C-407E-A947-70E740481C1C}">
+                  <a14:useLocalDpi xmlns:a14="http://schemas.microsoft.com/office/drawing/2010/main" val="0"/>
+                </a:ext>
+              </a:extLst>
+            </a:blip>
+            <a:srcRect t="7428"/>
+            <a:stretch/>
+          </p:blipFill>
+          <p:spPr bwMode="auto">
+            <a:xfrm>
+              <a:off x="3015672" y="2466109"/>
+              <a:ext cx="6160654" cy="4207164"/>
+            </a:xfrm>
+            <a:prstGeom prst="rect">
+              <a:avLst/>
+            </a:prstGeom>
+            <a:noFill/>
+            <a:extLst>
+              <a:ext uri="{909E8E84-426E-40DD-AFC4-6F175D3DCCD1}">
+                <a14:hiddenFill xmlns:a14="http://schemas.microsoft.com/office/drawing/2010/main">
+                  <a:solidFill>
+                    <a:srgbClr val="FFFFFF"/>
+                  </a:solidFill>
+                </a14:hiddenFill>
+              </a:ext>
+            </a:extLst>
+          </p:spPr>
+        </p:pic>
+        <p:sp>
+          <p:nvSpPr>
+            <p:cNvPr id="42" name="TextBox 41"/>
+            <p:cNvSpPr txBox="1"/>
+            <p:nvPr/>
+          </p:nvSpPr>
+          <p:spPr>
+            <a:xfrm>
+              <a:off x="7699640" y="6488607"/>
+              <a:ext cx="1476686" cy="369332"/>
+            </a:xfrm>
+            <a:prstGeom prst="rect">
+              <a:avLst/>
+            </a:prstGeom>
+            <a:noFill/>
+          </p:spPr>
+          <p:txBody>
+            <a:bodyPr wrap="none" rtlCol="0">
+              <a:spAutoFit/>
+            </a:bodyPr>
+            <a:lstStyle/>
+            <a:p>
+              <a:r>
+                <a:rPr lang="en-US" dirty="0" smtClean="0"/>
+                <a:t>Training Steps</a:t>
+              </a:r>
+            </a:p>
+          </p:txBody>
+        </p:sp>
+        <p:sp>
+          <p:nvSpPr>
+            <p:cNvPr id="46" name="TextBox 45"/>
+            <p:cNvSpPr txBox="1"/>
+            <p:nvPr/>
+          </p:nvSpPr>
+          <p:spPr>
+            <a:xfrm rot="16200000">
+              <a:off x="2565004" y="2627852"/>
+              <a:ext cx="692818" cy="369332"/>
+            </a:xfrm>
+            <a:prstGeom prst="rect">
+              <a:avLst/>
+            </a:prstGeom>
+            <a:noFill/>
+          </p:spPr>
+          <p:txBody>
+            <a:bodyPr wrap="none" rtlCol="0">
+              <a:spAutoFit/>
+            </a:bodyPr>
+            <a:lstStyle/>
+            <a:p>
+              <a:r>
+                <a:rPr lang="en-US" dirty="0" smtClean="0"/>
+                <a:t>Error</a:t>
+              </a:r>
+            </a:p>
+          </p:txBody>
+        </p:sp>
+        <p:sp>
+          <p:nvSpPr>
+            <p:cNvPr id="43" name="TextBox 42"/>
+            <p:cNvSpPr txBox="1"/>
+            <p:nvPr/>
+          </p:nvSpPr>
+          <p:spPr>
+            <a:xfrm>
+              <a:off x="7801430" y="5397134"/>
+              <a:ext cx="1273105" cy="369332"/>
+            </a:xfrm>
+            <a:prstGeom prst="rect">
+              <a:avLst/>
+            </a:prstGeom>
+            <a:noFill/>
+          </p:spPr>
+          <p:txBody>
+            <a:bodyPr wrap="none" rtlCol="0">
+              <a:spAutoFit/>
+            </a:bodyPr>
+            <a:lstStyle/>
+            <a:p>
+              <a:r>
+                <a:rPr lang="en-US" dirty="0" smtClean="0"/>
+                <a:t>Training Set</a:t>
+              </a:r>
+              <a:endParaRPr lang="en-US" dirty="0"/>
+            </a:p>
+          </p:txBody>
+        </p:sp>
+        <p:sp>
+          <p:nvSpPr>
+            <p:cNvPr id="48" name="TextBox 47"/>
+            <p:cNvSpPr txBox="1"/>
+            <p:nvPr/>
+          </p:nvSpPr>
+          <p:spPr>
+            <a:xfrm>
+              <a:off x="7801430" y="3562290"/>
+              <a:ext cx="1453218" cy="369332"/>
+            </a:xfrm>
+            <a:prstGeom prst="rect">
+              <a:avLst/>
+            </a:prstGeom>
+            <a:noFill/>
+          </p:spPr>
+          <p:txBody>
+            <a:bodyPr wrap="none" rtlCol="0">
+              <a:spAutoFit/>
+            </a:bodyPr>
+            <a:lstStyle/>
+            <a:p>
+              <a:r>
+                <a:rPr lang="en-US" dirty="0" smtClean="0"/>
+                <a:t>Validation Set</a:t>
+              </a:r>
+              <a:endParaRPr lang="en-US" dirty="0"/>
+            </a:p>
+          </p:txBody>
+        </p:sp>
+      </p:grpSp>
+      <p:sp>
+        <p:nvSpPr>
+          <p:cNvPr id="47" name="TextBox 46"/>
+          <p:cNvSpPr txBox="1"/>
+          <p:nvPr/>
+        </p:nvSpPr>
+        <p:spPr>
+          <a:xfrm>
+            <a:off x="7879319" y="4477324"/>
+            <a:ext cx="4008581" cy="1200329"/>
+          </a:xfrm>
+          <a:prstGeom prst="rect">
+            <a:avLst/>
+          </a:prstGeom>
+          <a:noFill/>
+        </p:spPr>
+        <p:txBody>
+          <a:bodyPr wrap="square" rtlCol="0">
+            <a:spAutoFit/>
+          </a:bodyPr>
+          <a:lstStyle/>
+          <a:p>
+            <a:r>
+              <a:rPr lang="en-US" b="1" dirty="0" smtClean="0"/>
+              <a:t>Overtraining:</a:t>
+            </a:r>
+            <a:r>
+              <a:rPr lang="en-US" dirty="0" smtClean="0"/>
+              <a:t> after a certain number of training steps, you continue to get better predictions for your training set but not for your validation set</a:t>
+            </a:r>
+            <a:endParaRPr lang="en-US" dirty="0"/>
+          </a:p>
+        </p:txBody>
+      </p:sp>
+    </p:spTree>
+    <p:extLst>
+      <p:ext uri="{BB962C8B-B14F-4D97-AF65-F5344CB8AC3E}">
+        <p14:creationId xmlns:p14="http://schemas.microsoft.com/office/powerpoint/2010/main" val="837088898"/>
+      </p:ext>
+    </p:extLst>
+  </p:cSld>
+  <p:clrMapOvr>
+    <a:masterClrMapping/>
+  </p:clrMapOvr>
+  <p:timing>
+    <p:tnLst>
+      <p:par>
+        <p:cTn id="1" dur="indefinite" restart="never" nodeType="tmRoot">
+          <p:childTnLst>
+            <p:seq concurrent="1" nextAc="seek">
+              <p:cTn id="2" dur="indefinite" nodeType="mainSeq">
+                <p:childTnLst>
+                  <p:par>
+                    <p:cTn id="3" fill="hold">
+                      <p:stCondLst>
+                        <p:cond delay="indefinite"/>
+                      </p:stCondLst>
+                      <p:childTnLst>
+                        <p:par>
+                          <p:cTn id="4" fill="hold">
+                            <p:stCondLst>
+                              <p:cond delay="0"/>
+                            </p:stCondLst>
+                            <p:childTnLst>
+                              <p:par>
+                                <p:cTn id="5" presetID="1" presetClass="entr" presetSubtype="0" fill="hold" grpId="0" nodeType="clickEffect">
+                                  <p:stCondLst>
+                                    <p:cond delay="0"/>
+                                  </p:stCondLst>
+                                  <p:childTnLst>
+                                    <p:set>
+                                      <p:cBhvr>
+                                        <p:cTn id="6" dur="1" fill="hold">
+                                          <p:stCondLst>
+                                            <p:cond delay="0"/>
+                                          </p:stCondLst>
+                                        </p:cTn>
+                                        <p:tgtEl>
+                                          <p:spTgt spid="47"/>
+                                        </p:tgtEl>
+                                        <p:attrNameLst>
+                                          <p:attrName>style.visibility</p:attrName>
+                                        </p:attrNameLst>
+                                      </p:cBhvr>
+                                      <p:to>
+                                        <p:strVal val="visible"/>
+                                      </p:to>
+                                    </p:set>
+                                  </p:childTnLst>
+                                </p:cTn>
+                              </p:par>
+                            </p:childTnLst>
+                          </p:cTn>
+                        </p:par>
+                      </p:childTnLst>
+                    </p:cTn>
+                  </p:par>
+                </p:childTnLst>
+              </p:cTn>
+              <p:prevCondLst>
+                <p:cond evt="onPrev" delay="0">
+                  <p:tgtEl>
+                    <p:sldTgt/>
+                  </p:tgtEl>
+                </p:cond>
+              </p:prevCondLst>
+              <p:nextCondLst>
+                <p:cond evt="onNext" delay="0">
+                  <p:tgtEl>
+                    <p:sldTgt/>
+                  </p:tgtEl>
+                </p:cond>
+              </p:nextCondLst>
+            </p:seq>
+          </p:childTnLst>
+        </p:cTn>
+      </p:par>
+    </p:tnLst>
+    <p:bldLst>
+      <p:bldP spid="47" grpId="0"/>
+    </p:bldLst>
+  </p:timing>
+</p:sld>
+</file>
+
+<file path=ppt/slides/slide15.xml><?xml version="1.0" encoding="utf-8"?>
+<p:sld xmlns:a="http://schemas.openxmlformats.org/drawingml/2006/main" xmlns:r="http://schemas.openxmlformats.org/officeDocument/2006/relationships" xmlns:p="http://schemas.openxmlformats.org/presentationml/2006/main">
+  <p:cSld>
+    <p:spTree>
+      <p:nvGrpSpPr>
+        <p:cNvPr id="1" name=""/>
+        <p:cNvGrpSpPr/>
+        <p:nvPr/>
+      </p:nvGrpSpPr>
+      <p:grpSpPr>
+        <a:xfrm>
+          <a:off x="0" y="0"/>
+          <a:ext cx="0" cy="0"/>
+          <a:chOff x="0" y="0"/>
+          <a:chExt cx="0" cy="0"/>
+        </a:xfrm>
+      </p:grpSpPr>
+      <p:sp>
+        <p:nvSpPr>
+          <p:cNvPr id="2" name="Title 1"/>
+          <p:cNvSpPr>
+            <a:spLocks noGrp="1"/>
+          </p:cNvSpPr>
+          <p:nvPr>
+            <p:ph type="title"/>
+          </p:nvPr>
+        </p:nvSpPr>
+        <p:spPr/>
+        <p:txBody>
+          <a:bodyPr/>
+          <a:lstStyle/>
+          <a:p>
+            <a:r>
+              <a:rPr lang="en-US" dirty="0" smtClean="0"/>
+              <a:t>Why use </a:t>
+            </a:r>
+            <a:r>
+              <a:rPr lang="en-US" dirty="0" smtClean="0"/>
+              <a:t>deep learning?</a:t>
             </a:r>
             <a:endParaRPr lang="en-US" dirty="0"/>
           </a:p>
@@ -4871,7 +8452,7 @@
                 </a:spcAft>
               </a:pPr>
               <a:r>
-                <a:rPr lang="en-US" sz="2000" b="1">
+                <a:rPr lang="en-US" sz="2000" b="1" dirty="0">
                   <a:solidFill>
                     <a:srgbClr val="0070C0"/>
                   </a:solidFill>
@@ -4881,7 +8462,7 @@
                 </a:rPr>
                 <a:t>Deep Learning</a:t>
               </a:r>
-              <a:endParaRPr lang="en-US" sz="2400">
+              <a:endParaRPr lang="en-US" sz="2400" dirty="0">
                 <a:solidFill>
                   <a:srgbClr val="292934"/>
                 </a:solidFill>
@@ -5077,6 +8658,666 @@
   <p:timing>
     <p:tnLst>
       <p:par>
+        <p:cTn id="1" dur="indefinite" restart="never" nodeType="tmRoot">
+          <p:childTnLst>
+            <p:seq concurrent="1" nextAc="seek">
+              <p:cTn id="2" dur="indefinite" nodeType="mainSeq">
+                <p:childTnLst>
+                  <p:par>
+                    <p:cTn id="3" fill="hold">
+                      <p:stCondLst>
+                        <p:cond delay="indefinite"/>
+                      </p:stCondLst>
+                      <p:childTnLst>
+                        <p:par>
+                          <p:cTn id="4" fill="hold">
+                            <p:stCondLst>
+                              <p:cond delay="0"/>
+                            </p:stCondLst>
+                            <p:childTnLst>
+                              <p:par>
+                                <p:cTn id="5" presetID="1" presetClass="entr" presetSubtype="0" fill="hold" nodeType="clickEffect">
+                                  <p:stCondLst>
+                                    <p:cond delay="0"/>
+                                  </p:stCondLst>
+                                  <p:childTnLst>
+                                    <p:set>
+                                      <p:cBhvr>
+                                        <p:cTn id="6" dur="1" fill="hold">
+                                          <p:stCondLst>
+                                            <p:cond delay="0"/>
+                                          </p:stCondLst>
+                                        </p:cTn>
+                                        <p:tgtEl>
+                                          <p:spTgt spid="30"/>
+                                        </p:tgtEl>
+                                        <p:attrNameLst>
+                                          <p:attrName>style.visibility</p:attrName>
+                                        </p:attrNameLst>
+                                      </p:cBhvr>
+                                      <p:to>
+                                        <p:strVal val="visible"/>
+                                      </p:to>
+                                    </p:set>
+                                  </p:childTnLst>
+                                </p:cTn>
+                              </p:par>
+                            </p:childTnLst>
+                          </p:cTn>
+                        </p:par>
+                      </p:childTnLst>
+                    </p:cTn>
+                  </p:par>
+                </p:childTnLst>
+              </p:cTn>
+              <p:prevCondLst>
+                <p:cond evt="onPrev" delay="0">
+                  <p:tgtEl>
+                    <p:sldTgt/>
+                  </p:tgtEl>
+                </p:cond>
+              </p:prevCondLst>
+              <p:nextCondLst>
+                <p:cond evt="onNext" delay="0">
+                  <p:tgtEl>
+                    <p:sldTgt/>
+                  </p:tgtEl>
+                </p:cond>
+              </p:nextCondLst>
+            </p:seq>
+          </p:childTnLst>
+        </p:cTn>
+      </p:par>
+    </p:tnLst>
+  </p:timing>
+</p:sld>
+</file>
+
+<file path=ppt/slides/slide16.xml><?xml version="1.0" encoding="utf-8"?>
+<p:sld xmlns:a="http://schemas.openxmlformats.org/drawingml/2006/main" xmlns:r="http://schemas.openxmlformats.org/officeDocument/2006/relationships" xmlns:p="http://schemas.openxmlformats.org/presentationml/2006/main">
+  <p:cSld>
+    <p:spTree>
+      <p:nvGrpSpPr>
+        <p:cNvPr id="1" name=""/>
+        <p:cNvGrpSpPr/>
+        <p:nvPr/>
+      </p:nvGrpSpPr>
+      <p:grpSpPr>
+        <a:xfrm>
+          <a:off x="0" y="0"/>
+          <a:ext cx="0" cy="0"/>
+          <a:chOff x="0" y="0"/>
+          <a:chExt cx="0" cy="0"/>
+        </a:xfrm>
+      </p:grpSpPr>
+      <p:sp>
+        <p:nvSpPr>
+          <p:cNvPr id="2" name="Title 1"/>
+          <p:cNvSpPr>
+            <a:spLocks noGrp="1"/>
+          </p:cNvSpPr>
+          <p:nvPr>
+            <p:ph type="title"/>
+          </p:nvPr>
+        </p:nvSpPr>
+        <p:spPr/>
+        <p:txBody>
+          <a:bodyPr/>
+          <a:lstStyle/>
+          <a:p>
+            <a:r>
+              <a:rPr lang="en-US" dirty="0" smtClean="0"/>
+              <a:t>Implementations Explored</a:t>
+            </a:r>
+            <a:endParaRPr lang="en-US" dirty="0"/>
+          </a:p>
+        </p:txBody>
+      </p:sp>
+      <p:sp>
+        <p:nvSpPr>
+          <p:cNvPr id="3" name="Content Placeholder 2"/>
+          <p:cNvSpPr>
+            <a:spLocks noGrp="1"/>
+          </p:cNvSpPr>
+          <p:nvPr>
+            <p:ph idx="1"/>
+          </p:nvPr>
+        </p:nvSpPr>
+        <p:spPr/>
+        <p:txBody>
+          <a:bodyPr/>
+          <a:lstStyle/>
+          <a:p>
+            <a:r>
+              <a:rPr lang="en-US" b="1" dirty="0" err="1" smtClean="0"/>
+              <a:t>Theano</a:t>
+            </a:r>
+            <a:r>
+              <a:rPr lang="en-US" b="1" dirty="0" smtClean="0"/>
+              <a:t>: </a:t>
+            </a:r>
+            <a:r>
+              <a:rPr lang="en-US" dirty="0" smtClean="0"/>
+              <a:t>Python toolkit for running computations quickly on GPUs</a:t>
+            </a:r>
+          </a:p>
+          <a:p>
+            <a:r>
+              <a:rPr lang="en-US" dirty="0" err="1" smtClean="0"/>
+              <a:t>Scikit</a:t>
+            </a:r>
+            <a:r>
+              <a:rPr lang="en-US" dirty="0" smtClean="0"/>
+              <a:t>-learn: Python library for machine learning</a:t>
+            </a:r>
+          </a:p>
+          <a:p>
+            <a:r>
+              <a:rPr lang="en-US" dirty="0" smtClean="0"/>
+              <a:t>Pylearn2: Python library for machine learning (buggy, still in active development)</a:t>
+            </a:r>
+          </a:p>
+          <a:p>
+            <a:r>
+              <a:rPr lang="en-US" dirty="0" err="1" smtClean="0"/>
+              <a:t>NuPIC</a:t>
+            </a:r>
+            <a:r>
+              <a:rPr lang="en-US" dirty="0" smtClean="0"/>
+              <a:t> (</a:t>
+            </a:r>
+            <a:r>
+              <a:rPr lang="en-US" dirty="0" err="1" smtClean="0"/>
+              <a:t>Numenta</a:t>
+            </a:r>
+            <a:r>
+              <a:rPr lang="en-US" dirty="0" smtClean="0"/>
+              <a:t> Platform for Intelligent Computing): Python library implementing HTM deep learning algorithm developed by </a:t>
+            </a:r>
+            <a:r>
+              <a:rPr lang="en-US" dirty="0" err="1" smtClean="0"/>
+              <a:t>Numenta</a:t>
+            </a:r>
+            <a:endParaRPr lang="en-US" dirty="0" smtClean="0"/>
+          </a:p>
+          <a:p>
+            <a:pPr marL="0" indent="0">
+              <a:buNone/>
+            </a:pPr>
+            <a:r>
+              <a:rPr lang="en-US" b="1" dirty="0"/>
+              <a:t>More on </a:t>
+            </a:r>
+            <a:r>
+              <a:rPr lang="en-US" b="1" dirty="0" err="1" smtClean="0"/>
+              <a:t>Theano</a:t>
+            </a:r>
+            <a:r>
+              <a:rPr lang="en-US" b="1" dirty="0" smtClean="0"/>
+              <a:t> in </a:t>
+            </a:r>
+            <a:r>
+              <a:rPr lang="en-US" b="1" dirty="0"/>
+              <a:t>future presentations</a:t>
+            </a:r>
+            <a:r>
+              <a:rPr lang="en-US" b="1" dirty="0" smtClean="0"/>
+              <a:t>!</a:t>
+            </a:r>
+            <a:endParaRPr lang="en-US" b="1" dirty="0"/>
+          </a:p>
+        </p:txBody>
+      </p:sp>
+    </p:spTree>
+    <p:extLst>
+      <p:ext uri="{BB962C8B-B14F-4D97-AF65-F5344CB8AC3E}">
+        <p14:creationId xmlns:p14="http://schemas.microsoft.com/office/powerpoint/2010/main" val="857782487"/>
+      </p:ext>
+    </p:extLst>
+  </p:cSld>
+  <p:clrMapOvr>
+    <a:masterClrMapping/>
+  </p:clrMapOvr>
+  <p:timing>
+    <p:tnLst>
+      <p:par>
+        <p:cTn id="1" dur="indefinite" restart="never" nodeType="tmRoot">
+          <p:childTnLst>
+            <p:seq concurrent="1" nextAc="seek">
+              <p:cTn id="2" dur="indefinite" nodeType="mainSeq">
+                <p:childTnLst>
+                  <p:par>
+                    <p:cTn id="3" fill="hold">
+                      <p:stCondLst>
+                        <p:cond delay="indefinite"/>
+                      </p:stCondLst>
+                      <p:childTnLst>
+                        <p:par>
+                          <p:cTn id="4" fill="hold">
+                            <p:stCondLst>
+                              <p:cond delay="0"/>
+                            </p:stCondLst>
+                            <p:childTnLst>
+                              <p:par>
+                                <p:cTn id="5" presetID="1" presetClass="entr" presetSubtype="0" fill="hold" grpId="0" nodeType="clickEffect">
+                                  <p:stCondLst>
+                                    <p:cond delay="0"/>
+                                  </p:stCondLst>
+                                  <p:childTnLst>
+                                    <p:set>
+                                      <p:cBhvr>
+                                        <p:cTn id="6" dur="1" fill="hold">
+                                          <p:stCondLst>
+                                            <p:cond delay="0"/>
+                                          </p:stCondLst>
+                                        </p:cTn>
+                                        <p:tgtEl>
+                                          <p:spTgt spid="3">
+                                            <p:txEl>
+                                              <p:pRg st="0" end="0"/>
+                                            </p:txEl>
+                                          </p:spTgt>
+                                        </p:tgtEl>
+                                        <p:attrNameLst>
+                                          <p:attrName>style.visibility</p:attrName>
+                                        </p:attrNameLst>
+                                      </p:cBhvr>
+                                      <p:to>
+                                        <p:strVal val="visible"/>
+                                      </p:to>
+                                    </p:set>
+                                  </p:childTnLst>
+                                </p:cTn>
+                              </p:par>
+                            </p:childTnLst>
+                          </p:cTn>
+                        </p:par>
+                      </p:childTnLst>
+                    </p:cTn>
+                  </p:par>
+                  <p:par>
+                    <p:cTn id="7" fill="hold">
+                      <p:stCondLst>
+                        <p:cond delay="indefinite"/>
+                      </p:stCondLst>
+                      <p:childTnLst>
+                        <p:par>
+                          <p:cTn id="8" fill="hold">
+                            <p:stCondLst>
+                              <p:cond delay="0"/>
+                            </p:stCondLst>
+                            <p:childTnLst>
+                              <p:par>
+                                <p:cTn id="9" presetID="1" presetClass="entr" presetSubtype="0" fill="hold" grpId="0" nodeType="clickEffect">
+                                  <p:stCondLst>
+                                    <p:cond delay="0"/>
+                                  </p:stCondLst>
+                                  <p:childTnLst>
+                                    <p:set>
+                                      <p:cBhvr>
+                                        <p:cTn id="10" dur="1" fill="hold">
+                                          <p:stCondLst>
+                                            <p:cond delay="0"/>
+                                          </p:stCondLst>
+                                        </p:cTn>
+                                        <p:tgtEl>
+                                          <p:spTgt spid="3">
+                                            <p:txEl>
+                                              <p:pRg st="1" end="1"/>
+                                            </p:txEl>
+                                          </p:spTgt>
+                                        </p:tgtEl>
+                                        <p:attrNameLst>
+                                          <p:attrName>style.visibility</p:attrName>
+                                        </p:attrNameLst>
+                                      </p:cBhvr>
+                                      <p:to>
+                                        <p:strVal val="visible"/>
+                                      </p:to>
+                                    </p:set>
+                                  </p:childTnLst>
+                                </p:cTn>
+                              </p:par>
+                            </p:childTnLst>
+                          </p:cTn>
+                        </p:par>
+                      </p:childTnLst>
+                    </p:cTn>
+                  </p:par>
+                  <p:par>
+                    <p:cTn id="11" fill="hold">
+                      <p:stCondLst>
+                        <p:cond delay="indefinite"/>
+                      </p:stCondLst>
+                      <p:childTnLst>
+                        <p:par>
+                          <p:cTn id="12" fill="hold">
+                            <p:stCondLst>
+                              <p:cond delay="0"/>
+                            </p:stCondLst>
+                            <p:childTnLst>
+                              <p:par>
+                                <p:cTn id="13" presetID="1" presetClass="entr" presetSubtype="0" fill="hold" grpId="0" nodeType="clickEffect">
+                                  <p:stCondLst>
+                                    <p:cond delay="0"/>
+                                  </p:stCondLst>
+                                  <p:childTnLst>
+                                    <p:set>
+                                      <p:cBhvr>
+                                        <p:cTn id="14" dur="1" fill="hold">
+                                          <p:stCondLst>
+                                            <p:cond delay="0"/>
+                                          </p:stCondLst>
+                                        </p:cTn>
+                                        <p:tgtEl>
+                                          <p:spTgt spid="3">
+                                            <p:txEl>
+                                              <p:pRg st="2" end="2"/>
+                                            </p:txEl>
+                                          </p:spTgt>
+                                        </p:tgtEl>
+                                        <p:attrNameLst>
+                                          <p:attrName>style.visibility</p:attrName>
+                                        </p:attrNameLst>
+                                      </p:cBhvr>
+                                      <p:to>
+                                        <p:strVal val="visible"/>
+                                      </p:to>
+                                    </p:set>
+                                  </p:childTnLst>
+                                </p:cTn>
+                              </p:par>
+                            </p:childTnLst>
+                          </p:cTn>
+                        </p:par>
+                      </p:childTnLst>
+                    </p:cTn>
+                  </p:par>
+                  <p:par>
+                    <p:cTn id="15" fill="hold">
+                      <p:stCondLst>
+                        <p:cond delay="indefinite"/>
+                      </p:stCondLst>
+                      <p:childTnLst>
+                        <p:par>
+                          <p:cTn id="16" fill="hold">
+                            <p:stCondLst>
+                              <p:cond delay="0"/>
+                            </p:stCondLst>
+                            <p:childTnLst>
+                              <p:par>
+                                <p:cTn id="17" presetID="1" presetClass="entr" presetSubtype="0" fill="hold" grpId="0" nodeType="clickEffect">
+                                  <p:stCondLst>
+                                    <p:cond delay="0"/>
+                                  </p:stCondLst>
+                                  <p:childTnLst>
+                                    <p:set>
+                                      <p:cBhvr>
+                                        <p:cTn id="18" dur="1" fill="hold">
+                                          <p:stCondLst>
+                                            <p:cond delay="0"/>
+                                          </p:stCondLst>
+                                        </p:cTn>
+                                        <p:tgtEl>
+                                          <p:spTgt spid="3">
+                                            <p:txEl>
+                                              <p:pRg st="3" end="3"/>
+                                            </p:txEl>
+                                          </p:spTgt>
+                                        </p:tgtEl>
+                                        <p:attrNameLst>
+                                          <p:attrName>style.visibility</p:attrName>
+                                        </p:attrNameLst>
+                                      </p:cBhvr>
+                                      <p:to>
+                                        <p:strVal val="visible"/>
+                                      </p:to>
+                                    </p:set>
+                                  </p:childTnLst>
+                                </p:cTn>
+                              </p:par>
+                            </p:childTnLst>
+                          </p:cTn>
+                        </p:par>
+                      </p:childTnLst>
+                    </p:cTn>
+                  </p:par>
+                  <p:par>
+                    <p:cTn id="19" fill="hold">
+                      <p:stCondLst>
+                        <p:cond delay="indefinite"/>
+                      </p:stCondLst>
+                      <p:childTnLst>
+                        <p:par>
+                          <p:cTn id="20" fill="hold">
+                            <p:stCondLst>
+                              <p:cond delay="0"/>
+                            </p:stCondLst>
+                            <p:childTnLst>
+                              <p:par>
+                                <p:cTn id="21" presetID="1" presetClass="entr" presetSubtype="0" fill="hold" grpId="0" nodeType="clickEffect">
+                                  <p:stCondLst>
+                                    <p:cond delay="0"/>
+                                  </p:stCondLst>
+                                  <p:childTnLst>
+                                    <p:set>
+                                      <p:cBhvr>
+                                        <p:cTn id="22" dur="1" fill="hold">
+                                          <p:stCondLst>
+                                            <p:cond delay="0"/>
+                                          </p:stCondLst>
+                                        </p:cTn>
+                                        <p:tgtEl>
+                                          <p:spTgt spid="3">
+                                            <p:txEl>
+                                              <p:pRg st="4" end="4"/>
+                                            </p:txEl>
+                                          </p:spTgt>
+                                        </p:tgtEl>
+                                        <p:attrNameLst>
+                                          <p:attrName>style.visibility</p:attrName>
+                                        </p:attrNameLst>
+                                      </p:cBhvr>
+                                      <p:to>
+                                        <p:strVal val="visible"/>
+                                      </p:to>
+                                    </p:set>
+                                  </p:childTnLst>
+                                </p:cTn>
+                              </p:par>
+                            </p:childTnLst>
+                          </p:cTn>
+                        </p:par>
+                      </p:childTnLst>
+                    </p:cTn>
+                  </p:par>
+                </p:childTnLst>
+              </p:cTn>
+              <p:prevCondLst>
+                <p:cond evt="onPrev" delay="0">
+                  <p:tgtEl>
+                    <p:sldTgt/>
+                  </p:tgtEl>
+                </p:cond>
+              </p:prevCondLst>
+              <p:nextCondLst>
+                <p:cond evt="onNext" delay="0">
+                  <p:tgtEl>
+                    <p:sldTgt/>
+                  </p:tgtEl>
+                </p:cond>
+              </p:nextCondLst>
+            </p:seq>
+          </p:childTnLst>
+        </p:cTn>
+      </p:par>
+    </p:tnLst>
+    <p:bldLst>
+      <p:bldP spid="3" grpId="0" build="p"/>
+    </p:bldLst>
+  </p:timing>
+</p:sld>
+</file>
+
+<file path=ppt/slides/slide17.xml><?xml version="1.0" encoding="utf-8"?>
+<p:sld xmlns:a="http://schemas.openxmlformats.org/drawingml/2006/main" xmlns:r="http://schemas.openxmlformats.org/officeDocument/2006/relationships" xmlns:p="http://schemas.openxmlformats.org/presentationml/2006/main">
+  <p:cSld>
+    <p:spTree>
+      <p:nvGrpSpPr>
+        <p:cNvPr id="1" name=""/>
+        <p:cNvGrpSpPr/>
+        <p:nvPr/>
+      </p:nvGrpSpPr>
+      <p:grpSpPr>
+        <a:xfrm>
+          <a:off x="0" y="0"/>
+          <a:ext cx="0" cy="0"/>
+          <a:chOff x="0" y="0"/>
+          <a:chExt cx="0" cy="0"/>
+        </a:xfrm>
+      </p:grpSpPr>
+      <p:sp>
+        <p:nvSpPr>
+          <p:cNvPr id="2" name="Title 1"/>
+          <p:cNvSpPr>
+            <a:spLocks noGrp="1"/>
+          </p:cNvSpPr>
+          <p:nvPr>
+            <p:ph type="title"/>
+          </p:nvPr>
+        </p:nvSpPr>
+        <p:spPr/>
+        <p:txBody>
+          <a:bodyPr/>
+          <a:lstStyle/>
+          <a:p>
+            <a:r>
+              <a:rPr lang="en-US" dirty="0" smtClean="0"/>
+              <a:t>Deep Learning Architectures</a:t>
+            </a:r>
+            <a:endParaRPr lang="en-US" dirty="0"/>
+          </a:p>
+        </p:txBody>
+      </p:sp>
+      <p:sp>
+        <p:nvSpPr>
+          <p:cNvPr id="3" name="Content Placeholder 2"/>
+          <p:cNvSpPr>
+            <a:spLocks noGrp="1"/>
+          </p:cNvSpPr>
+          <p:nvPr>
+            <p:ph idx="1"/>
+          </p:nvPr>
+        </p:nvSpPr>
+        <p:spPr/>
+        <p:txBody>
+          <a:bodyPr>
+            <a:normAutofit fontScale="92500" lnSpcReduction="20000"/>
+          </a:bodyPr>
+          <a:lstStyle/>
+          <a:p>
+            <a:pPr marL="0" indent="0">
+              <a:buNone/>
+            </a:pPr>
+            <a:r>
+              <a:rPr lang="en-US" dirty="0" smtClean="0"/>
+              <a:t>Implementation:</a:t>
+            </a:r>
+          </a:p>
+          <a:p>
+            <a:r>
+              <a:rPr lang="en-US" dirty="0" smtClean="0"/>
+              <a:t>Many, many different kinds of implementations</a:t>
+            </a:r>
+          </a:p>
+          <a:p>
+            <a:r>
+              <a:rPr lang="en-US" dirty="0" smtClean="0"/>
+              <a:t>We have decided to use </a:t>
+            </a:r>
+            <a:r>
+              <a:rPr lang="en-US" dirty="0" err="1" smtClean="0"/>
+              <a:t>Theano</a:t>
+            </a:r>
+            <a:r>
+              <a:rPr lang="en-US" dirty="0" smtClean="0"/>
+              <a:t> and are learning the basics of it currently</a:t>
+            </a:r>
+          </a:p>
+          <a:p>
+            <a:pPr marL="0" indent="0">
+              <a:buNone/>
+            </a:pPr>
+            <a:r>
+              <a:rPr lang="en-US" dirty="0" smtClean="0"/>
+              <a:t>We will be focusing on:</a:t>
+            </a:r>
+          </a:p>
+          <a:p>
+            <a:r>
+              <a:rPr lang="en-US" dirty="0" err="1" smtClean="0"/>
+              <a:t>Autoencoders</a:t>
+            </a:r>
+            <a:endParaRPr lang="en-US" dirty="0" smtClean="0"/>
+          </a:p>
+          <a:p>
+            <a:r>
+              <a:rPr lang="en-US" dirty="0" smtClean="0"/>
+              <a:t>Restricted Boltzmann Machines (RBMs)</a:t>
+            </a:r>
+          </a:p>
+          <a:p>
+            <a:r>
+              <a:rPr lang="en-US" dirty="0" smtClean="0"/>
+              <a:t>Convolutional Neural Networks (CNNs)</a:t>
+            </a:r>
+          </a:p>
+          <a:p>
+            <a:r>
+              <a:rPr lang="en-US" dirty="0" smtClean="0"/>
+              <a:t>Recurrent Neural Networks (RNNs)</a:t>
+            </a:r>
+          </a:p>
+          <a:p>
+            <a:pPr marL="0" indent="0">
+              <a:buNone/>
+            </a:pPr>
+            <a:r>
+              <a:rPr lang="en-US" b="1" dirty="0" smtClean="0"/>
+              <a:t>More on these implementations in future presentations!</a:t>
+            </a:r>
+            <a:endParaRPr lang="en-US" b="1" dirty="0"/>
+          </a:p>
+          <a:p>
+            <a:pPr marL="0" indent="0">
+              <a:buNone/>
+            </a:pPr>
+            <a:r>
+              <a:rPr lang="en-US" dirty="0" smtClean="0"/>
+              <a:t>If time permits:</a:t>
+            </a:r>
+          </a:p>
+          <a:p>
+            <a:r>
+              <a:rPr lang="en-US" dirty="0" smtClean="0"/>
+              <a:t>Hierarchical Temporal Memory (HTM)</a:t>
+            </a:r>
+          </a:p>
+        </p:txBody>
+      </p:sp>
+    </p:spTree>
+    <p:extLst>
+      <p:ext uri="{BB962C8B-B14F-4D97-AF65-F5344CB8AC3E}">
+        <p14:creationId xmlns:p14="http://schemas.microsoft.com/office/powerpoint/2010/main" val="3454541635"/>
+      </p:ext>
+    </p:extLst>
+  </p:cSld>
+  <p:clrMapOvr>
+    <a:masterClrMapping/>
+  </p:clrMapOvr>
+  <p:timing>
+    <p:tnLst>
+      <p:par>
         <p:cTn id="1" dur="indefinite" restart="never" nodeType="tmRoot"/>
       </p:par>
     </p:tnLst>
@@ -5084,7 +9325,820 @@
 </p:sld>
 </file>
 
-<file path=ppt/slides/slide5.xml><?xml version="1.0" encoding="utf-8"?>
+<file path=ppt/slides/slide18.xml><?xml version="1.0" encoding="utf-8"?>
+<p:sld xmlns:a="http://schemas.openxmlformats.org/drawingml/2006/main" xmlns:r="http://schemas.openxmlformats.org/officeDocument/2006/relationships" xmlns:p="http://schemas.openxmlformats.org/presentationml/2006/main">
+  <p:cSld>
+    <p:spTree>
+      <p:nvGrpSpPr>
+        <p:cNvPr id="1" name=""/>
+        <p:cNvGrpSpPr/>
+        <p:nvPr/>
+      </p:nvGrpSpPr>
+      <p:grpSpPr>
+        <a:xfrm>
+          <a:off x="0" y="0"/>
+          <a:ext cx="0" cy="0"/>
+          <a:chOff x="0" y="0"/>
+          <a:chExt cx="0" cy="0"/>
+        </a:xfrm>
+      </p:grpSpPr>
+      <p:pic>
+        <p:nvPicPr>
+          <p:cNvPr id="10" name="Picture 4" descr="Home"/>
+          <p:cNvPicPr>
+            <a:picLocks noChangeAspect="1" noChangeArrowheads="1"/>
+          </p:cNvPicPr>
+          <p:nvPr/>
+        </p:nvPicPr>
+        <p:blipFill>
+          <a:blip r:embed="rId3">
+            <a:extLst>
+              <a:ext uri="{28A0092B-C50C-407E-A947-70E740481C1C}">
+                <a14:useLocalDpi xmlns:a14="http://schemas.microsoft.com/office/drawing/2010/main" val="0"/>
+              </a:ext>
+            </a:extLst>
+          </a:blip>
+          <a:srcRect/>
+          <a:stretch>
+            <a:fillRect/>
+          </a:stretch>
+        </p:blipFill>
+        <p:spPr bwMode="auto">
+          <a:xfrm>
+            <a:off x="9413875" y="633987"/>
+            <a:ext cx="2381250" cy="1123950"/>
+          </a:xfrm>
+          <a:prstGeom prst="rect">
+            <a:avLst/>
+          </a:prstGeom>
+          <a:noFill/>
+          <a:extLst>
+            <a:ext uri="{909E8E84-426E-40DD-AFC4-6F175D3DCCD1}">
+              <a14:hiddenFill xmlns:a14="http://schemas.microsoft.com/office/drawing/2010/main">
+                <a:solidFill>
+                  <a:srgbClr val="FFFFFF"/>
+                </a:solidFill>
+              </a14:hiddenFill>
+            </a:ext>
+          </a:extLst>
+        </p:spPr>
+      </p:pic>
+      <p:pic>
+        <p:nvPicPr>
+          <p:cNvPr id="11" name="Picture 6" descr="http://www.seas.harvard.edu/courses/cs152/2010sp/SEASLogo.png"/>
+          <p:cNvPicPr>
+            <a:picLocks noChangeAspect="1" noChangeArrowheads="1"/>
+          </p:cNvPicPr>
+          <p:nvPr/>
+        </p:nvPicPr>
+        <p:blipFill>
+          <a:blip r:embed="rId4">
+            <a:extLst>
+              <a:ext uri="{28A0092B-C50C-407E-A947-70E740481C1C}">
+                <a14:useLocalDpi xmlns:a14="http://schemas.microsoft.com/office/drawing/2010/main" val="0"/>
+              </a:ext>
+            </a:extLst>
+          </a:blip>
+          <a:srcRect/>
+          <a:stretch>
+            <a:fillRect/>
+          </a:stretch>
+        </p:blipFill>
+        <p:spPr bwMode="auto">
+          <a:xfrm>
+            <a:off x="360806" y="633987"/>
+            <a:ext cx="3533609" cy="1292659"/>
+          </a:xfrm>
+          <a:prstGeom prst="rect">
+            <a:avLst/>
+          </a:prstGeom>
+          <a:noFill/>
+          <a:extLst>
+            <a:ext uri="{909E8E84-426E-40DD-AFC4-6F175D3DCCD1}">
+              <a14:hiddenFill xmlns:a14="http://schemas.microsoft.com/office/drawing/2010/main">
+                <a:solidFill>
+                  <a:srgbClr val="FFFFFF"/>
+                </a:solidFill>
+              </a14:hiddenFill>
+            </a:ext>
+          </a:extLst>
+        </p:spPr>
+      </p:pic>
+      <p:sp>
+        <p:nvSpPr>
+          <p:cNvPr id="14" name="Rectangle 13"/>
+          <p:cNvSpPr/>
+          <p:nvPr/>
+        </p:nvSpPr>
+        <p:spPr>
+          <a:xfrm>
+            <a:off x="3811690" y="2967335"/>
+            <a:ext cx="4568623" cy="1477328"/>
+          </a:xfrm>
+          <a:prstGeom prst="rect">
+            <a:avLst/>
+          </a:prstGeom>
+          <a:noFill/>
+        </p:spPr>
+        <p:txBody>
+          <a:bodyPr wrap="none" lIns="91440" tIns="45720" rIns="91440" bIns="45720">
+            <a:spAutoFit/>
+          </a:bodyPr>
+          <a:lstStyle/>
+          <a:p>
+            <a:pPr algn="ctr"/>
+            <a:r>
+              <a:rPr lang="en-US" sz="6600" b="1" cap="none" spc="0" dirty="0" smtClean="0">
+                <a:ln w="6600">
+                  <a:solidFill>
+                    <a:schemeClr val="accent2"/>
+                  </a:solidFill>
+                  <a:prstDash val="solid"/>
+                </a:ln>
+                <a:solidFill>
+                  <a:srgbClr val="FFFFFF"/>
+                </a:solidFill>
+                <a:effectLst>
+                  <a:outerShdw dist="38100" dir="2700000" algn="tl" rotWithShape="0">
+                    <a:schemeClr val="accent2"/>
+                  </a:outerShdw>
+                </a:effectLst>
+              </a:rPr>
+              <a:t>Thank you!</a:t>
+            </a:r>
+          </a:p>
+          <a:p>
+            <a:pPr algn="ctr"/>
+            <a:r>
+              <a:rPr lang="en-US" sz="2400" b="1" dirty="0" smtClean="0">
+                <a:ln w="6600">
+                  <a:solidFill>
+                    <a:schemeClr val="accent2"/>
+                  </a:solidFill>
+                  <a:prstDash val="solid"/>
+                </a:ln>
+                <a:solidFill>
+                  <a:srgbClr val="FFFFFF"/>
+                </a:solidFill>
+                <a:effectLst>
+                  <a:outerShdw dist="38100" dir="2700000" algn="tl" rotWithShape="0">
+                    <a:schemeClr val="accent2"/>
+                  </a:outerShdw>
+                </a:effectLst>
+              </a:rPr>
+              <a:t>Questions?</a:t>
+            </a:r>
+            <a:endParaRPr lang="en-US" sz="4800" b="1" cap="none" spc="0" dirty="0">
+              <a:ln w="6600">
+                <a:solidFill>
+                  <a:schemeClr val="accent2"/>
+                </a:solidFill>
+                <a:prstDash val="solid"/>
+              </a:ln>
+              <a:solidFill>
+                <a:srgbClr val="FFFFFF"/>
+              </a:solidFill>
+              <a:effectLst>
+                <a:outerShdw dist="38100" dir="2700000" algn="tl" rotWithShape="0">
+                  <a:schemeClr val="accent2"/>
+                </a:outerShdw>
+              </a:effectLst>
+            </a:endParaRPr>
+          </a:p>
+        </p:txBody>
+      </p:sp>
+      <p:sp>
+        <p:nvSpPr>
+          <p:cNvPr id="15" name="Title 14"/>
+          <p:cNvSpPr>
+            <a:spLocks noGrp="1"/>
+          </p:cNvSpPr>
+          <p:nvPr>
+            <p:ph type="title"/>
+          </p:nvPr>
+        </p:nvSpPr>
+        <p:spPr>
+          <a:xfrm>
+            <a:off x="581193" y="5262296"/>
+            <a:ext cx="1546418" cy="689514"/>
+          </a:xfrm>
+        </p:spPr>
+        <p:txBody>
+          <a:bodyPr/>
+          <a:lstStyle/>
+          <a:p>
+            <a:r>
+              <a:rPr lang="en-US" dirty="0" smtClean="0"/>
+              <a:t>Next Time:</a:t>
+            </a:r>
+            <a:endParaRPr lang="en-US" dirty="0"/>
+          </a:p>
+        </p:txBody>
+      </p:sp>
+      <p:sp>
+        <p:nvSpPr>
+          <p:cNvPr id="17" name="Text Placeholder 16"/>
+          <p:cNvSpPr>
+            <a:spLocks noGrp="1"/>
+          </p:cNvSpPr>
+          <p:nvPr>
+            <p:ph type="body" sz="half" idx="2"/>
+          </p:nvPr>
+        </p:nvSpPr>
+        <p:spPr>
+          <a:xfrm>
+            <a:off x="2127610" y="5262295"/>
+            <a:ext cx="5869987" cy="689515"/>
+          </a:xfrm>
+        </p:spPr>
+        <p:txBody>
+          <a:bodyPr/>
+          <a:lstStyle/>
+          <a:p>
+            <a:pPr marL="171450" indent="-171450" algn="l">
+              <a:buFont typeface="Arial" panose="020B0604020202020204" pitchFamily="34" charset="0"/>
+              <a:buChar char="•"/>
+            </a:pPr>
+            <a:r>
+              <a:rPr lang="en-US" dirty="0" smtClean="0"/>
+              <a:t>More on specific implementations of deep learning</a:t>
+            </a:r>
+          </a:p>
+          <a:p>
+            <a:pPr marL="171450" indent="-171450" algn="l">
+              <a:buFont typeface="Arial" panose="020B0604020202020204" pitchFamily="34" charset="0"/>
+              <a:buChar char="•"/>
+            </a:pPr>
+            <a:r>
+              <a:rPr lang="en-US" dirty="0" smtClean="0"/>
+              <a:t>More on </a:t>
+            </a:r>
+            <a:r>
+              <a:rPr lang="en-US" dirty="0" err="1" smtClean="0"/>
+              <a:t>Theano</a:t>
+            </a:r>
+            <a:endParaRPr lang="en-US" dirty="0"/>
+          </a:p>
+        </p:txBody>
+      </p:sp>
+    </p:spTree>
+    <p:extLst>
+      <p:ext uri="{BB962C8B-B14F-4D97-AF65-F5344CB8AC3E}">
+        <p14:creationId xmlns:p14="http://schemas.microsoft.com/office/powerpoint/2010/main" val="1965711742"/>
+      </p:ext>
+    </p:extLst>
+  </p:cSld>
+  <p:clrMapOvr>
+    <a:masterClrMapping/>
+  </p:clrMapOvr>
+  <p:timing>
+    <p:tnLst>
+      <p:par>
+        <p:cTn id="1" dur="indefinite" restart="never" nodeType="tmRoot"/>
+      </p:par>
+    </p:tnLst>
+  </p:timing>
+</p:sld>
+</file>
+
+<file path=ppt/slides/slide2.xml><?xml version="1.0" encoding="utf-8"?>
+<p:sld xmlns:a="http://schemas.openxmlformats.org/drawingml/2006/main" xmlns:r="http://schemas.openxmlformats.org/officeDocument/2006/relationships" xmlns:p="http://schemas.openxmlformats.org/presentationml/2006/main">
+  <p:cSld>
+    <p:spTree>
+      <p:nvGrpSpPr>
+        <p:cNvPr id="1" name=""/>
+        <p:cNvGrpSpPr/>
+        <p:nvPr/>
+      </p:nvGrpSpPr>
+      <p:grpSpPr>
+        <a:xfrm>
+          <a:off x="0" y="0"/>
+          <a:ext cx="0" cy="0"/>
+          <a:chOff x="0" y="0"/>
+          <a:chExt cx="0" cy="0"/>
+        </a:xfrm>
+      </p:grpSpPr>
+      <p:sp>
+        <p:nvSpPr>
+          <p:cNvPr id="2" name="Title 1"/>
+          <p:cNvSpPr>
+            <a:spLocks noGrp="1"/>
+          </p:cNvSpPr>
+          <p:nvPr>
+            <p:ph type="title"/>
+          </p:nvPr>
+        </p:nvSpPr>
+        <p:spPr/>
+        <p:txBody>
+          <a:bodyPr/>
+          <a:lstStyle/>
+          <a:p>
+            <a:r>
+              <a:rPr lang="en-US" dirty="0" smtClean="0"/>
+              <a:t>Introduction &amp; Problem Statement</a:t>
+            </a:r>
+            <a:endParaRPr lang="en-US" dirty="0"/>
+          </a:p>
+        </p:txBody>
+      </p:sp>
+      <p:sp>
+        <p:nvSpPr>
+          <p:cNvPr id="3" name="Content Placeholder 2"/>
+          <p:cNvSpPr>
+            <a:spLocks noGrp="1"/>
+          </p:cNvSpPr>
+          <p:nvPr>
+            <p:ph idx="1"/>
+          </p:nvPr>
+        </p:nvSpPr>
+        <p:spPr/>
+        <p:txBody>
+          <a:bodyPr/>
+          <a:lstStyle/>
+          <a:p>
+            <a:r>
+              <a:rPr lang="en-US" dirty="0" smtClean="0"/>
+              <a:t>Project proposed by Quantum Reservoir </a:t>
+            </a:r>
+            <a:r>
+              <a:rPr lang="en-US" dirty="0" smtClean="0"/>
+              <a:t>Impact (QRI)</a:t>
+            </a:r>
+          </a:p>
+          <a:p>
+            <a:r>
+              <a:rPr lang="en-US" dirty="0" smtClean="0"/>
+              <a:t>QRI: p</a:t>
+            </a:r>
+            <a:r>
+              <a:rPr lang="en-US" dirty="0" smtClean="0"/>
+              <a:t>etroleum </a:t>
+            </a:r>
+            <a:r>
+              <a:rPr lang="en-US" dirty="0" smtClean="0"/>
+              <a:t>reservoir management company</a:t>
+            </a:r>
+          </a:p>
+          <a:p>
+            <a:r>
+              <a:rPr lang="en-US" dirty="0" smtClean="0"/>
+              <a:t>Project g</a:t>
+            </a:r>
+            <a:r>
+              <a:rPr lang="en-US" dirty="0" smtClean="0"/>
+              <a:t>oal</a:t>
+            </a:r>
+            <a:r>
+              <a:rPr lang="en-US" dirty="0" smtClean="0"/>
+              <a:t>: </a:t>
+            </a:r>
+            <a:r>
+              <a:rPr lang="en-US" dirty="0" smtClean="0"/>
+              <a:t>identify </a:t>
+            </a:r>
+            <a:r>
+              <a:rPr lang="en-US" dirty="0" smtClean="0"/>
+              <a:t>features </a:t>
+            </a:r>
+            <a:r>
+              <a:rPr lang="en-US" dirty="0" smtClean="0"/>
+              <a:t>in production data and </a:t>
+            </a:r>
+            <a:r>
+              <a:rPr lang="en-US" dirty="0" smtClean="0"/>
+              <a:t>forecast oil production rate </a:t>
+            </a:r>
+            <a:r>
+              <a:rPr lang="en-US" dirty="0" smtClean="0"/>
+              <a:t>in petroleum </a:t>
+            </a:r>
+            <a:r>
+              <a:rPr lang="en-US" dirty="0" smtClean="0"/>
+              <a:t>wells</a:t>
+            </a:r>
+          </a:p>
+          <a:p>
+            <a:r>
+              <a:rPr lang="en-US" dirty="0" smtClean="0"/>
+              <a:t>Task 1: </a:t>
+            </a:r>
+            <a:r>
+              <a:rPr lang="en-US" dirty="0" smtClean="0"/>
+              <a:t>detect “events” </a:t>
+            </a:r>
+            <a:r>
+              <a:rPr lang="en-US" dirty="0"/>
+              <a:t>(repairs, </a:t>
+            </a:r>
+            <a:r>
+              <a:rPr lang="en-US" dirty="0" smtClean="0"/>
+              <a:t>upgrades, other modifications to a well) = </a:t>
+            </a:r>
+            <a:r>
+              <a:rPr lang="en-US" b="1" dirty="0" smtClean="0"/>
+              <a:t>data mining</a:t>
+            </a:r>
+          </a:p>
+          <a:p>
+            <a:r>
+              <a:rPr lang="en-US" dirty="0" smtClean="0"/>
+              <a:t>Task 2: forecast oil production rate with relative accuracy = </a:t>
+            </a:r>
+            <a:r>
+              <a:rPr lang="en-US" b="1" dirty="0" smtClean="0"/>
+              <a:t>machine learning</a:t>
+            </a:r>
+          </a:p>
+          <a:p>
+            <a:r>
+              <a:rPr lang="en-US" dirty="0" smtClean="0"/>
+              <a:t>Strategy: use </a:t>
+            </a:r>
+            <a:r>
+              <a:rPr lang="en-US" b="1" dirty="0" smtClean="0"/>
+              <a:t>deep learning</a:t>
+            </a:r>
+            <a:endParaRPr lang="en-US" b="1" dirty="0" smtClean="0"/>
+          </a:p>
+        </p:txBody>
+      </p:sp>
+      <p:pic>
+        <p:nvPicPr>
+          <p:cNvPr id="5" name="Picture 4"/>
+          <p:cNvPicPr>
+            <a:picLocks noChangeAspect="1"/>
+          </p:cNvPicPr>
+          <p:nvPr/>
+        </p:nvPicPr>
+        <p:blipFill>
+          <a:blip r:embed="rId2">
+            <a:extLst>
+              <a:ext uri="{28A0092B-C50C-407E-A947-70E740481C1C}">
+                <a14:useLocalDpi xmlns:a14="http://schemas.microsoft.com/office/drawing/2010/main" val="0"/>
+              </a:ext>
+            </a:extLst>
+          </a:blip>
+          <a:stretch>
+            <a:fillRect/>
+          </a:stretch>
+        </p:blipFill>
+        <p:spPr>
+          <a:xfrm>
+            <a:off x="9170820" y="5123282"/>
+            <a:ext cx="1963905" cy="1471033"/>
+          </a:xfrm>
+          <a:prstGeom prst="rect">
+            <a:avLst/>
+          </a:prstGeom>
+          <a:ln>
+            <a:noFill/>
+          </a:ln>
+          <a:effectLst>
+            <a:softEdge rad="112500"/>
+          </a:effectLst>
+        </p:spPr>
+      </p:pic>
+    </p:spTree>
+    <p:extLst>
+      <p:ext uri="{BB962C8B-B14F-4D97-AF65-F5344CB8AC3E}">
+        <p14:creationId xmlns:p14="http://schemas.microsoft.com/office/powerpoint/2010/main" val="3681801986"/>
+      </p:ext>
+    </p:extLst>
+  </p:cSld>
+  <p:clrMapOvr>
+    <a:masterClrMapping/>
+  </p:clrMapOvr>
+  <p:timing>
+    <p:tnLst>
+      <p:par>
+        <p:cTn id="1" dur="indefinite" restart="never" nodeType="tmRoot">
+          <p:childTnLst>
+            <p:seq concurrent="1" nextAc="seek">
+              <p:cTn id="2" dur="indefinite" nodeType="mainSeq">
+                <p:childTnLst>
+                  <p:par>
+                    <p:cTn id="3" fill="hold">
+                      <p:stCondLst>
+                        <p:cond delay="indefinite"/>
+                      </p:stCondLst>
+                      <p:childTnLst>
+                        <p:par>
+                          <p:cTn id="4" fill="hold">
+                            <p:stCondLst>
+                              <p:cond delay="0"/>
+                            </p:stCondLst>
+                            <p:childTnLst>
+                              <p:par>
+                                <p:cTn id="5" presetID="1" presetClass="entr" presetSubtype="0" fill="hold" grpId="0" nodeType="clickEffect">
+                                  <p:stCondLst>
+                                    <p:cond delay="0"/>
+                                  </p:stCondLst>
+                                  <p:childTnLst>
+                                    <p:set>
+                                      <p:cBhvr>
+                                        <p:cTn id="6" dur="1" fill="hold">
+                                          <p:stCondLst>
+                                            <p:cond delay="0"/>
+                                          </p:stCondLst>
+                                        </p:cTn>
+                                        <p:tgtEl>
+                                          <p:spTgt spid="3">
+                                            <p:txEl>
+                                              <p:pRg st="0" end="0"/>
+                                            </p:txEl>
+                                          </p:spTgt>
+                                        </p:tgtEl>
+                                        <p:attrNameLst>
+                                          <p:attrName>style.visibility</p:attrName>
+                                        </p:attrNameLst>
+                                      </p:cBhvr>
+                                      <p:to>
+                                        <p:strVal val="visible"/>
+                                      </p:to>
+                                    </p:set>
+                                  </p:childTnLst>
+                                </p:cTn>
+                              </p:par>
+                            </p:childTnLst>
+                          </p:cTn>
+                        </p:par>
+                      </p:childTnLst>
+                    </p:cTn>
+                  </p:par>
+                  <p:par>
+                    <p:cTn id="7" fill="hold">
+                      <p:stCondLst>
+                        <p:cond delay="indefinite"/>
+                      </p:stCondLst>
+                      <p:childTnLst>
+                        <p:par>
+                          <p:cTn id="8" fill="hold">
+                            <p:stCondLst>
+                              <p:cond delay="0"/>
+                            </p:stCondLst>
+                            <p:childTnLst>
+                              <p:par>
+                                <p:cTn id="9" presetID="1" presetClass="entr" presetSubtype="0" fill="hold" grpId="0" nodeType="clickEffect">
+                                  <p:stCondLst>
+                                    <p:cond delay="0"/>
+                                  </p:stCondLst>
+                                  <p:childTnLst>
+                                    <p:set>
+                                      <p:cBhvr>
+                                        <p:cTn id="10" dur="1" fill="hold">
+                                          <p:stCondLst>
+                                            <p:cond delay="0"/>
+                                          </p:stCondLst>
+                                        </p:cTn>
+                                        <p:tgtEl>
+                                          <p:spTgt spid="3">
+                                            <p:txEl>
+                                              <p:pRg st="1" end="1"/>
+                                            </p:txEl>
+                                          </p:spTgt>
+                                        </p:tgtEl>
+                                        <p:attrNameLst>
+                                          <p:attrName>style.visibility</p:attrName>
+                                        </p:attrNameLst>
+                                      </p:cBhvr>
+                                      <p:to>
+                                        <p:strVal val="visible"/>
+                                      </p:to>
+                                    </p:set>
+                                  </p:childTnLst>
+                                </p:cTn>
+                              </p:par>
+                            </p:childTnLst>
+                          </p:cTn>
+                        </p:par>
+                      </p:childTnLst>
+                    </p:cTn>
+                  </p:par>
+                  <p:par>
+                    <p:cTn id="11" fill="hold">
+                      <p:stCondLst>
+                        <p:cond delay="indefinite"/>
+                      </p:stCondLst>
+                      <p:childTnLst>
+                        <p:par>
+                          <p:cTn id="12" fill="hold">
+                            <p:stCondLst>
+                              <p:cond delay="0"/>
+                            </p:stCondLst>
+                            <p:childTnLst>
+                              <p:par>
+                                <p:cTn id="13" presetID="1" presetClass="entr" presetSubtype="0" fill="hold" grpId="0" nodeType="clickEffect">
+                                  <p:stCondLst>
+                                    <p:cond delay="0"/>
+                                  </p:stCondLst>
+                                  <p:childTnLst>
+                                    <p:set>
+                                      <p:cBhvr>
+                                        <p:cTn id="14" dur="1" fill="hold">
+                                          <p:stCondLst>
+                                            <p:cond delay="0"/>
+                                          </p:stCondLst>
+                                        </p:cTn>
+                                        <p:tgtEl>
+                                          <p:spTgt spid="3">
+                                            <p:txEl>
+                                              <p:pRg st="2" end="2"/>
+                                            </p:txEl>
+                                          </p:spTgt>
+                                        </p:tgtEl>
+                                        <p:attrNameLst>
+                                          <p:attrName>style.visibility</p:attrName>
+                                        </p:attrNameLst>
+                                      </p:cBhvr>
+                                      <p:to>
+                                        <p:strVal val="visible"/>
+                                      </p:to>
+                                    </p:set>
+                                  </p:childTnLst>
+                                </p:cTn>
+                              </p:par>
+                            </p:childTnLst>
+                          </p:cTn>
+                        </p:par>
+                      </p:childTnLst>
+                    </p:cTn>
+                  </p:par>
+                  <p:par>
+                    <p:cTn id="15" fill="hold">
+                      <p:stCondLst>
+                        <p:cond delay="indefinite"/>
+                      </p:stCondLst>
+                      <p:childTnLst>
+                        <p:par>
+                          <p:cTn id="16" fill="hold">
+                            <p:stCondLst>
+                              <p:cond delay="0"/>
+                            </p:stCondLst>
+                            <p:childTnLst>
+                              <p:par>
+                                <p:cTn id="17" presetID="1" presetClass="entr" presetSubtype="0" fill="hold" grpId="0" nodeType="clickEffect">
+                                  <p:stCondLst>
+                                    <p:cond delay="0"/>
+                                  </p:stCondLst>
+                                  <p:childTnLst>
+                                    <p:set>
+                                      <p:cBhvr>
+                                        <p:cTn id="18" dur="1" fill="hold">
+                                          <p:stCondLst>
+                                            <p:cond delay="0"/>
+                                          </p:stCondLst>
+                                        </p:cTn>
+                                        <p:tgtEl>
+                                          <p:spTgt spid="3">
+                                            <p:txEl>
+                                              <p:pRg st="3" end="3"/>
+                                            </p:txEl>
+                                          </p:spTgt>
+                                        </p:tgtEl>
+                                        <p:attrNameLst>
+                                          <p:attrName>style.visibility</p:attrName>
+                                        </p:attrNameLst>
+                                      </p:cBhvr>
+                                      <p:to>
+                                        <p:strVal val="visible"/>
+                                      </p:to>
+                                    </p:set>
+                                  </p:childTnLst>
+                                </p:cTn>
+                              </p:par>
+                            </p:childTnLst>
+                          </p:cTn>
+                        </p:par>
+                      </p:childTnLst>
+                    </p:cTn>
+                  </p:par>
+                  <p:par>
+                    <p:cTn id="19" fill="hold">
+                      <p:stCondLst>
+                        <p:cond delay="indefinite"/>
+                      </p:stCondLst>
+                      <p:childTnLst>
+                        <p:par>
+                          <p:cTn id="20" fill="hold">
+                            <p:stCondLst>
+                              <p:cond delay="0"/>
+                            </p:stCondLst>
+                            <p:childTnLst>
+                              <p:par>
+                                <p:cTn id="21" presetID="1" presetClass="entr" presetSubtype="0" fill="hold" grpId="0" nodeType="clickEffect">
+                                  <p:stCondLst>
+                                    <p:cond delay="0"/>
+                                  </p:stCondLst>
+                                  <p:childTnLst>
+                                    <p:set>
+                                      <p:cBhvr>
+                                        <p:cTn id="22" dur="1" fill="hold">
+                                          <p:stCondLst>
+                                            <p:cond delay="0"/>
+                                          </p:stCondLst>
+                                        </p:cTn>
+                                        <p:tgtEl>
+                                          <p:spTgt spid="3">
+                                            <p:txEl>
+                                              <p:pRg st="4" end="4"/>
+                                            </p:txEl>
+                                          </p:spTgt>
+                                        </p:tgtEl>
+                                        <p:attrNameLst>
+                                          <p:attrName>style.visibility</p:attrName>
+                                        </p:attrNameLst>
+                                      </p:cBhvr>
+                                      <p:to>
+                                        <p:strVal val="visible"/>
+                                      </p:to>
+                                    </p:set>
+                                  </p:childTnLst>
+                                </p:cTn>
+                              </p:par>
+                            </p:childTnLst>
+                          </p:cTn>
+                        </p:par>
+                      </p:childTnLst>
+                    </p:cTn>
+                  </p:par>
+                  <p:par>
+                    <p:cTn id="23" fill="hold">
+                      <p:stCondLst>
+                        <p:cond delay="indefinite"/>
+                      </p:stCondLst>
+                      <p:childTnLst>
+                        <p:par>
+                          <p:cTn id="24" fill="hold">
+                            <p:stCondLst>
+                              <p:cond delay="0"/>
+                            </p:stCondLst>
+                            <p:childTnLst>
+                              <p:par>
+                                <p:cTn id="25" presetID="1" presetClass="entr" presetSubtype="0" fill="hold" grpId="0" nodeType="clickEffect">
+                                  <p:stCondLst>
+                                    <p:cond delay="0"/>
+                                  </p:stCondLst>
+                                  <p:childTnLst>
+                                    <p:set>
+                                      <p:cBhvr>
+                                        <p:cTn id="26" dur="1" fill="hold">
+                                          <p:stCondLst>
+                                            <p:cond delay="0"/>
+                                          </p:stCondLst>
+                                        </p:cTn>
+                                        <p:tgtEl>
+                                          <p:spTgt spid="3">
+                                            <p:txEl>
+                                              <p:pRg st="5" end="5"/>
+                                            </p:txEl>
+                                          </p:spTgt>
+                                        </p:tgtEl>
+                                        <p:attrNameLst>
+                                          <p:attrName>style.visibility</p:attrName>
+                                        </p:attrNameLst>
+                                      </p:cBhvr>
+                                      <p:to>
+                                        <p:strVal val="visible"/>
+                                      </p:to>
+                                    </p:set>
+                                  </p:childTnLst>
+                                </p:cTn>
+                              </p:par>
+                            </p:childTnLst>
+                          </p:cTn>
+                        </p:par>
+                      </p:childTnLst>
+                    </p:cTn>
+                  </p:par>
+                </p:childTnLst>
+              </p:cTn>
+              <p:prevCondLst>
+                <p:cond evt="onPrev" delay="0">
+                  <p:tgtEl>
+                    <p:sldTgt/>
+                  </p:tgtEl>
+                </p:cond>
+              </p:prevCondLst>
+              <p:nextCondLst>
+                <p:cond evt="onNext" delay="0">
+                  <p:tgtEl>
+                    <p:sldTgt/>
+                  </p:tgtEl>
+                </p:cond>
+              </p:nextCondLst>
+            </p:seq>
+          </p:childTnLst>
+        </p:cTn>
+      </p:par>
+    </p:tnLst>
+    <p:bldLst>
+      <p:bldP spid="3" grpId="0" build="p"/>
+    </p:bldLst>
+  </p:timing>
+</p:sld>
+</file>
+
+<file path=ppt/slides/slide3.xml><?xml version="1.0" encoding="utf-8"?>
 <p:sld xmlns:a="http://schemas.openxmlformats.org/drawingml/2006/main" xmlns:r="http://schemas.openxmlformats.org/officeDocument/2006/relationships" xmlns:p="http://schemas.openxmlformats.org/presentationml/2006/main">
   <p:cSld>
     <p:spTree>
@@ -5425,8 +10479,8 @@
         </p:nvSpPr>
         <p:spPr>
           <a:xfrm>
-            <a:off x="5270997" y="6041813"/>
-            <a:ext cx="1650003" cy="369332"/>
+            <a:off x="4384440" y="6226479"/>
+            <a:ext cx="3423117" cy="369332"/>
           </a:xfrm>
           <a:prstGeom prst="rect">
             <a:avLst/>
@@ -5441,7 +10495,11 @@
           <a:p>
             <a:r>
               <a:rPr lang="en-US" dirty="0" smtClean="0"/>
-              <a:t>Event detection</a:t>
+              <a:t>Event </a:t>
+            </a:r>
+            <a:r>
+              <a:rPr lang="en-US" dirty="0" smtClean="0"/>
+              <a:t>detection (anonymized data)</a:t>
             </a:r>
             <a:endParaRPr lang="en-US" dirty="0"/>
           </a:p>
@@ -5583,7 +10641,7 @@
 </p:sld>
 </file>
 
-<file path=ppt/slides/slide6.xml><?xml version="1.0" encoding="utf-8"?>
+<file path=ppt/slides/slide4.xml><?xml version="1.0" encoding="utf-8"?>
 <p:sld xmlns:a="http://schemas.openxmlformats.org/drawingml/2006/main" xmlns:r="http://schemas.openxmlformats.org/officeDocument/2006/relationships" xmlns:p="http://schemas.openxmlformats.org/presentationml/2006/main">
   <p:cSld>
     <p:spTree>
@@ -5937,8 +10995,8 @@
         </p:nvSpPr>
         <p:spPr>
           <a:xfrm>
-            <a:off x="3055893" y="6115675"/>
-            <a:ext cx="6077882" cy="369332"/>
+            <a:off x="3275280" y="6229638"/>
+            <a:ext cx="5639108" cy="369332"/>
           </a:xfrm>
           <a:prstGeom prst="rect">
             <a:avLst/>
@@ -5953,7 +11011,11 @@
           <a:p>
             <a:r>
               <a:rPr lang="en-US" dirty="0" smtClean="0"/>
-              <a:t>Linear regressions for events, exponential regressions for trend</a:t>
+              <a:t>Linear regressions for events, exponential </a:t>
+            </a:r>
+            <a:r>
+              <a:rPr lang="en-US" dirty="0" smtClean="0"/>
+              <a:t>decay otherwise</a:t>
             </a:r>
             <a:endParaRPr lang="en-US" dirty="0"/>
           </a:p>
@@ -6050,6 +11112,726 @@
 </p:sld>
 </file>
 
+<file path=ppt/slides/slide5.xml><?xml version="1.0" encoding="utf-8"?>
+<p:sld xmlns:a="http://schemas.openxmlformats.org/drawingml/2006/main" xmlns:r="http://schemas.openxmlformats.org/officeDocument/2006/relationships" xmlns:p="http://schemas.openxmlformats.org/presentationml/2006/main">
+  <p:cSld>
+    <p:spTree>
+      <p:nvGrpSpPr>
+        <p:cNvPr id="1" name=""/>
+        <p:cNvGrpSpPr/>
+        <p:nvPr/>
+      </p:nvGrpSpPr>
+      <p:grpSpPr>
+        <a:xfrm>
+          <a:off x="0" y="0"/>
+          <a:ext cx="0" cy="0"/>
+          <a:chOff x="0" y="0"/>
+          <a:chExt cx="0" cy="0"/>
+        </a:xfrm>
+      </p:grpSpPr>
+      <p:sp>
+        <p:nvSpPr>
+          <p:cNvPr id="2" name="Title 1"/>
+          <p:cNvSpPr>
+            <a:spLocks noGrp="1"/>
+          </p:cNvSpPr>
+          <p:nvPr>
+            <p:ph type="title"/>
+          </p:nvPr>
+        </p:nvSpPr>
+        <p:spPr/>
+        <p:txBody>
+          <a:bodyPr/>
+          <a:lstStyle/>
+          <a:p>
+            <a:r>
+              <a:rPr lang="en-US" dirty="0" smtClean="0"/>
+              <a:t>Problems with Hard-coded Modelling</a:t>
+            </a:r>
+            <a:endParaRPr lang="en-US" dirty="0"/>
+          </a:p>
+        </p:txBody>
+      </p:sp>
+      <p:sp>
+        <p:nvSpPr>
+          <p:cNvPr id="3" name="Content Placeholder 2"/>
+          <p:cNvSpPr>
+            <a:spLocks noGrp="1"/>
+          </p:cNvSpPr>
+          <p:nvPr>
+            <p:ph idx="1"/>
+          </p:nvPr>
+        </p:nvSpPr>
+        <p:spPr/>
+        <p:txBody>
+          <a:bodyPr/>
+          <a:lstStyle/>
+          <a:p>
+            <a:r>
+              <a:rPr lang="en-US" dirty="0" smtClean="0"/>
+              <a:t>Must be manually developed</a:t>
+            </a:r>
+          </a:p>
+          <a:p>
+            <a:r>
+              <a:rPr lang="en-US" dirty="0" smtClean="0"/>
+              <a:t>Human bias/error involved</a:t>
+            </a:r>
+          </a:p>
+          <a:p>
+            <a:r>
+              <a:rPr lang="en-US" dirty="0" smtClean="0"/>
+              <a:t>Not easily adaptable</a:t>
+            </a:r>
+          </a:p>
+          <a:p>
+            <a:r>
+              <a:rPr lang="en-US" dirty="0" smtClean="0"/>
+              <a:t>Generally less scalable for larger data sets</a:t>
+            </a:r>
+          </a:p>
+          <a:p>
+            <a:endParaRPr lang="en-US" dirty="0"/>
+          </a:p>
+          <a:p>
+            <a:pPr marL="0" indent="0">
+              <a:buNone/>
+            </a:pPr>
+            <a:r>
+              <a:rPr lang="en-US" b="1" dirty="0" smtClean="0"/>
+              <a:t>Use machine learning instead!</a:t>
+            </a:r>
+          </a:p>
+        </p:txBody>
+      </p:sp>
+      <p:pic>
+        <p:nvPicPr>
+          <p:cNvPr id="4" name="Picture 3"/>
+          <p:cNvPicPr>
+            <a:picLocks noChangeAspect="1"/>
+          </p:cNvPicPr>
+          <p:nvPr/>
+        </p:nvPicPr>
+        <p:blipFill>
+          <a:blip r:embed="rId2">
+            <a:extLst>
+              <a:ext uri="{28A0092B-C50C-407E-A947-70E740481C1C}">
+                <a14:useLocalDpi xmlns:a14="http://schemas.microsoft.com/office/drawing/2010/main" val="0"/>
+              </a:ext>
+            </a:extLst>
+          </a:blip>
+          <a:stretch>
+            <a:fillRect/>
+          </a:stretch>
+        </p:blipFill>
+        <p:spPr>
+          <a:xfrm>
+            <a:off x="7714679" y="2393102"/>
+            <a:ext cx="3253089" cy="3253089"/>
+          </a:xfrm>
+          <a:prstGeom prst="rect">
+            <a:avLst/>
+          </a:prstGeom>
+        </p:spPr>
+      </p:pic>
+    </p:spTree>
+    <p:extLst>
+      <p:ext uri="{BB962C8B-B14F-4D97-AF65-F5344CB8AC3E}">
+        <p14:creationId xmlns:p14="http://schemas.microsoft.com/office/powerpoint/2010/main" val="2185814383"/>
+      </p:ext>
+    </p:extLst>
+  </p:cSld>
+  <p:clrMapOvr>
+    <a:masterClrMapping/>
+  </p:clrMapOvr>
+  <p:timing>
+    <p:tnLst>
+      <p:par>
+        <p:cTn id="1" dur="indefinite" restart="never" nodeType="tmRoot">
+          <p:childTnLst>
+            <p:seq concurrent="1" nextAc="seek">
+              <p:cTn id="2" dur="indefinite" nodeType="mainSeq">
+                <p:childTnLst>
+                  <p:par>
+                    <p:cTn id="3" fill="hold">
+                      <p:stCondLst>
+                        <p:cond delay="indefinite"/>
+                      </p:stCondLst>
+                      <p:childTnLst>
+                        <p:par>
+                          <p:cTn id="4" fill="hold">
+                            <p:stCondLst>
+                              <p:cond delay="0"/>
+                            </p:stCondLst>
+                            <p:childTnLst>
+                              <p:par>
+                                <p:cTn id="5" presetID="1" presetClass="entr" presetSubtype="0" fill="hold" grpId="0" nodeType="clickEffect">
+                                  <p:stCondLst>
+                                    <p:cond delay="0"/>
+                                  </p:stCondLst>
+                                  <p:childTnLst>
+                                    <p:set>
+                                      <p:cBhvr>
+                                        <p:cTn id="6" dur="1" fill="hold">
+                                          <p:stCondLst>
+                                            <p:cond delay="0"/>
+                                          </p:stCondLst>
+                                        </p:cTn>
+                                        <p:tgtEl>
+                                          <p:spTgt spid="3">
+                                            <p:txEl>
+                                              <p:pRg st="0" end="0"/>
+                                            </p:txEl>
+                                          </p:spTgt>
+                                        </p:tgtEl>
+                                        <p:attrNameLst>
+                                          <p:attrName>style.visibility</p:attrName>
+                                        </p:attrNameLst>
+                                      </p:cBhvr>
+                                      <p:to>
+                                        <p:strVal val="visible"/>
+                                      </p:to>
+                                    </p:set>
+                                  </p:childTnLst>
+                                </p:cTn>
+                              </p:par>
+                            </p:childTnLst>
+                          </p:cTn>
+                        </p:par>
+                      </p:childTnLst>
+                    </p:cTn>
+                  </p:par>
+                  <p:par>
+                    <p:cTn id="7" fill="hold">
+                      <p:stCondLst>
+                        <p:cond delay="indefinite"/>
+                      </p:stCondLst>
+                      <p:childTnLst>
+                        <p:par>
+                          <p:cTn id="8" fill="hold">
+                            <p:stCondLst>
+                              <p:cond delay="0"/>
+                            </p:stCondLst>
+                            <p:childTnLst>
+                              <p:par>
+                                <p:cTn id="9" presetID="1" presetClass="entr" presetSubtype="0" fill="hold" grpId="0" nodeType="clickEffect">
+                                  <p:stCondLst>
+                                    <p:cond delay="0"/>
+                                  </p:stCondLst>
+                                  <p:childTnLst>
+                                    <p:set>
+                                      <p:cBhvr>
+                                        <p:cTn id="10" dur="1" fill="hold">
+                                          <p:stCondLst>
+                                            <p:cond delay="0"/>
+                                          </p:stCondLst>
+                                        </p:cTn>
+                                        <p:tgtEl>
+                                          <p:spTgt spid="3">
+                                            <p:txEl>
+                                              <p:pRg st="1" end="1"/>
+                                            </p:txEl>
+                                          </p:spTgt>
+                                        </p:tgtEl>
+                                        <p:attrNameLst>
+                                          <p:attrName>style.visibility</p:attrName>
+                                        </p:attrNameLst>
+                                      </p:cBhvr>
+                                      <p:to>
+                                        <p:strVal val="visible"/>
+                                      </p:to>
+                                    </p:set>
+                                  </p:childTnLst>
+                                </p:cTn>
+                              </p:par>
+                            </p:childTnLst>
+                          </p:cTn>
+                        </p:par>
+                      </p:childTnLst>
+                    </p:cTn>
+                  </p:par>
+                  <p:par>
+                    <p:cTn id="11" fill="hold">
+                      <p:stCondLst>
+                        <p:cond delay="indefinite"/>
+                      </p:stCondLst>
+                      <p:childTnLst>
+                        <p:par>
+                          <p:cTn id="12" fill="hold">
+                            <p:stCondLst>
+                              <p:cond delay="0"/>
+                            </p:stCondLst>
+                            <p:childTnLst>
+                              <p:par>
+                                <p:cTn id="13" presetID="1" presetClass="entr" presetSubtype="0" fill="hold" grpId="0" nodeType="clickEffect">
+                                  <p:stCondLst>
+                                    <p:cond delay="0"/>
+                                  </p:stCondLst>
+                                  <p:childTnLst>
+                                    <p:set>
+                                      <p:cBhvr>
+                                        <p:cTn id="14" dur="1" fill="hold">
+                                          <p:stCondLst>
+                                            <p:cond delay="0"/>
+                                          </p:stCondLst>
+                                        </p:cTn>
+                                        <p:tgtEl>
+                                          <p:spTgt spid="3">
+                                            <p:txEl>
+                                              <p:pRg st="2" end="2"/>
+                                            </p:txEl>
+                                          </p:spTgt>
+                                        </p:tgtEl>
+                                        <p:attrNameLst>
+                                          <p:attrName>style.visibility</p:attrName>
+                                        </p:attrNameLst>
+                                      </p:cBhvr>
+                                      <p:to>
+                                        <p:strVal val="visible"/>
+                                      </p:to>
+                                    </p:set>
+                                  </p:childTnLst>
+                                </p:cTn>
+                              </p:par>
+                            </p:childTnLst>
+                          </p:cTn>
+                        </p:par>
+                      </p:childTnLst>
+                    </p:cTn>
+                  </p:par>
+                  <p:par>
+                    <p:cTn id="15" fill="hold">
+                      <p:stCondLst>
+                        <p:cond delay="indefinite"/>
+                      </p:stCondLst>
+                      <p:childTnLst>
+                        <p:par>
+                          <p:cTn id="16" fill="hold">
+                            <p:stCondLst>
+                              <p:cond delay="0"/>
+                            </p:stCondLst>
+                            <p:childTnLst>
+                              <p:par>
+                                <p:cTn id="17" presetID="1" presetClass="entr" presetSubtype="0" fill="hold" grpId="0" nodeType="clickEffect">
+                                  <p:stCondLst>
+                                    <p:cond delay="0"/>
+                                  </p:stCondLst>
+                                  <p:childTnLst>
+                                    <p:set>
+                                      <p:cBhvr>
+                                        <p:cTn id="18" dur="1" fill="hold">
+                                          <p:stCondLst>
+                                            <p:cond delay="0"/>
+                                          </p:stCondLst>
+                                        </p:cTn>
+                                        <p:tgtEl>
+                                          <p:spTgt spid="3">
+                                            <p:txEl>
+                                              <p:pRg st="3" end="3"/>
+                                            </p:txEl>
+                                          </p:spTgt>
+                                        </p:tgtEl>
+                                        <p:attrNameLst>
+                                          <p:attrName>style.visibility</p:attrName>
+                                        </p:attrNameLst>
+                                      </p:cBhvr>
+                                      <p:to>
+                                        <p:strVal val="visible"/>
+                                      </p:to>
+                                    </p:set>
+                                  </p:childTnLst>
+                                </p:cTn>
+                              </p:par>
+                            </p:childTnLst>
+                          </p:cTn>
+                        </p:par>
+                      </p:childTnLst>
+                    </p:cTn>
+                  </p:par>
+                  <p:par>
+                    <p:cTn id="19" fill="hold">
+                      <p:stCondLst>
+                        <p:cond delay="indefinite"/>
+                      </p:stCondLst>
+                      <p:childTnLst>
+                        <p:par>
+                          <p:cTn id="20" fill="hold">
+                            <p:stCondLst>
+                              <p:cond delay="0"/>
+                            </p:stCondLst>
+                            <p:childTnLst>
+                              <p:par>
+                                <p:cTn id="21" presetID="1" presetClass="entr" presetSubtype="0" fill="hold" grpId="0" nodeType="clickEffect">
+                                  <p:stCondLst>
+                                    <p:cond delay="0"/>
+                                  </p:stCondLst>
+                                  <p:childTnLst>
+                                    <p:set>
+                                      <p:cBhvr>
+                                        <p:cTn id="22" dur="1" fill="hold">
+                                          <p:stCondLst>
+                                            <p:cond delay="0"/>
+                                          </p:stCondLst>
+                                        </p:cTn>
+                                        <p:tgtEl>
+                                          <p:spTgt spid="3">
+                                            <p:txEl>
+                                              <p:pRg st="5" end="5"/>
+                                            </p:txEl>
+                                          </p:spTgt>
+                                        </p:tgtEl>
+                                        <p:attrNameLst>
+                                          <p:attrName>style.visibility</p:attrName>
+                                        </p:attrNameLst>
+                                      </p:cBhvr>
+                                      <p:to>
+                                        <p:strVal val="visible"/>
+                                      </p:to>
+                                    </p:set>
+                                  </p:childTnLst>
+                                </p:cTn>
+                              </p:par>
+                            </p:childTnLst>
+                          </p:cTn>
+                        </p:par>
+                      </p:childTnLst>
+                    </p:cTn>
+                  </p:par>
+                </p:childTnLst>
+              </p:cTn>
+              <p:prevCondLst>
+                <p:cond evt="onPrev" delay="0">
+                  <p:tgtEl>
+                    <p:sldTgt/>
+                  </p:tgtEl>
+                </p:cond>
+              </p:prevCondLst>
+              <p:nextCondLst>
+                <p:cond evt="onNext" delay="0">
+                  <p:tgtEl>
+                    <p:sldTgt/>
+                  </p:tgtEl>
+                </p:cond>
+              </p:nextCondLst>
+            </p:seq>
+          </p:childTnLst>
+        </p:cTn>
+      </p:par>
+    </p:tnLst>
+    <p:bldLst>
+      <p:bldP spid="3" grpId="0" build="p"/>
+    </p:bldLst>
+  </p:timing>
+</p:sld>
+</file>
+
+<file path=ppt/slides/slide6.xml><?xml version="1.0" encoding="utf-8"?>
+<p:sld xmlns:a="http://schemas.openxmlformats.org/drawingml/2006/main" xmlns:r="http://schemas.openxmlformats.org/officeDocument/2006/relationships" xmlns:p="http://schemas.openxmlformats.org/presentationml/2006/main">
+  <p:cSld>
+    <p:spTree>
+      <p:nvGrpSpPr>
+        <p:cNvPr id="1" name=""/>
+        <p:cNvGrpSpPr/>
+        <p:nvPr/>
+      </p:nvGrpSpPr>
+      <p:grpSpPr>
+        <a:xfrm>
+          <a:off x="0" y="0"/>
+          <a:ext cx="0" cy="0"/>
+          <a:chOff x="0" y="0"/>
+          <a:chExt cx="0" cy="0"/>
+        </a:xfrm>
+      </p:grpSpPr>
+      <p:sp>
+        <p:nvSpPr>
+          <p:cNvPr id="2" name="Title 1"/>
+          <p:cNvSpPr>
+            <a:spLocks noGrp="1"/>
+          </p:cNvSpPr>
+          <p:nvPr>
+            <p:ph type="title"/>
+          </p:nvPr>
+        </p:nvSpPr>
+        <p:spPr/>
+        <p:txBody>
+          <a:bodyPr/>
+          <a:lstStyle/>
+          <a:p>
+            <a:r>
+              <a:rPr lang="en-US" dirty="0" smtClean="0"/>
+              <a:t>deep </a:t>
+            </a:r>
+            <a:r>
+              <a:rPr lang="en-US" dirty="0" smtClean="0"/>
+              <a:t>learning?</a:t>
+            </a:r>
+            <a:endParaRPr lang="en-US" dirty="0"/>
+          </a:p>
+        </p:txBody>
+      </p:sp>
+      <p:sp>
+        <p:nvSpPr>
+          <p:cNvPr id="5" name="Content Placeholder 4"/>
+          <p:cNvSpPr>
+            <a:spLocks noGrp="1"/>
+          </p:cNvSpPr>
+          <p:nvPr>
+            <p:ph idx="1"/>
+          </p:nvPr>
+        </p:nvSpPr>
+        <p:spPr/>
+        <p:txBody>
+          <a:bodyPr/>
+          <a:lstStyle/>
+          <a:p>
+            <a:r>
+              <a:rPr lang="en-US" dirty="0" smtClean="0"/>
+              <a:t>What is it?</a:t>
+            </a:r>
+            <a:endParaRPr lang="en-US" dirty="0"/>
+          </a:p>
+          <a:p>
+            <a:r>
+              <a:rPr lang="en-US" dirty="0" smtClean="0"/>
+              <a:t>How does it work?</a:t>
+            </a:r>
+            <a:endParaRPr lang="en-US" dirty="0"/>
+          </a:p>
+          <a:p>
+            <a:r>
+              <a:rPr lang="en-US" dirty="0"/>
+              <a:t>Why would we want to use </a:t>
+            </a:r>
+            <a:r>
+              <a:rPr lang="en-US" dirty="0" smtClean="0"/>
+              <a:t>it?</a:t>
+            </a:r>
+          </a:p>
+        </p:txBody>
+      </p:sp>
+      <p:pic>
+        <p:nvPicPr>
+          <p:cNvPr id="8" name="Picture 7"/>
+          <p:cNvPicPr>
+            <a:picLocks noChangeAspect="1"/>
+          </p:cNvPicPr>
+          <p:nvPr/>
+        </p:nvPicPr>
+        <p:blipFill>
+          <a:blip r:embed="rId2">
+            <a:extLst>
+              <a:ext uri="{28A0092B-C50C-407E-A947-70E740481C1C}">
+                <a14:useLocalDpi xmlns:a14="http://schemas.microsoft.com/office/drawing/2010/main" val="0"/>
+              </a:ext>
+            </a:extLst>
+          </a:blip>
+          <a:stretch>
+            <a:fillRect/>
+          </a:stretch>
+        </p:blipFill>
+        <p:spPr>
+          <a:xfrm>
+            <a:off x="7305547" y="2644469"/>
+            <a:ext cx="3726519" cy="2750356"/>
+          </a:xfrm>
+          <a:prstGeom prst="rect">
+            <a:avLst/>
+          </a:prstGeom>
+        </p:spPr>
+      </p:pic>
+    </p:spTree>
+    <p:extLst>
+      <p:ext uri="{BB962C8B-B14F-4D97-AF65-F5344CB8AC3E}">
+        <p14:creationId xmlns:p14="http://schemas.microsoft.com/office/powerpoint/2010/main" val="1855385488"/>
+      </p:ext>
+    </p:extLst>
+  </p:cSld>
+  <p:clrMapOvr>
+    <a:masterClrMapping/>
+  </p:clrMapOvr>
+  <p:timing>
+    <p:tnLst>
+      <p:par>
+        <p:cTn id="1" dur="indefinite" restart="never" nodeType="tmRoot">
+          <p:childTnLst>
+            <p:seq concurrent="1" nextAc="seek">
+              <p:cTn id="2" dur="indefinite" nodeType="mainSeq">
+                <p:childTnLst>
+                  <p:par>
+                    <p:cTn id="3" fill="hold">
+                      <p:stCondLst>
+                        <p:cond delay="indefinite"/>
+                      </p:stCondLst>
+                      <p:childTnLst>
+                        <p:par>
+                          <p:cTn id="4" fill="hold">
+                            <p:stCondLst>
+                              <p:cond delay="0"/>
+                            </p:stCondLst>
+                            <p:childTnLst>
+                              <p:par>
+                                <p:cTn id="5" presetID="1" presetClass="entr" presetSubtype="0" fill="hold" grpId="0" nodeType="clickEffect">
+                                  <p:stCondLst>
+                                    <p:cond delay="0"/>
+                                  </p:stCondLst>
+                                  <p:childTnLst>
+                                    <p:set>
+                                      <p:cBhvr>
+                                        <p:cTn id="6" dur="1" fill="hold">
+                                          <p:stCondLst>
+                                            <p:cond delay="0"/>
+                                          </p:stCondLst>
+                                        </p:cTn>
+                                        <p:tgtEl>
+                                          <p:spTgt spid="5">
+                                            <p:txEl>
+                                              <p:pRg st="0" end="0"/>
+                                            </p:txEl>
+                                          </p:spTgt>
+                                        </p:tgtEl>
+                                        <p:attrNameLst>
+                                          <p:attrName>style.visibility</p:attrName>
+                                        </p:attrNameLst>
+                                      </p:cBhvr>
+                                      <p:to>
+                                        <p:strVal val="visible"/>
+                                      </p:to>
+                                    </p:set>
+                                  </p:childTnLst>
+                                </p:cTn>
+                              </p:par>
+                            </p:childTnLst>
+                          </p:cTn>
+                        </p:par>
+                      </p:childTnLst>
+                    </p:cTn>
+                  </p:par>
+                  <p:par>
+                    <p:cTn id="7" fill="hold">
+                      <p:stCondLst>
+                        <p:cond delay="indefinite"/>
+                      </p:stCondLst>
+                      <p:childTnLst>
+                        <p:par>
+                          <p:cTn id="8" fill="hold">
+                            <p:stCondLst>
+                              <p:cond delay="0"/>
+                            </p:stCondLst>
+                            <p:childTnLst>
+                              <p:par>
+                                <p:cTn id="9" presetID="1" presetClass="entr" presetSubtype="0" fill="hold" grpId="0" nodeType="clickEffect">
+                                  <p:stCondLst>
+                                    <p:cond delay="0"/>
+                                  </p:stCondLst>
+                                  <p:childTnLst>
+                                    <p:set>
+                                      <p:cBhvr>
+                                        <p:cTn id="10" dur="1" fill="hold">
+                                          <p:stCondLst>
+                                            <p:cond delay="0"/>
+                                          </p:stCondLst>
+                                        </p:cTn>
+                                        <p:tgtEl>
+                                          <p:spTgt spid="5">
+                                            <p:txEl>
+                                              <p:pRg st="1" end="1"/>
+                                            </p:txEl>
+                                          </p:spTgt>
+                                        </p:tgtEl>
+                                        <p:attrNameLst>
+                                          <p:attrName>style.visibility</p:attrName>
+                                        </p:attrNameLst>
+                                      </p:cBhvr>
+                                      <p:to>
+                                        <p:strVal val="visible"/>
+                                      </p:to>
+                                    </p:set>
+                                  </p:childTnLst>
+                                </p:cTn>
+                              </p:par>
+                            </p:childTnLst>
+                          </p:cTn>
+                        </p:par>
+                      </p:childTnLst>
+                    </p:cTn>
+                  </p:par>
+                  <p:par>
+                    <p:cTn id="11" fill="hold">
+                      <p:stCondLst>
+                        <p:cond delay="indefinite"/>
+                      </p:stCondLst>
+                      <p:childTnLst>
+                        <p:par>
+                          <p:cTn id="12" fill="hold">
+                            <p:stCondLst>
+                              <p:cond delay="0"/>
+                            </p:stCondLst>
+                            <p:childTnLst>
+                              <p:par>
+                                <p:cTn id="13" presetID="1" presetClass="entr" presetSubtype="0" fill="hold" grpId="0" nodeType="clickEffect">
+                                  <p:stCondLst>
+                                    <p:cond delay="0"/>
+                                  </p:stCondLst>
+                                  <p:childTnLst>
+                                    <p:set>
+                                      <p:cBhvr>
+                                        <p:cTn id="14" dur="1" fill="hold">
+                                          <p:stCondLst>
+                                            <p:cond delay="0"/>
+                                          </p:stCondLst>
+                                        </p:cTn>
+                                        <p:tgtEl>
+                                          <p:spTgt spid="5">
+                                            <p:txEl>
+                                              <p:pRg st="2" end="2"/>
+                                            </p:txEl>
+                                          </p:spTgt>
+                                        </p:tgtEl>
+                                        <p:attrNameLst>
+                                          <p:attrName>style.visibility</p:attrName>
+                                        </p:attrNameLst>
+                                      </p:cBhvr>
+                                      <p:to>
+                                        <p:strVal val="visible"/>
+                                      </p:to>
+                                    </p:set>
+                                  </p:childTnLst>
+                                </p:cTn>
+                              </p:par>
+                            </p:childTnLst>
+                          </p:cTn>
+                        </p:par>
+                      </p:childTnLst>
+                    </p:cTn>
+                  </p:par>
+                </p:childTnLst>
+              </p:cTn>
+              <p:prevCondLst>
+                <p:cond evt="onPrev" delay="0">
+                  <p:tgtEl>
+                    <p:sldTgt/>
+                  </p:tgtEl>
+                </p:cond>
+              </p:prevCondLst>
+              <p:nextCondLst>
+                <p:cond evt="onNext" delay="0">
+                  <p:tgtEl>
+                    <p:sldTgt/>
+                  </p:tgtEl>
+                </p:cond>
+              </p:nextCondLst>
+            </p:seq>
+          </p:childTnLst>
+        </p:cTn>
+      </p:par>
+    </p:tnLst>
+    <p:bldLst>
+      <p:bldP spid="5" grpId="0" build="p"/>
+    </p:bldLst>
+  </p:timing>
+</p:sld>
+</file>
+
 <file path=ppt/slides/slide7.xml><?xml version="1.0" encoding="utf-8"?>
 <p:sld xmlns:a="http://schemas.openxmlformats.org/drawingml/2006/main" xmlns:r="http://schemas.openxmlformats.org/officeDocument/2006/relationships" xmlns:p="http://schemas.openxmlformats.org/presentationml/2006/main">
   <p:cSld>
@@ -6082,13 +11864,17 @@
           <a:bodyPr/>
           <a:lstStyle/>
           <a:p>
+            <a:r>
+              <a:rPr lang="en-US" dirty="0" smtClean="0"/>
+              <a:t>What is deep learning?</a:t>
+            </a:r>
             <a:endParaRPr lang="en-US" dirty="0"/>
           </a:p>
         </p:txBody>
       </p:sp>
       <p:sp>
         <p:nvSpPr>
-          <p:cNvPr id="3" name="Content Placeholder 2"/>
+          <p:cNvPr id="7" name="Content Placeholder 6"/>
           <p:cNvSpPr>
             <a:spLocks noGrp="1"/>
           </p:cNvSpPr>
@@ -6098,17 +11884,140 @@
         </p:nvSpPr>
         <p:spPr/>
         <p:txBody>
-          <a:bodyPr/>
+          <a:bodyPr>
+            <a:normAutofit/>
+          </a:bodyPr>
           <a:lstStyle/>
           <a:p>
-            <a:endParaRPr lang="en-US"/>
+            <a:pPr marL="0" indent="0">
+              <a:buNone/>
+            </a:pPr>
+            <a:r>
+              <a:rPr lang="en-US" dirty="0" smtClean="0"/>
+              <a:t>Deep learning:</a:t>
+            </a:r>
+          </a:p>
+          <a:p>
+            <a:r>
+              <a:rPr lang="en-US" dirty="0" smtClean="0"/>
+              <a:t>Is a sophisticated form of machine learning</a:t>
+            </a:r>
+          </a:p>
+          <a:p>
+            <a:endParaRPr lang="en-US" dirty="0" smtClean="0"/>
+          </a:p>
+          <a:p>
+            <a:pPr marL="0" indent="0">
+              <a:buNone/>
+            </a:pPr>
+            <a:r>
+              <a:rPr lang="en-US" dirty="0" smtClean="0"/>
+              <a:t>Applications include:</a:t>
+            </a:r>
+          </a:p>
+          <a:p>
+            <a:r>
+              <a:rPr lang="en-US" dirty="0" smtClean="0"/>
+              <a:t>Speech recognition</a:t>
+            </a:r>
+            <a:endParaRPr lang="en-US" dirty="0"/>
+          </a:p>
+          <a:p>
+            <a:r>
+              <a:rPr lang="en-US" dirty="0"/>
+              <a:t>Natural language processing</a:t>
+            </a:r>
+          </a:p>
+          <a:p>
+            <a:r>
+              <a:rPr lang="en-US" dirty="0" smtClean="0"/>
+              <a:t>Stock market forecasting</a:t>
+            </a:r>
+          </a:p>
+          <a:p>
+            <a:r>
+              <a:rPr lang="en-US" dirty="0" smtClean="0"/>
+              <a:t>Image recognition</a:t>
+            </a:r>
+            <a:endParaRPr lang="en-US" b="1" dirty="0"/>
+          </a:p>
+        </p:txBody>
+      </p:sp>
+      <p:pic>
+        <p:nvPicPr>
+          <p:cNvPr id="1026" name="Picture 2" descr="http://scyfer.nl/wp-content/uploads/2014/05/Deep_Neural_Network.png"/>
+          <p:cNvPicPr>
+            <a:picLocks noChangeAspect="1" noChangeArrowheads="1"/>
+          </p:cNvPicPr>
+          <p:nvPr/>
+        </p:nvPicPr>
+        <p:blipFill>
+          <a:blip r:embed="rId2">
+            <a:extLst>
+              <a:ext uri="{28A0092B-C50C-407E-A947-70E740481C1C}">
+                <a14:useLocalDpi xmlns:a14="http://schemas.microsoft.com/office/drawing/2010/main" val="0"/>
+              </a:ext>
+            </a:extLst>
+          </a:blip>
+          <a:srcRect/>
+          <a:stretch>
+            <a:fillRect/>
+          </a:stretch>
+        </p:blipFill>
+        <p:spPr bwMode="auto">
+          <a:xfrm>
+            <a:off x="5775157" y="2963114"/>
+            <a:ext cx="6208295" cy="3731876"/>
+          </a:xfrm>
+          <a:prstGeom prst="rect">
+            <a:avLst/>
+          </a:prstGeom>
+          <a:noFill/>
+          <a:extLst>
+            <a:ext uri="{909E8E84-426E-40DD-AFC4-6F175D3DCCD1}">
+              <a14:hiddenFill xmlns:a14="http://schemas.microsoft.com/office/drawing/2010/main">
+                <a:solidFill>
+                  <a:srgbClr val="FFFFFF"/>
+                </a:solidFill>
+              </a14:hiddenFill>
+            </a:ext>
+          </a:extLst>
+        </p:spPr>
+      </p:pic>
+      <p:sp>
+        <p:nvSpPr>
+          <p:cNvPr id="9" name="TextBox 8"/>
+          <p:cNvSpPr txBox="1"/>
+          <p:nvPr/>
+        </p:nvSpPr>
+        <p:spPr>
+          <a:xfrm>
+            <a:off x="5816816" y="2316783"/>
+            <a:ext cx="6124975" cy="646331"/>
+          </a:xfrm>
+          <a:prstGeom prst="rect">
+            <a:avLst/>
+          </a:prstGeom>
+          <a:noFill/>
+        </p:spPr>
+        <p:txBody>
+          <a:bodyPr wrap="square" rtlCol="0">
+            <a:spAutoFit/>
+          </a:bodyPr>
+          <a:lstStyle/>
+          <a:p>
+            <a:r>
+              <a:rPr lang="en-US" dirty="0" smtClean="0"/>
+              <a:t>(Google’s machine learning algorithm recognizes faces when applied to YouTube videos)</a:t>
+            </a:r>
+            <a:endParaRPr lang="en-US" dirty="0"/>
           </a:p>
         </p:txBody>
       </p:sp>
     </p:spTree>
     <p:extLst>
       <p:ext uri="{BB962C8B-B14F-4D97-AF65-F5344CB8AC3E}">
-        <p14:creationId xmlns:p14="http://schemas.microsoft.com/office/powerpoint/2010/main" val="2223527658"/>
+        <p14:creationId xmlns:p14="http://schemas.microsoft.com/office/powerpoint/2010/main" val="1071877449"/>
       </p:ext>
     </p:extLst>
   </p:cSld>
@@ -6118,9 +12027,1970 @@
   <p:timing>
     <p:tnLst>
       <p:par>
-        <p:cTn id="1" dur="indefinite" restart="never" nodeType="tmRoot"/>
+        <p:cTn id="1" dur="indefinite" restart="never" nodeType="tmRoot">
+          <p:childTnLst>
+            <p:seq concurrent="1" nextAc="seek">
+              <p:cTn id="2" dur="indefinite" nodeType="mainSeq">
+                <p:childTnLst>
+                  <p:par>
+                    <p:cTn id="3" fill="hold">
+                      <p:stCondLst>
+                        <p:cond delay="indefinite"/>
+                      </p:stCondLst>
+                      <p:childTnLst>
+                        <p:par>
+                          <p:cTn id="4" fill="hold">
+                            <p:stCondLst>
+                              <p:cond delay="0"/>
+                            </p:stCondLst>
+                            <p:childTnLst>
+                              <p:par>
+                                <p:cTn id="5" presetID="1" presetClass="entr" presetSubtype="0" fill="hold" grpId="0" nodeType="clickEffect">
+                                  <p:stCondLst>
+                                    <p:cond delay="0"/>
+                                  </p:stCondLst>
+                                  <p:childTnLst>
+                                    <p:set>
+                                      <p:cBhvr>
+                                        <p:cTn id="6" dur="1" fill="hold">
+                                          <p:stCondLst>
+                                            <p:cond delay="0"/>
+                                          </p:stCondLst>
+                                        </p:cTn>
+                                        <p:tgtEl>
+                                          <p:spTgt spid="7">
+                                            <p:txEl>
+                                              <p:pRg st="0" end="0"/>
+                                            </p:txEl>
+                                          </p:spTgt>
+                                        </p:tgtEl>
+                                        <p:attrNameLst>
+                                          <p:attrName>style.visibility</p:attrName>
+                                        </p:attrNameLst>
+                                      </p:cBhvr>
+                                      <p:to>
+                                        <p:strVal val="visible"/>
+                                      </p:to>
+                                    </p:set>
+                                  </p:childTnLst>
+                                </p:cTn>
+                              </p:par>
+                              <p:par>
+                                <p:cTn id="7" presetID="1" presetClass="entr" presetSubtype="0" fill="hold" grpId="0" nodeType="withEffect">
+                                  <p:stCondLst>
+                                    <p:cond delay="0"/>
+                                  </p:stCondLst>
+                                  <p:childTnLst>
+                                    <p:set>
+                                      <p:cBhvr>
+                                        <p:cTn id="8" dur="1" fill="hold">
+                                          <p:stCondLst>
+                                            <p:cond delay="0"/>
+                                          </p:stCondLst>
+                                        </p:cTn>
+                                        <p:tgtEl>
+                                          <p:spTgt spid="7">
+                                            <p:txEl>
+                                              <p:pRg st="1" end="1"/>
+                                            </p:txEl>
+                                          </p:spTgt>
+                                        </p:tgtEl>
+                                        <p:attrNameLst>
+                                          <p:attrName>style.visibility</p:attrName>
+                                        </p:attrNameLst>
+                                      </p:cBhvr>
+                                      <p:to>
+                                        <p:strVal val="visible"/>
+                                      </p:to>
+                                    </p:set>
+                                  </p:childTnLst>
+                                </p:cTn>
+                              </p:par>
+                            </p:childTnLst>
+                          </p:cTn>
+                        </p:par>
+                      </p:childTnLst>
+                    </p:cTn>
+                  </p:par>
+                  <p:par>
+                    <p:cTn id="9" fill="hold">
+                      <p:stCondLst>
+                        <p:cond delay="indefinite"/>
+                      </p:stCondLst>
+                      <p:childTnLst>
+                        <p:par>
+                          <p:cTn id="10" fill="hold">
+                            <p:stCondLst>
+                              <p:cond delay="0"/>
+                            </p:stCondLst>
+                            <p:childTnLst>
+                              <p:par>
+                                <p:cTn id="11" presetID="1" presetClass="entr" presetSubtype="0" fill="hold" grpId="0" nodeType="clickEffect">
+                                  <p:stCondLst>
+                                    <p:cond delay="0"/>
+                                  </p:stCondLst>
+                                  <p:childTnLst>
+                                    <p:set>
+                                      <p:cBhvr>
+                                        <p:cTn id="12" dur="1" fill="hold">
+                                          <p:stCondLst>
+                                            <p:cond delay="0"/>
+                                          </p:stCondLst>
+                                        </p:cTn>
+                                        <p:tgtEl>
+                                          <p:spTgt spid="7">
+                                            <p:txEl>
+                                              <p:pRg st="3" end="3"/>
+                                            </p:txEl>
+                                          </p:spTgt>
+                                        </p:tgtEl>
+                                        <p:attrNameLst>
+                                          <p:attrName>style.visibility</p:attrName>
+                                        </p:attrNameLst>
+                                      </p:cBhvr>
+                                      <p:to>
+                                        <p:strVal val="visible"/>
+                                      </p:to>
+                                    </p:set>
+                                  </p:childTnLst>
+                                </p:cTn>
+                              </p:par>
+                            </p:childTnLst>
+                          </p:cTn>
+                        </p:par>
+                      </p:childTnLst>
+                    </p:cTn>
+                  </p:par>
+                  <p:par>
+                    <p:cTn id="13" fill="hold">
+                      <p:stCondLst>
+                        <p:cond delay="indefinite"/>
+                      </p:stCondLst>
+                      <p:childTnLst>
+                        <p:par>
+                          <p:cTn id="14" fill="hold">
+                            <p:stCondLst>
+                              <p:cond delay="0"/>
+                            </p:stCondLst>
+                            <p:childTnLst>
+                              <p:par>
+                                <p:cTn id="15" presetID="1" presetClass="entr" presetSubtype="0" fill="hold" grpId="0" nodeType="clickEffect">
+                                  <p:stCondLst>
+                                    <p:cond delay="0"/>
+                                  </p:stCondLst>
+                                  <p:childTnLst>
+                                    <p:set>
+                                      <p:cBhvr>
+                                        <p:cTn id="16" dur="1" fill="hold">
+                                          <p:stCondLst>
+                                            <p:cond delay="0"/>
+                                          </p:stCondLst>
+                                        </p:cTn>
+                                        <p:tgtEl>
+                                          <p:spTgt spid="7">
+                                            <p:txEl>
+                                              <p:pRg st="4" end="4"/>
+                                            </p:txEl>
+                                          </p:spTgt>
+                                        </p:tgtEl>
+                                        <p:attrNameLst>
+                                          <p:attrName>style.visibility</p:attrName>
+                                        </p:attrNameLst>
+                                      </p:cBhvr>
+                                      <p:to>
+                                        <p:strVal val="visible"/>
+                                      </p:to>
+                                    </p:set>
+                                  </p:childTnLst>
+                                </p:cTn>
+                              </p:par>
+                            </p:childTnLst>
+                          </p:cTn>
+                        </p:par>
+                      </p:childTnLst>
+                    </p:cTn>
+                  </p:par>
+                  <p:par>
+                    <p:cTn id="17" fill="hold">
+                      <p:stCondLst>
+                        <p:cond delay="indefinite"/>
+                      </p:stCondLst>
+                      <p:childTnLst>
+                        <p:par>
+                          <p:cTn id="18" fill="hold">
+                            <p:stCondLst>
+                              <p:cond delay="0"/>
+                            </p:stCondLst>
+                            <p:childTnLst>
+                              <p:par>
+                                <p:cTn id="19" presetID="1" presetClass="entr" presetSubtype="0" fill="hold" grpId="0" nodeType="clickEffect">
+                                  <p:stCondLst>
+                                    <p:cond delay="0"/>
+                                  </p:stCondLst>
+                                  <p:childTnLst>
+                                    <p:set>
+                                      <p:cBhvr>
+                                        <p:cTn id="20" dur="1" fill="hold">
+                                          <p:stCondLst>
+                                            <p:cond delay="0"/>
+                                          </p:stCondLst>
+                                        </p:cTn>
+                                        <p:tgtEl>
+                                          <p:spTgt spid="7">
+                                            <p:txEl>
+                                              <p:pRg st="5" end="5"/>
+                                            </p:txEl>
+                                          </p:spTgt>
+                                        </p:tgtEl>
+                                        <p:attrNameLst>
+                                          <p:attrName>style.visibility</p:attrName>
+                                        </p:attrNameLst>
+                                      </p:cBhvr>
+                                      <p:to>
+                                        <p:strVal val="visible"/>
+                                      </p:to>
+                                    </p:set>
+                                  </p:childTnLst>
+                                </p:cTn>
+                              </p:par>
+                            </p:childTnLst>
+                          </p:cTn>
+                        </p:par>
+                      </p:childTnLst>
+                    </p:cTn>
+                  </p:par>
+                  <p:par>
+                    <p:cTn id="21" fill="hold">
+                      <p:stCondLst>
+                        <p:cond delay="indefinite"/>
+                      </p:stCondLst>
+                      <p:childTnLst>
+                        <p:par>
+                          <p:cTn id="22" fill="hold">
+                            <p:stCondLst>
+                              <p:cond delay="0"/>
+                            </p:stCondLst>
+                            <p:childTnLst>
+                              <p:par>
+                                <p:cTn id="23" presetID="1" presetClass="entr" presetSubtype="0" fill="hold" grpId="0" nodeType="clickEffect">
+                                  <p:stCondLst>
+                                    <p:cond delay="0"/>
+                                  </p:stCondLst>
+                                  <p:childTnLst>
+                                    <p:set>
+                                      <p:cBhvr>
+                                        <p:cTn id="24" dur="1" fill="hold">
+                                          <p:stCondLst>
+                                            <p:cond delay="0"/>
+                                          </p:stCondLst>
+                                        </p:cTn>
+                                        <p:tgtEl>
+                                          <p:spTgt spid="7">
+                                            <p:txEl>
+                                              <p:pRg st="6" end="6"/>
+                                            </p:txEl>
+                                          </p:spTgt>
+                                        </p:tgtEl>
+                                        <p:attrNameLst>
+                                          <p:attrName>style.visibility</p:attrName>
+                                        </p:attrNameLst>
+                                      </p:cBhvr>
+                                      <p:to>
+                                        <p:strVal val="visible"/>
+                                      </p:to>
+                                    </p:set>
+                                  </p:childTnLst>
+                                </p:cTn>
+                              </p:par>
+                            </p:childTnLst>
+                          </p:cTn>
+                        </p:par>
+                      </p:childTnLst>
+                    </p:cTn>
+                  </p:par>
+                  <p:par>
+                    <p:cTn id="25" fill="hold">
+                      <p:stCondLst>
+                        <p:cond delay="indefinite"/>
+                      </p:stCondLst>
+                      <p:childTnLst>
+                        <p:par>
+                          <p:cTn id="26" fill="hold">
+                            <p:stCondLst>
+                              <p:cond delay="0"/>
+                            </p:stCondLst>
+                            <p:childTnLst>
+                              <p:par>
+                                <p:cTn id="27" presetID="1" presetClass="entr" presetSubtype="0" fill="hold" grpId="0" nodeType="clickEffect">
+                                  <p:stCondLst>
+                                    <p:cond delay="0"/>
+                                  </p:stCondLst>
+                                  <p:childTnLst>
+                                    <p:set>
+                                      <p:cBhvr>
+                                        <p:cTn id="28" dur="1" fill="hold">
+                                          <p:stCondLst>
+                                            <p:cond delay="0"/>
+                                          </p:stCondLst>
+                                        </p:cTn>
+                                        <p:tgtEl>
+                                          <p:spTgt spid="7">
+                                            <p:txEl>
+                                              <p:pRg st="7" end="7"/>
+                                            </p:txEl>
+                                          </p:spTgt>
+                                        </p:tgtEl>
+                                        <p:attrNameLst>
+                                          <p:attrName>style.visibility</p:attrName>
+                                        </p:attrNameLst>
+                                      </p:cBhvr>
+                                      <p:to>
+                                        <p:strVal val="visible"/>
+                                      </p:to>
+                                    </p:set>
+                                  </p:childTnLst>
+                                </p:cTn>
+                              </p:par>
+                            </p:childTnLst>
+                          </p:cTn>
+                        </p:par>
+                      </p:childTnLst>
+                    </p:cTn>
+                  </p:par>
+                  <p:par>
+                    <p:cTn id="29" fill="hold">
+                      <p:stCondLst>
+                        <p:cond delay="indefinite"/>
+                      </p:stCondLst>
+                      <p:childTnLst>
+                        <p:par>
+                          <p:cTn id="30" fill="hold">
+                            <p:stCondLst>
+                              <p:cond delay="0"/>
+                            </p:stCondLst>
+                            <p:childTnLst>
+                              <p:par>
+                                <p:cTn id="31" presetID="1" presetClass="entr" presetSubtype="0" fill="hold" nodeType="clickEffect">
+                                  <p:stCondLst>
+                                    <p:cond delay="0"/>
+                                  </p:stCondLst>
+                                  <p:childTnLst>
+                                    <p:set>
+                                      <p:cBhvr>
+                                        <p:cTn id="32" dur="1" fill="hold">
+                                          <p:stCondLst>
+                                            <p:cond delay="0"/>
+                                          </p:stCondLst>
+                                        </p:cTn>
+                                        <p:tgtEl>
+                                          <p:spTgt spid="1026"/>
+                                        </p:tgtEl>
+                                        <p:attrNameLst>
+                                          <p:attrName>style.visibility</p:attrName>
+                                        </p:attrNameLst>
+                                      </p:cBhvr>
+                                      <p:to>
+                                        <p:strVal val="visible"/>
+                                      </p:to>
+                                    </p:set>
+                                  </p:childTnLst>
+                                </p:cTn>
+                              </p:par>
+                              <p:par>
+                                <p:cTn id="33" presetID="1" presetClass="entr" presetSubtype="0" fill="hold" grpId="0" nodeType="withEffect">
+                                  <p:stCondLst>
+                                    <p:cond delay="0"/>
+                                  </p:stCondLst>
+                                  <p:childTnLst>
+                                    <p:set>
+                                      <p:cBhvr>
+                                        <p:cTn id="34" dur="1" fill="hold">
+                                          <p:stCondLst>
+                                            <p:cond delay="0"/>
+                                          </p:stCondLst>
+                                        </p:cTn>
+                                        <p:tgtEl>
+                                          <p:spTgt spid="9"/>
+                                        </p:tgtEl>
+                                        <p:attrNameLst>
+                                          <p:attrName>style.visibility</p:attrName>
+                                        </p:attrNameLst>
+                                      </p:cBhvr>
+                                      <p:to>
+                                        <p:strVal val="visible"/>
+                                      </p:to>
+                                    </p:set>
+                                  </p:childTnLst>
+                                </p:cTn>
+                              </p:par>
+                            </p:childTnLst>
+                          </p:cTn>
+                        </p:par>
+                      </p:childTnLst>
+                    </p:cTn>
+                  </p:par>
+                </p:childTnLst>
+              </p:cTn>
+              <p:prevCondLst>
+                <p:cond evt="onPrev" delay="0">
+                  <p:tgtEl>
+                    <p:sldTgt/>
+                  </p:tgtEl>
+                </p:cond>
+              </p:prevCondLst>
+              <p:nextCondLst>
+                <p:cond evt="onNext" delay="0">
+                  <p:tgtEl>
+                    <p:sldTgt/>
+                  </p:tgtEl>
+                </p:cond>
+              </p:nextCondLst>
+            </p:seq>
+          </p:childTnLst>
+        </p:cTn>
       </p:par>
     </p:tnLst>
+    <p:bldLst>
+      <p:bldP spid="7" grpId="0" uiExpand="1" build="p"/>
+      <p:bldP spid="9" grpId="0"/>
+    </p:bldLst>
+  </p:timing>
+</p:sld>
+</file>
+
+<file path=ppt/slides/slide8.xml><?xml version="1.0" encoding="utf-8"?>
+<p:sld xmlns:a="http://schemas.openxmlformats.org/drawingml/2006/main" xmlns:r="http://schemas.openxmlformats.org/officeDocument/2006/relationships" xmlns:p="http://schemas.openxmlformats.org/presentationml/2006/main">
+  <p:cSld>
+    <p:spTree>
+      <p:nvGrpSpPr>
+        <p:cNvPr id="1" name=""/>
+        <p:cNvGrpSpPr/>
+        <p:nvPr/>
+      </p:nvGrpSpPr>
+      <p:grpSpPr>
+        <a:xfrm>
+          <a:off x="0" y="0"/>
+          <a:ext cx="0" cy="0"/>
+          <a:chOff x="0" y="0"/>
+          <a:chExt cx="0" cy="0"/>
+        </a:xfrm>
+      </p:grpSpPr>
+      <p:sp>
+        <p:nvSpPr>
+          <p:cNvPr id="2" name="Title 1"/>
+          <p:cNvSpPr>
+            <a:spLocks noGrp="1"/>
+          </p:cNvSpPr>
+          <p:nvPr>
+            <p:ph type="title"/>
+          </p:nvPr>
+        </p:nvSpPr>
+        <p:spPr/>
+        <p:txBody>
+          <a:bodyPr/>
+          <a:lstStyle/>
+          <a:p>
+            <a:r>
+              <a:rPr lang="en-US" dirty="0" smtClean="0"/>
+              <a:t>How does deep learning Work?</a:t>
+            </a:r>
+            <a:endParaRPr lang="en-US" dirty="0"/>
+          </a:p>
+        </p:txBody>
+      </p:sp>
+      <p:pic>
+        <p:nvPicPr>
+          <p:cNvPr id="4" name="Content Placeholder 3"/>
+          <p:cNvPicPr>
+            <a:picLocks noGrp="1" noChangeAspect="1"/>
+          </p:cNvPicPr>
+          <p:nvPr>
+            <p:ph idx="1"/>
+          </p:nvPr>
+        </p:nvPicPr>
+        <p:blipFill>
+          <a:blip r:embed="rId2">
+            <a:extLst>
+              <a:ext uri="{28A0092B-C50C-407E-A947-70E740481C1C}">
+                <a14:useLocalDpi xmlns:a14="http://schemas.microsoft.com/office/drawing/2010/main" val="0"/>
+              </a:ext>
+            </a:extLst>
+          </a:blip>
+          <a:stretch>
+            <a:fillRect/>
+          </a:stretch>
+        </p:blipFill>
+        <p:spPr>
+          <a:xfrm>
+            <a:off x="4036187" y="2629957"/>
+            <a:ext cx="4119626" cy="3678238"/>
+          </a:xfrm>
+        </p:spPr>
+      </p:pic>
+      <p:sp>
+        <p:nvSpPr>
+          <p:cNvPr id="3" name="TextBox 2"/>
+          <p:cNvSpPr txBox="1"/>
+          <p:nvPr/>
+        </p:nvSpPr>
+        <p:spPr>
+          <a:xfrm>
+            <a:off x="2953729" y="6308195"/>
+            <a:ext cx="6284541" cy="369332"/>
+          </a:xfrm>
+          <a:prstGeom prst="rect">
+            <a:avLst/>
+          </a:prstGeom>
+          <a:noFill/>
+        </p:spPr>
+        <p:txBody>
+          <a:bodyPr wrap="none" rtlCol="0">
+            <a:spAutoFit/>
+          </a:bodyPr>
+          <a:lstStyle/>
+          <a:p>
+            <a:r>
+              <a:rPr lang="en-US" dirty="0" smtClean="0"/>
+              <a:t>Deep learning looks like this but consists of </a:t>
+            </a:r>
+            <a:r>
+              <a:rPr lang="en-US" i="1" dirty="0" smtClean="0"/>
+              <a:t>multiple</a:t>
+            </a:r>
+            <a:r>
+              <a:rPr lang="en-US" dirty="0" smtClean="0"/>
+              <a:t> hidden layers</a:t>
+            </a:r>
+            <a:endParaRPr lang="en-US" dirty="0"/>
+          </a:p>
+        </p:txBody>
+      </p:sp>
+      <p:sp>
+        <p:nvSpPr>
+          <p:cNvPr id="5" name="TextBox 4"/>
+          <p:cNvSpPr txBox="1"/>
+          <p:nvPr/>
+        </p:nvSpPr>
+        <p:spPr>
+          <a:xfrm>
+            <a:off x="1064733" y="4284410"/>
+            <a:ext cx="2971454" cy="369332"/>
+          </a:xfrm>
+          <a:prstGeom prst="rect">
+            <a:avLst/>
+          </a:prstGeom>
+          <a:noFill/>
+        </p:spPr>
+        <p:txBody>
+          <a:bodyPr wrap="none" rtlCol="0">
+            <a:spAutoFit/>
+          </a:bodyPr>
+          <a:lstStyle/>
+          <a:p>
+            <a:r>
+              <a:rPr lang="en-US" dirty="0" smtClean="0"/>
+              <a:t>Simple neural network layout:</a:t>
+            </a:r>
+            <a:endParaRPr lang="en-US" dirty="0"/>
+          </a:p>
+        </p:txBody>
+      </p:sp>
+      <p:sp>
+        <p:nvSpPr>
+          <p:cNvPr id="6" name="TextBox 5"/>
+          <p:cNvSpPr txBox="1"/>
+          <p:nvPr/>
+        </p:nvSpPr>
+        <p:spPr>
+          <a:xfrm>
+            <a:off x="581192" y="2181225"/>
+            <a:ext cx="5152693" cy="369332"/>
+          </a:xfrm>
+          <a:prstGeom prst="rect">
+            <a:avLst/>
+          </a:prstGeom>
+          <a:noFill/>
+        </p:spPr>
+        <p:txBody>
+          <a:bodyPr wrap="none" rtlCol="0">
+            <a:spAutoFit/>
+          </a:bodyPr>
+          <a:lstStyle/>
+          <a:p>
+            <a:r>
+              <a:rPr lang="en-US" dirty="0" smtClean="0"/>
+              <a:t>Deep learning involves the use of a </a:t>
+            </a:r>
+            <a:r>
+              <a:rPr lang="en-US" b="1" dirty="0" smtClean="0"/>
+              <a:t>neural network</a:t>
+            </a:r>
+          </a:p>
+        </p:txBody>
+      </p:sp>
+    </p:spTree>
+    <p:extLst>
+      <p:ext uri="{BB962C8B-B14F-4D97-AF65-F5344CB8AC3E}">
+        <p14:creationId xmlns:p14="http://schemas.microsoft.com/office/powerpoint/2010/main" val="2396562466"/>
+      </p:ext>
+    </p:extLst>
+  </p:cSld>
+  <p:clrMapOvr>
+    <a:masterClrMapping/>
+  </p:clrMapOvr>
+  <p:timing>
+    <p:tnLst>
+      <p:par>
+        <p:cTn id="1" dur="indefinite" restart="never" nodeType="tmRoot">
+          <p:childTnLst>
+            <p:seq concurrent="1" nextAc="seek">
+              <p:cTn id="2" dur="indefinite" nodeType="mainSeq">
+                <p:childTnLst>
+                  <p:par>
+                    <p:cTn id="3" fill="hold">
+                      <p:stCondLst>
+                        <p:cond delay="indefinite"/>
+                      </p:stCondLst>
+                      <p:childTnLst>
+                        <p:par>
+                          <p:cTn id="4" fill="hold">
+                            <p:stCondLst>
+                              <p:cond delay="0"/>
+                            </p:stCondLst>
+                            <p:childTnLst>
+                              <p:par>
+                                <p:cTn id="5" presetID="1" presetClass="entr" presetSubtype="0" fill="hold" grpId="0" nodeType="clickEffect">
+                                  <p:stCondLst>
+                                    <p:cond delay="0"/>
+                                  </p:stCondLst>
+                                  <p:childTnLst>
+                                    <p:set>
+                                      <p:cBhvr>
+                                        <p:cTn id="6" dur="1" fill="hold">
+                                          <p:stCondLst>
+                                            <p:cond delay="0"/>
+                                          </p:stCondLst>
+                                        </p:cTn>
+                                        <p:tgtEl>
+                                          <p:spTgt spid="5"/>
+                                        </p:tgtEl>
+                                        <p:attrNameLst>
+                                          <p:attrName>style.visibility</p:attrName>
+                                        </p:attrNameLst>
+                                      </p:cBhvr>
+                                      <p:to>
+                                        <p:strVal val="visible"/>
+                                      </p:to>
+                                    </p:set>
+                                  </p:childTnLst>
+                                </p:cTn>
+                              </p:par>
+                              <p:par>
+                                <p:cTn id="7" presetID="1" presetClass="entr" presetSubtype="0" fill="hold" nodeType="withEffect">
+                                  <p:stCondLst>
+                                    <p:cond delay="0"/>
+                                  </p:stCondLst>
+                                  <p:childTnLst>
+                                    <p:set>
+                                      <p:cBhvr>
+                                        <p:cTn id="8" dur="1" fill="hold">
+                                          <p:stCondLst>
+                                            <p:cond delay="0"/>
+                                          </p:stCondLst>
+                                        </p:cTn>
+                                        <p:tgtEl>
+                                          <p:spTgt spid="4"/>
+                                        </p:tgtEl>
+                                        <p:attrNameLst>
+                                          <p:attrName>style.visibility</p:attrName>
+                                        </p:attrNameLst>
+                                      </p:cBhvr>
+                                      <p:to>
+                                        <p:strVal val="visible"/>
+                                      </p:to>
+                                    </p:set>
+                                  </p:childTnLst>
+                                </p:cTn>
+                              </p:par>
+                            </p:childTnLst>
+                          </p:cTn>
+                        </p:par>
+                      </p:childTnLst>
+                    </p:cTn>
+                  </p:par>
+                  <p:par>
+                    <p:cTn id="9" fill="hold">
+                      <p:stCondLst>
+                        <p:cond delay="indefinite"/>
+                      </p:stCondLst>
+                      <p:childTnLst>
+                        <p:par>
+                          <p:cTn id="10" fill="hold">
+                            <p:stCondLst>
+                              <p:cond delay="0"/>
+                            </p:stCondLst>
+                            <p:childTnLst>
+                              <p:par>
+                                <p:cTn id="11" presetID="1" presetClass="entr" presetSubtype="0" fill="hold" grpId="0" nodeType="clickEffect">
+                                  <p:stCondLst>
+                                    <p:cond delay="0"/>
+                                  </p:stCondLst>
+                                  <p:childTnLst>
+                                    <p:set>
+                                      <p:cBhvr>
+                                        <p:cTn id="12" dur="1" fill="hold">
+                                          <p:stCondLst>
+                                            <p:cond delay="0"/>
+                                          </p:stCondLst>
+                                        </p:cTn>
+                                        <p:tgtEl>
+                                          <p:spTgt spid="3"/>
+                                        </p:tgtEl>
+                                        <p:attrNameLst>
+                                          <p:attrName>style.visibility</p:attrName>
+                                        </p:attrNameLst>
+                                      </p:cBhvr>
+                                      <p:to>
+                                        <p:strVal val="visible"/>
+                                      </p:to>
+                                    </p:set>
+                                  </p:childTnLst>
+                                </p:cTn>
+                              </p:par>
+                            </p:childTnLst>
+                          </p:cTn>
+                        </p:par>
+                      </p:childTnLst>
+                    </p:cTn>
+                  </p:par>
+                </p:childTnLst>
+              </p:cTn>
+              <p:prevCondLst>
+                <p:cond evt="onPrev" delay="0">
+                  <p:tgtEl>
+                    <p:sldTgt/>
+                  </p:tgtEl>
+                </p:cond>
+              </p:prevCondLst>
+              <p:nextCondLst>
+                <p:cond evt="onNext" delay="0">
+                  <p:tgtEl>
+                    <p:sldTgt/>
+                  </p:tgtEl>
+                </p:cond>
+              </p:nextCondLst>
+            </p:seq>
+          </p:childTnLst>
+        </p:cTn>
+      </p:par>
+    </p:tnLst>
+    <p:bldLst>
+      <p:bldP spid="3" grpId="0"/>
+      <p:bldP spid="5" grpId="0"/>
+    </p:bldLst>
+  </p:timing>
+</p:sld>
+</file>
+
+<file path=ppt/slides/slide9.xml><?xml version="1.0" encoding="utf-8"?>
+<p:sld xmlns:a="http://schemas.openxmlformats.org/drawingml/2006/main" xmlns:r="http://schemas.openxmlformats.org/officeDocument/2006/relationships" xmlns:p="http://schemas.openxmlformats.org/presentationml/2006/main">
+  <p:cSld>
+    <p:spTree>
+      <p:nvGrpSpPr>
+        <p:cNvPr id="1" name=""/>
+        <p:cNvGrpSpPr/>
+        <p:nvPr/>
+      </p:nvGrpSpPr>
+      <p:grpSpPr>
+        <a:xfrm>
+          <a:off x="0" y="0"/>
+          <a:ext cx="0" cy="0"/>
+          <a:chOff x="0" y="0"/>
+          <a:chExt cx="0" cy="0"/>
+        </a:xfrm>
+      </p:grpSpPr>
+      <p:sp>
+        <p:nvSpPr>
+          <p:cNvPr id="2" name="Title 1"/>
+          <p:cNvSpPr>
+            <a:spLocks noGrp="1"/>
+          </p:cNvSpPr>
+          <p:nvPr>
+            <p:ph type="title"/>
+          </p:nvPr>
+        </p:nvSpPr>
+        <p:spPr/>
+        <p:txBody>
+          <a:bodyPr/>
+          <a:lstStyle/>
+          <a:p>
+            <a:r>
+              <a:rPr lang="en-US" dirty="0" smtClean="0"/>
+              <a:t>How does deep learning Work?</a:t>
+            </a:r>
+            <a:endParaRPr lang="en-US" dirty="0"/>
+          </a:p>
+        </p:txBody>
+      </p:sp>
+      <p:grpSp>
+        <p:nvGrpSpPr>
+          <p:cNvPr id="193" name="Group 192"/>
+          <p:cNvGrpSpPr/>
+          <p:nvPr/>
+        </p:nvGrpSpPr>
+        <p:grpSpPr>
+          <a:xfrm>
+            <a:off x="2716436" y="2149707"/>
+            <a:ext cx="6759127" cy="4336928"/>
+            <a:chOff x="3538736" y="1863957"/>
+            <a:chExt cx="6759127" cy="4336928"/>
+          </a:xfrm>
+        </p:grpSpPr>
+        <p:sp>
+          <p:nvSpPr>
+            <p:cNvPr id="66" name="Oval 65"/>
+            <p:cNvSpPr/>
+            <p:nvPr/>
+          </p:nvSpPr>
+          <p:spPr>
+            <a:xfrm>
+              <a:off x="3538737" y="2318485"/>
+              <a:ext cx="889209" cy="889209"/>
+            </a:xfrm>
+            <a:prstGeom prst="ellipse">
+              <a:avLst/>
+            </a:prstGeom>
+          </p:spPr>
+          <p:style>
+            <a:lnRef idx="2">
+              <a:schemeClr val="accent1">
+                <a:shade val="50000"/>
+              </a:schemeClr>
+            </a:lnRef>
+            <a:fillRef idx="1">
+              <a:schemeClr val="accent1"/>
+            </a:fillRef>
+            <a:effectRef idx="0">
+              <a:schemeClr val="accent1"/>
+            </a:effectRef>
+            <a:fontRef idx="minor">
+              <a:schemeClr val="lt1"/>
+            </a:fontRef>
+          </p:style>
+          <p:txBody>
+            <a:bodyPr rtlCol="0" anchor="ctr"/>
+            <a:lstStyle/>
+            <a:p>
+              <a:pPr algn="ctr"/>
+              <a:r>
+                <a:rPr lang="en-US" dirty="0"/>
+                <a:t>I</a:t>
+              </a:r>
+              <a:r>
+                <a:rPr lang="en-US" baseline="-25000" dirty="0" smtClean="0"/>
+                <a:t>0</a:t>
+              </a:r>
+              <a:endParaRPr lang="en-US" dirty="0"/>
+            </a:p>
+          </p:txBody>
+        </p:sp>
+        <p:sp>
+          <p:nvSpPr>
+            <p:cNvPr id="67" name="Oval 66"/>
+            <p:cNvSpPr/>
+            <p:nvPr/>
+          </p:nvSpPr>
+          <p:spPr>
+            <a:xfrm>
+              <a:off x="3538737" y="3815081"/>
+              <a:ext cx="889209" cy="889209"/>
+            </a:xfrm>
+            <a:prstGeom prst="ellipse">
+              <a:avLst/>
+            </a:prstGeom>
+          </p:spPr>
+          <p:style>
+            <a:lnRef idx="2">
+              <a:schemeClr val="accent1">
+                <a:shade val="50000"/>
+              </a:schemeClr>
+            </a:lnRef>
+            <a:fillRef idx="1">
+              <a:schemeClr val="accent1"/>
+            </a:fillRef>
+            <a:effectRef idx="0">
+              <a:schemeClr val="accent1"/>
+            </a:effectRef>
+            <a:fontRef idx="minor">
+              <a:schemeClr val="lt1"/>
+            </a:fontRef>
+          </p:style>
+          <p:txBody>
+            <a:bodyPr rtlCol="0" anchor="ctr"/>
+            <a:lstStyle/>
+            <a:p>
+              <a:pPr algn="ctr"/>
+              <a:r>
+                <a:rPr lang="en-US" dirty="0"/>
+                <a:t>I</a:t>
+              </a:r>
+              <a:r>
+                <a:rPr lang="en-US" baseline="-25000" dirty="0" smtClean="0"/>
+                <a:t>1</a:t>
+              </a:r>
+              <a:endParaRPr lang="en-US" dirty="0"/>
+            </a:p>
+          </p:txBody>
+        </p:sp>
+        <p:sp>
+          <p:nvSpPr>
+            <p:cNvPr id="69" name="Oval 68"/>
+            <p:cNvSpPr/>
+            <p:nvPr/>
+          </p:nvSpPr>
+          <p:spPr>
+            <a:xfrm>
+              <a:off x="6538806" y="3815080"/>
+              <a:ext cx="889209" cy="889209"/>
+            </a:xfrm>
+            <a:prstGeom prst="ellipse">
+              <a:avLst/>
+            </a:prstGeom>
+            <a:solidFill>
+              <a:srgbClr val="00B0F0"/>
+            </a:solidFill>
+          </p:spPr>
+          <p:style>
+            <a:lnRef idx="2">
+              <a:schemeClr val="accent1">
+                <a:shade val="50000"/>
+              </a:schemeClr>
+            </a:lnRef>
+            <a:fillRef idx="1">
+              <a:schemeClr val="accent1"/>
+            </a:fillRef>
+            <a:effectRef idx="0">
+              <a:schemeClr val="accent1"/>
+            </a:effectRef>
+            <a:fontRef idx="minor">
+              <a:schemeClr val="lt1"/>
+            </a:fontRef>
+          </p:style>
+          <p:txBody>
+            <a:bodyPr rtlCol="0" anchor="ctr"/>
+            <a:lstStyle/>
+            <a:p>
+              <a:pPr algn="ctr"/>
+              <a:r>
+                <a:rPr lang="en-US" dirty="0"/>
+                <a:t>∑</a:t>
+              </a:r>
+            </a:p>
+          </p:txBody>
+        </p:sp>
+        <p:cxnSp>
+          <p:nvCxnSpPr>
+            <p:cNvPr id="74" name="Straight Arrow Connector 73"/>
+            <p:cNvCxnSpPr>
+              <a:stCxn id="66" idx="6"/>
+              <a:endCxn id="69" idx="1"/>
+            </p:cNvCxnSpPr>
+            <p:nvPr/>
+          </p:nvCxnSpPr>
+          <p:spPr>
+            <a:xfrm>
+              <a:off x="4427946" y="2763090"/>
+              <a:ext cx="2241082" cy="1182212"/>
+            </a:xfrm>
+            <a:prstGeom prst="straightConnector1">
+              <a:avLst/>
+            </a:prstGeom>
+            <a:ln>
+              <a:tailEnd type="triangle"/>
+            </a:ln>
+          </p:spPr>
+          <p:style>
+            <a:lnRef idx="1">
+              <a:schemeClr val="accent1"/>
+            </a:lnRef>
+            <a:fillRef idx="0">
+              <a:schemeClr val="accent1"/>
+            </a:fillRef>
+            <a:effectRef idx="0">
+              <a:schemeClr val="accent1"/>
+            </a:effectRef>
+            <a:fontRef idx="minor">
+              <a:schemeClr val="tx1"/>
+            </a:fontRef>
+          </p:style>
+        </p:cxnSp>
+        <p:cxnSp>
+          <p:nvCxnSpPr>
+            <p:cNvPr id="75" name="Straight Arrow Connector 74"/>
+            <p:cNvCxnSpPr>
+              <a:stCxn id="67" idx="6"/>
+              <a:endCxn id="69" idx="2"/>
+            </p:cNvCxnSpPr>
+            <p:nvPr/>
+          </p:nvCxnSpPr>
+          <p:spPr>
+            <a:xfrm flipV="1">
+              <a:off x="4427946" y="4259685"/>
+              <a:ext cx="2110860" cy="1"/>
+            </a:xfrm>
+            <a:prstGeom prst="straightConnector1">
+              <a:avLst/>
+            </a:prstGeom>
+            <a:ln>
+              <a:tailEnd type="triangle"/>
+            </a:ln>
+          </p:spPr>
+          <p:style>
+            <a:lnRef idx="1">
+              <a:schemeClr val="accent1"/>
+            </a:lnRef>
+            <a:fillRef idx="0">
+              <a:schemeClr val="accent1"/>
+            </a:fillRef>
+            <a:effectRef idx="0">
+              <a:schemeClr val="accent1"/>
+            </a:effectRef>
+            <a:fontRef idx="minor">
+              <a:schemeClr val="tx1"/>
+            </a:fontRef>
+          </p:style>
+        </p:cxnSp>
+        <p:sp>
+          <p:nvSpPr>
+            <p:cNvPr id="137" name="Oval 136"/>
+            <p:cNvSpPr/>
+            <p:nvPr/>
+          </p:nvSpPr>
+          <p:spPr>
+            <a:xfrm>
+              <a:off x="3538736" y="5311676"/>
+              <a:ext cx="889209" cy="889209"/>
+            </a:xfrm>
+            <a:prstGeom prst="ellipse">
+              <a:avLst/>
+            </a:prstGeom>
+          </p:spPr>
+          <p:style>
+            <a:lnRef idx="2">
+              <a:schemeClr val="accent1">
+                <a:shade val="50000"/>
+              </a:schemeClr>
+            </a:lnRef>
+            <a:fillRef idx="1">
+              <a:schemeClr val="accent1"/>
+            </a:fillRef>
+            <a:effectRef idx="0">
+              <a:schemeClr val="accent1"/>
+            </a:effectRef>
+            <a:fontRef idx="minor">
+              <a:schemeClr val="lt1"/>
+            </a:fontRef>
+          </p:style>
+          <p:txBody>
+            <a:bodyPr rtlCol="0" anchor="ctr"/>
+            <a:lstStyle/>
+            <a:p>
+              <a:pPr algn="ctr"/>
+              <a:r>
+                <a:rPr lang="en-US" dirty="0"/>
+                <a:t>I</a:t>
+              </a:r>
+              <a:r>
+                <a:rPr lang="en-US" baseline="-25000" dirty="0" smtClean="0"/>
+                <a:t>2</a:t>
+              </a:r>
+              <a:endParaRPr lang="en-US" dirty="0"/>
+            </a:p>
+          </p:txBody>
+        </p:sp>
+        <p:cxnSp>
+          <p:nvCxnSpPr>
+            <p:cNvPr id="148" name="Straight Arrow Connector 147"/>
+            <p:cNvCxnSpPr>
+              <a:stCxn id="137" idx="6"/>
+              <a:endCxn id="69" idx="3"/>
+            </p:cNvCxnSpPr>
+            <p:nvPr/>
+          </p:nvCxnSpPr>
+          <p:spPr>
+            <a:xfrm flipV="1">
+              <a:off x="4427945" y="4574067"/>
+              <a:ext cx="2241083" cy="1182214"/>
+            </a:xfrm>
+            <a:prstGeom prst="straightConnector1">
+              <a:avLst/>
+            </a:prstGeom>
+            <a:ln>
+              <a:tailEnd type="triangle"/>
+            </a:ln>
+          </p:spPr>
+          <p:style>
+            <a:lnRef idx="1">
+              <a:schemeClr val="accent1"/>
+            </a:lnRef>
+            <a:fillRef idx="0">
+              <a:schemeClr val="accent1"/>
+            </a:fillRef>
+            <a:effectRef idx="0">
+              <a:schemeClr val="accent1"/>
+            </a:effectRef>
+            <a:fontRef idx="minor">
+              <a:schemeClr val="tx1"/>
+            </a:fontRef>
+          </p:style>
+        </p:cxnSp>
+        <p:sp>
+          <p:nvSpPr>
+            <p:cNvPr id="151" name="TextBox 150"/>
+            <p:cNvSpPr txBox="1"/>
+            <p:nvPr/>
+          </p:nvSpPr>
+          <p:spPr>
+            <a:xfrm>
+              <a:off x="5334323" y="2839054"/>
+              <a:ext cx="428322" cy="369332"/>
+            </a:xfrm>
+            <a:prstGeom prst="rect">
+              <a:avLst/>
+            </a:prstGeom>
+            <a:noFill/>
+          </p:spPr>
+          <p:txBody>
+            <a:bodyPr wrap="none" rtlCol="0">
+              <a:spAutoFit/>
+            </a:bodyPr>
+            <a:lstStyle/>
+            <a:p>
+              <a:r>
+                <a:rPr lang="en-US" dirty="0" smtClean="0"/>
+                <a:t>w</a:t>
+              </a:r>
+              <a:r>
+                <a:rPr lang="en-US" baseline="-25000" dirty="0" smtClean="0"/>
+                <a:t>0</a:t>
+              </a:r>
+              <a:endParaRPr lang="en-US" dirty="0"/>
+            </a:p>
+          </p:txBody>
+        </p:sp>
+        <p:sp>
+          <p:nvSpPr>
+            <p:cNvPr id="152" name="TextBox 151"/>
+            <p:cNvSpPr txBox="1"/>
+            <p:nvPr/>
+          </p:nvSpPr>
+          <p:spPr>
+            <a:xfrm>
+              <a:off x="5334323" y="3752027"/>
+              <a:ext cx="428322" cy="369332"/>
+            </a:xfrm>
+            <a:prstGeom prst="rect">
+              <a:avLst/>
+            </a:prstGeom>
+            <a:noFill/>
+          </p:spPr>
+          <p:txBody>
+            <a:bodyPr wrap="none" rtlCol="0">
+              <a:spAutoFit/>
+            </a:bodyPr>
+            <a:lstStyle/>
+            <a:p>
+              <a:r>
+                <a:rPr lang="en-US" dirty="0" smtClean="0"/>
+                <a:t>w</a:t>
+              </a:r>
+              <a:r>
+                <a:rPr lang="en-US" baseline="-25000" dirty="0"/>
+                <a:t>1</a:t>
+              </a:r>
+              <a:endParaRPr lang="en-US" dirty="0"/>
+            </a:p>
+          </p:txBody>
+        </p:sp>
+        <p:sp>
+          <p:nvSpPr>
+            <p:cNvPr id="153" name="TextBox 152"/>
+            <p:cNvSpPr txBox="1"/>
+            <p:nvPr/>
+          </p:nvSpPr>
+          <p:spPr>
+            <a:xfrm>
+              <a:off x="5334323" y="4650416"/>
+              <a:ext cx="428322" cy="369332"/>
+            </a:xfrm>
+            <a:prstGeom prst="rect">
+              <a:avLst/>
+            </a:prstGeom>
+            <a:noFill/>
+          </p:spPr>
+          <p:txBody>
+            <a:bodyPr wrap="none" rtlCol="0">
+              <a:spAutoFit/>
+            </a:bodyPr>
+            <a:lstStyle/>
+            <a:p>
+              <a:r>
+                <a:rPr lang="en-US" dirty="0" smtClean="0"/>
+                <a:t>w</a:t>
+              </a:r>
+              <a:r>
+                <a:rPr lang="en-US" baseline="-25000" dirty="0" smtClean="0"/>
+                <a:t>2</a:t>
+              </a:r>
+              <a:endParaRPr lang="en-US" dirty="0"/>
+            </a:p>
+          </p:txBody>
+        </p:sp>
+        <p:sp>
+          <p:nvSpPr>
+            <p:cNvPr id="154" name="Multiply 153"/>
+            <p:cNvSpPr/>
+            <p:nvPr/>
+          </p:nvSpPr>
+          <p:spPr>
+            <a:xfrm>
+              <a:off x="5379151" y="4086096"/>
+              <a:ext cx="338667" cy="347174"/>
+            </a:xfrm>
+            <a:prstGeom prst="mathMultiply">
+              <a:avLst/>
+            </a:prstGeom>
+            <a:solidFill>
+              <a:srgbClr val="00B0F0"/>
+            </a:solidFill>
+          </p:spPr>
+          <p:style>
+            <a:lnRef idx="2">
+              <a:schemeClr val="accent1">
+                <a:shade val="50000"/>
+              </a:schemeClr>
+            </a:lnRef>
+            <a:fillRef idx="1">
+              <a:schemeClr val="accent1"/>
+            </a:fillRef>
+            <a:effectRef idx="0">
+              <a:schemeClr val="accent1"/>
+            </a:effectRef>
+            <a:fontRef idx="minor">
+              <a:schemeClr val="lt1"/>
+            </a:fontRef>
+          </p:style>
+          <p:txBody>
+            <a:bodyPr rtlCol="0" anchor="ctr"/>
+            <a:lstStyle/>
+            <a:p>
+              <a:pPr algn="ctr"/>
+              <a:endParaRPr lang="en-US"/>
+            </a:p>
+          </p:txBody>
+        </p:sp>
+        <p:sp>
+          <p:nvSpPr>
+            <p:cNvPr id="156" name="Multiply 155"/>
+            <p:cNvSpPr/>
+            <p:nvPr/>
+          </p:nvSpPr>
+          <p:spPr>
+            <a:xfrm>
+              <a:off x="5379152" y="3180609"/>
+              <a:ext cx="338667" cy="347174"/>
+            </a:xfrm>
+            <a:prstGeom prst="mathMultiply">
+              <a:avLst/>
+            </a:prstGeom>
+            <a:solidFill>
+              <a:srgbClr val="00B0F0"/>
+            </a:solidFill>
+          </p:spPr>
+          <p:style>
+            <a:lnRef idx="2">
+              <a:schemeClr val="accent1">
+                <a:shade val="50000"/>
+              </a:schemeClr>
+            </a:lnRef>
+            <a:fillRef idx="1">
+              <a:schemeClr val="accent1"/>
+            </a:fillRef>
+            <a:effectRef idx="0">
+              <a:schemeClr val="accent1"/>
+            </a:effectRef>
+            <a:fontRef idx="minor">
+              <a:schemeClr val="lt1"/>
+            </a:fontRef>
+          </p:style>
+          <p:txBody>
+            <a:bodyPr rtlCol="0" anchor="ctr"/>
+            <a:lstStyle/>
+            <a:p>
+              <a:pPr algn="ctr"/>
+              <a:endParaRPr lang="en-US"/>
+            </a:p>
+          </p:txBody>
+        </p:sp>
+        <p:sp>
+          <p:nvSpPr>
+            <p:cNvPr id="161" name="Multiply 160"/>
+            <p:cNvSpPr/>
+            <p:nvPr/>
+          </p:nvSpPr>
+          <p:spPr>
+            <a:xfrm>
+              <a:off x="5379152" y="4991587"/>
+              <a:ext cx="338667" cy="347174"/>
+            </a:xfrm>
+            <a:prstGeom prst="mathMultiply">
+              <a:avLst/>
+            </a:prstGeom>
+            <a:solidFill>
+              <a:srgbClr val="00B0F0"/>
+            </a:solidFill>
+          </p:spPr>
+          <p:style>
+            <a:lnRef idx="2">
+              <a:schemeClr val="accent1">
+                <a:shade val="50000"/>
+              </a:schemeClr>
+            </a:lnRef>
+            <a:fillRef idx="1">
+              <a:schemeClr val="accent1"/>
+            </a:fillRef>
+            <a:effectRef idx="0">
+              <a:schemeClr val="accent1"/>
+            </a:effectRef>
+            <a:fontRef idx="minor">
+              <a:schemeClr val="lt1"/>
+            </a:fontRef>
+          </p:style>
+          <p:txBody>
+            <a:bodyPr rtlCol="0" anchor="ctr"/>
+            <a:lstStyle/>
+            <a:p>
+              <a:pPr algn="ctr"/>
+              <a:endParaRPr lang="en-US"/>
+            </a:p>
+          </p:txBody>
+        </p:sp>
+        <p:sp>
+          <p:nvSpPr>
+            <p:cNvPr id="175" name="Oval 174"/>
+            <p:cNvSpPr/>
+            <p:nvPr/>
+          </p:nvSpPr>
+          <p:spPr>
+            <a:xfrm>
+              <a:off x="7973730" y="3817723"/>
+              <a:ext cx="889209" cy="889209"/>
+            </a:xfrm>
+            <a:prstGeom prst="ellipse">
+              <a:avLst/>
+            </a:prstGeom>
+            <a:solidFill>
+              <a:srgbClr val="00B0F0"/>
+            </a:solidFill>
+          </p:spPr>
+          <p:style>
+            <a:lnRef idx="2">
+              <a:schemeClr val="accent1">
+                <a:shade val="50000"/>
+              </a:schemeClr>
+            </a:lnRef>
+            <a:fillRef idx="1">
+              <a:schemeClr val="accent1"/>
+            </a:fillRef>
+            <a:effectRef idx="0">
+              <a:schemeClr val="accent1"/>
+            </a:effectRef>
+            <a:fontRef idx="minor">
+              <a:schemeClr val="lt1"/>
+            </a:fontRef>
+          </p:style>
+          <p:txBody>
+            <a:bodyPr rtlCol="0" anchor="ctr"/>
+            <a:lstStyle/>
+            <a:p>
+              <a:pPr algn="ctr"/>
+              <a:r>
+                <a:rPr lang="el-GR" dirty="0" smtClean="0"/>
+                <a:t>σ</a:t>
+              </a:r>
+              <a:r>
+                <a:rPr lang="en-US" dirty="0" smtClean="0"/>
+                <a:t>(x)</a:t>
+              </a:r>
+              <a:endParaRPr lang="en-US" dirty="0"/>
+            </a:p>
+          </p:txBody>
+        </p:sp>
+        <p:cxnSp>
+          <p:nvCxnSpPr>
+            <p:cNvPr id="176" name="Straight Arrow Connector 175"/>
+            <p:cNvCxnSpPr>
+              <a:stCxn id="69" idx="6"/>
+              <a:endCxn id="175" idx="2"/>
+            </p:cNvCxnSpPr>
+            <p:nvPr/>
+          </p:nvCxnSpPr>
+          <p:spPr>
+            <a:xfrm>
+              <a:off x="7428015" y="4259685"/>
+              <a:ext cx="545715" cy="2643"/>
+            </a:xfrm>
+            <a:prstGeom prst="straightConnector1">
+              <a:avLst/>
+            </a:prstGeom>
+            <a:ln>
+              <a:tailEnd type="triangle"/>
+            </a:ln>
+          </p:spPr>
+          <p:style>
+            <a:lnRef idx="1">
+              <a:schemeClr val="accent1"/>
+            </a:lnRef>
+            <a:fillRef idx="0">
+              <a:schemeClr val="accent1"/>
+            </a:fillRef>
+            <a:effectRef idx="0">
+              <a:schemeClr val="accent1"/>
+            </a:effectRef>
+            <a:fontRef idx="minor">
+              <a:schemeClr val="tx1"/>
+            </a:fontRef>
+          </p:style>
+        </p:cxnSp>
+        <p:sp>
+          <p:nvSpPr>
+            <p:cNvPr id="179" name="Oval 178"/>
+            <p:cNvSpPr/>
+            <p:nvPr/>
+          </p:nvSpPr>
+          <p:spPr>
+            <a:xfrm>
+              <a:off x="9408654" y="3815080"/>
+              <a:ext cx="889209" cy="889209"/>
+            </a:xfrm>
+            <a:prstGeom prst="ellipse">
+              <a:avLst/>
+            </a:prstGeom>
+          </p:spPr>
+          <p:style>
+            <a:lnRef idx="2">
+              <a:schemeClr val="accent1">
+                <a:shade val="50000"/>
+              </a:schemeClr>
+            </a:lnRef>
+            <a:fillRef idx="1">
+              <a:schemeClr val="accent1"/>
+            </a:fillRef>
+            <a:effectRef idx="0">
+              <a:schemeClr val="accent1"/>
+            </a:effectRef>
+            <a:fontRef idx="minor">
+              <a:schemeClr val="lt1"/>
+            </a:fontRef>
+          </p:style>
+          <p:txBody>
+            <a:bodyPr rtlCol="0" anchor="ctr"/>
+            <a:lstStyle/>
+            <a:p>
+              <a:pPr algn="ctr"/>
+              <a:r>
+                <a:rPr lang="en-US" dirty="0"/>
+                <a:t>O</a:t>
+              </a:r>
+              <a:r>
+                <a:rPr lang="en-US" baseline="-25000" dirty="0" smtClean="0"/>
+                <a:t>0</a:t>
+              </a:r>
+              <a:endParaRPr lang="en-US" dirty="0"/>
+            </a:p>
+          </p:txBody>
+        </p:sp>
+        <p:cxnSp>
+          <p:nvCxnSpPr>
+            <p:cNvPr id="181" name="Straight Arrow Connector 180"/>
+            <p:cNvCxnSpPr>
+              <a:stCxn id="175" idx="6"/>
+              <a:endCxn id="179" idx="2"/>
+            </p:cNvCxnSpPr>
+            <p:nvPr/>
+          </p:nvCxnSpPr>
+          <p:spPr>
+            <a:xfrm flipV="1">
+              <a:off x="8862939" y="4259685"/>
+              <a:ext cx="545715" cy="2643"/>
+            </a:xfrm>
+            <a:prstGeom prst="straightConnector1">
+              <a:avLst/>
+            </a:prstGeom>
+            <a:ln>
+              <a:tailEnd type="triangle"/>
+            </a:ln>
+          </p:spPr>
+          <p:style>
+            <a:lnRef idx="1">
+              <a:schemeClr val="accent1"/>
+            </a:lnRef>
+            <a:fillRef idx="0">
+              <a:schemeClr val="accent1"/>
+            </a:fillRef>
+            <a:effectRef idx="0">
+              <a:schemeClr val="accent1"/>
+            </a:effectRef>
+            <a:fontRef idx="minor">
+              <a:schemeClr val="tx1"/>
+            </a:fontRef>
+          </p:style>
+        </p:cxnSp>
+        <p:sp>
+          <p:nvSpPr>
+            <p:cNvPr id="188" name="TextBox 187"/>
+            <p:cNvSpPr txBox="1"/>
+            <p:nvPr/>
+          </p:nvSpPr>
+          <p:spPr>
+            <a:xfrm>
+              <a:off x="3606473" y="1873215"/>
+              <a:ext cx="753732" cy="369332"/>
+            </a:xfrm>
+            <a:prstGeom prst="rect">
+              <a:avLst/>
+            </a:prstGeom>
+            <a:noFill/>
+          </p:spPr>
+          <p:txBody>
+            <a:bodyPr wrap="none" rtlCol="0">
+              <a:spAutoFit/>
+            </a:bodyPr>
+            <a:lstStyle/>
+            <a:p>
+              <a:r>
+                <a:rPr lang="en-US" dirty="0" smtClean="0"/>
+                <a:t>Inputs</a:t>
+              </a:r>
+              <a:endParaRPr lang="en-US" dirty="0"/>
+            </a:p>
+          </p:txBody>
+        </p:sp>
+        <p:sp>
+          <p:nvSpPr>
+            <p:cNvPr id="189" name="TextBox 188"/>
+            <p:cNvSpPr txBox="1"/>
+            <p:nvPr/>
+          </p:nvSpPr>
+          <p:spPr>
+            <a:xfrm>
+              <a:off x="5120257" y="1863957"/>
+              <a:ext cx="856453" cy="369332"/>
+            </a:xfrm>
+            <a:prstGeom prst="rect">
+              <a:avLst/>
+            </a:prstGeom>
+            <a:noFill/>
+          </p:spPr>
+          <p:txBody>
+            <a:bodyPr wrap="none" rtlCol="0">
+              <a:spAutoFit/>
+            </a:bodyPr>
+            <a:lstStyle/>
+            <a:p>
+              <a:r>
+                <a:rPr lang="en-US" dirty="0" smtClean="0"/>
+                <a:t>Weight</a:t>
+              </a:r>
+              <a:endParaRPr lang="en-US" dirty="0"/>
+            </a:p>
+          </p:txBody>
+        </p:sp>
+        <p:sp>
+          <p:nvSpPr>
+            <p:cNvPr id="190" name="TextBox 189"/>
+            <p:cNvSpPr txBox="1"/>
+            <p:nvPr/>
+          </p:nvSpPr>
+          <p:spPr>
+            <a:xfrm>
+              <a:off x="6691503" y="1873215"/>
+              <a:ext cx="583814" cy="369332"/>
+            </a:xfrm>
+            <a:prstGeom prst="rect">
+              <a:avLst/>
+            </a:prstGeom>
+            <a:noFill/>
+          </p:spPr>
+          <p:txBody>
+            <a:bodyPr wrap="none" rtlCol="0">
+              <a:spAutoFit/>
+            </a:bodyPr>
+            <a:lstStyle/>
+            <a:p>
+              <a:r>
+                <a:rPr lang="en-US" dirty="0" smtClean="0"/>
+                <a:t>Sum</a:t>
+              </a:r>
+              <a:endParaRPr lang="en-US" dirty="0"/>
+            </a:p>
+          </p:txBody>
+        </p:sp>
+        <p:sp>
+          <p:nvSpPr>
+            <p:cNvPr id="191" name="TextBox 190"/>
+            <p:cNvSpPr txBox="1"/>
+            <p:nvPr/>
+          </p:nvSpPr>
+          <p:spPr>
+            <a:xfrm>
+              <a:off x="7569479" y="1869660"/>
+              <a:ext cx="1697709" cy="369332"/>
+            </a:xfrm>
+            <a:prstGeom prst="rect">
+              <a:avLst/>
+            </a:prstGeom>
+            <a:noFill/>
+          </p:spPr>
+          <p:txBody>
+            <a:bodyPr wrap="none" rtlCol="0">
+              <a:spAutoFit/>
+            </a:bodyPr>
+            <a:lstStyle/>
+            <a:p>
+              <a:r>
+                <a:rPr lang="en-US" dirty="0" smtClean="0"/>
+                <a:t>Activation Func.</a:t>
+              </a:r>
+              <a:endParaRPr lang="en-US" dirty="0"/>
+            </a:p>
+          </p:txBody>
+        </p:sp>
+        <p:sp>
+          <p:nvSpPr>
+            <p:cNvPr id="192" name="TextBox 191"/>
+            <p:cNvSpPr txBox="1"/>
+            <p:nvPr/>
+          </p:nvSpPr>
+          <p:spPr>
+            <a:xfrm>
+              <a:off x="9415477" y="1870191"/>
+              <a:ext cx="875561" cy="369332"/>
+            </a:xfrm>
+            <a:prstGeom prst="rect">
+              <a:avLst/>
+            </a:prstGeom>
+            <a:noFill/>
+          </p:spPr>
+          <p:txBody>
+            <a:bodyPr wrap="none" rtlCol="0">
+              <a:spAutoFit/>
+            </a:bodyPr>
+            <a:lstStyle/>
+            <a:p>
+              <a:r>
+                <a:rPr lang="en-US" dirty="0" smtClean="0"/>
+                <a:t>Output</a:t>
+              </a:r>
+              <a:endParaRPr lang="en-US" dirty="0"/>
+            </a:p>
+          </p:txBody>
+        </p:sp>
+      </p:grpSp>
+      <p:sp>
+        <p:nvSpPr>
+          <p:cNvPr id="198" name="TextBox 197"/>
+          <p:cNvSpPr txBox="1"/>
+          <p:nvPr/>
+        </p:nvSpPr>
+        <p:spPr>
+          <a:xfrm>
+            <a:off x="5846728" y="5544472"/>
+            <a:ext cx="6345272" cy="1200329"/>
+          </a:xfrm>
+          <a:prstGeom prst="rect">
+            <a:avLst/>
+          </a:prstGeom>
+          <a:noFill/>
+        </p:spPr>
+        <p:txBody>
+          <a:bodyPr wrap="square" rtlCol="0">
+            <a:spAutoFit/>
+          </a:bodyPr>
+          <a:lstStyle/>
+          <a:p>
+            <a:pPr marL="285750" indent="-285750">
+              <a:buFont typeface="Arial" panose="020B0604020202020204" pitchFamily="34" charset="0"/>
+              <a:buChar char="•"/>
+            </a:pPr>
+            <a:r>
+              <a:rPr lang="en-US" dirty="0" smtClean="0"/>
+              <a:t>Goal: adjust the weights to get as close</a:t>
+            </a:r>
+            <a:r>
+              <a:rPr lang="en-US" dirty="0"/>
+              <a:t> as </a:t>
+            </a:r>
+            <a:r>
+              <a:rPr lang="en-US" dirty="0" smtClean="0"/>
+              <a:t>possible to the expected output</a:t>
+            </a:r>
+          </a:p>
+          <a:p>
+            <a:pPr marL="285750" indent="-285750">
+              <a:buFont typeface="Arial" panose="020B0604020202020204" pitchFamily="34" charset="0"/>
+              <a:buChar char="•"/>
+            </a:pPr>
+            <a:r>
+              <a:rPr lang="en-US" dirty="0" smtClean="0"/>
+              <a:t>This is essentially the mathematical model of </a:t>
+            </a:r>
+            <a:r>
+              <a:rPr lang="en-US" i="1" dirty="0" smtClean="0"/>
+              <a:t>learning</a:t>
+            </a:r>
+            <a:endParaRPr lang="en-US" dirty="0"/>
+          </a:p>
+          <a:p>
+            <a:pPr marL="285750" indent="-285750">
+              <a:buFont typeface="Arial" panose="020B0604020202020204" pitchFamily="34" charset="0"/>
+              <a:buChar char="•"/>
+            </a:pPr>
+            <a:r>
+              <a:rPr lang="en-US" dirty="0" smtClean="0"/>
+              <a:t>Construction of representational model of information</a:t>
+            </a:r>
+            <a:endParaRPr lang="en-US" dirty="0"/>
+          </a:p>
+        </p:txBody>
+      </p:sp>
+      <p:sp>
+        <p:nvSpPr>
+          <p:cNvPr id="199" name="TextBox 198"/>
+          <p:cNvSpPr txBox="1"/>
+          <p:nvPr/>
+        </p:nvSpPr>
+        <p:spPr>
+          <a:xfrm>
+            <a:off x="369663" y="4222443"/>
+            <a:ext cx="2199492" cy="646331"/>
+          </a:xfrm>
+          <a:prstGeom prst="rect">
+            <a:avLst/>
+          </a:prstGeom>
+          <a:noFill/>
+        </p:spPr>
+        <p:txBody>
+          <a:bodyPr wrap="square" rtlCol="0">
+            <a:spAutoFit/>
+          </a:bodyPr>
+          <a:lstStyle/>
+          <a:p>
+            <a:r>
+              <a:rPr lang="en-US" dirty="0" smtClean="0"/>
+              <a:t>A single neuron in a neural network:</a:t>
+            </a:r>
+            <a:endParaRPr lang="en-US" dirty="0"/>
+          </a:p>
+        </p:txBody>
+      </p:sp>
+    </p:spTree>
+    <p:extLst>
+      <p:ext uri="{BB962C8B-B14F-4D97-AF65-F5344CB8AC3E}">
+        <p14:creationId xmlns:p14="http://schemas.microsoft.com/office/powerpoint/2010/main" val="614395201"/>
+      </p:ext>
+    </p:extLst>
+  </p:cSld>
+  <p:clrMapOvr>
+    <a:masterClrMapping/>
+  </p:clrMapOvr>
+  <mc:AlternateContent xmlns:mc="http://schemas.openxmlformats.org/markup-compatibility/2006">
+    <mc:Choice xmlns:p14="http://schemas.microsoft.com/office/powerpoint/2010/main" Requires="p14">
+      <p:transition spd="slow" p14:dur="2000"/>
+    </mc:Choice>
+    <mc:Fallback>
+      <p:transition spd="slow"/>
+    </mc:Fallback>
+  </mc:AlternateContent>
+  <p:timing>
+    <p:tnLst>
+      <p:par>
+        <p:cTn id="1" dur="indefinite" restart="never" nodeType="tmRoot">
+          <p:childTnLst>
+            <p:seq concurrent="1" nextAc="seek">
+              <p:cTn id="2" dur="indefinite" nodeType="mainSeq">
+                <p:childTnLst>
+                  <p:par>
+                    <p:cTn id="3" fill="hold">
+                      <p:stCondLst>
+                        <p:cond delay="indefinite"/>
+                      </p:stCondLst>
+                      <p:childTnLst>
+                        <p:par>
+                          <p:cTn id="4" fill="hold">
+                            <p:stCondLst>
+                              <p:cond delay="0"/>
+                            </p:stCondLst>
+                            <p:childTnLst>
+                              <p:par>
+                                <p:cTn id="5" presetID="1" presetClass="entr" presetSubtype="0" fill="hold" grpId="0" nodeType="clickEffect">
+                                  <p:stCondLst>
+                                    <p:cond delay="0"/>
+                                  </p:stCondLst>
+                                  <p:childTnLst>
+                                    <p:set>
+                                      <p:cBhvr>
+                                        <p:cTn id="6" dur="1" fill="hold">
+                                          <p:stCondLst>
+                                            <p:cond delay="0"/>
+                                          </p:stCondLst>
+                                        </p:cTn>
+                                        <p:tgtEl>
+                                          <p:spTgt spid="198">
+                                            <p:txEl>
+                                              <p:pRg st="0" end="0"/>
+                                            </p:txEl>
+                                          </p:spTgt>
+                                        </p:tgtEl>
+                                        <p:attrNameLst>
+                                          <p:attrName>style.visibility</p:attrName>
+                                        </p:attrNameLst>
+                                      </p:cBhvr>
+                                      <p:to>
+                                        <p:strVal val="visible"/>
+                                      </p:to>
+                                    </p:set>
+                                  </p:childTnLst>
+                                </p:cTn>
+                              </p:par>
+                            </p:childTnLst>
+                          </p:cTn>
+                        </p:par>
+                      </p:childTnLst>
+                    </p:cTn>
+                  </p:par>
+                  <p:par>
+                    <p:cTn id="7" fill="hold">
+                      <p:stCondLst>
+                        <p:cond delay="indefinite"/>
+                      </p:stCondLst>
+                      <p:childTnLst>
+                        <p:par>
+                          <p:cTn id="8" fill="hold">
+                            <p:stCondLst>
+                              <p:cond delay="0"/>
+                            </p:stCondLst>
+                            <p:childTnLst>
+                              <p:par>
+                                <p:cTn id="9" presetID="1" presetClass="entr" presetSubtype="0" fill="hold" grpId="0" nodeType="clickEffect">
+                                  <p:stCondLst>
+                                    <p:cond delay="0"/>
+                                  </p:stCondLst>
+                                  <p:childTnLst>
+                                    <p:set>
+                                      <p:cBhvr>
+                                        <p:cTn id="10" dur="1" fill="hold">
+                                          <p:stCondLst>
+                                            <p:cond delay="0"/>
+                                          </p:stCondLst>
+                                        </p:cTn>
+                                        <p:tgtEl>
+                                          <p:spTgt spid="198">
+                                            <p:txEl>
+                                              <p:pRg st="1" end="1"/>
+                                            </p:txEl>
+                                          </p:spTgt>
+                                        </p:tgtEl>
+                                        <p:attrNameLst>
+                                          <p:attrName>style.visibility</p:attrName>
+                                        </p:attrNameLst>
+                                      </p:cBhvr>
+                                      <p:to>
+                                        <p:strVal val="visible"/>
+                                      </p:to>
+                                    </p:set>
+                                  </p:childTnLst>
+                                </p:cTn>
+                              </p:par>
+                            </p:childTnLst>
+                          </p:cTn>
+                        </p:par>
+                      </p:childTnLst>
+                    </p:cTn>
+                  </p:par>
+                  <p:par>
+                    <p:cTn id="11" fill="hold">
+                      <p:stCondLst>
+                        <p:cond delay="indefinite"/>
+                      </p:stCondLst>
+                      <p:childTnLst>
+                        <p:par>
+                          <p:cTn id="12" fill="hold">
+                            <p:stCondLst>
+                              <p:cond delay="0"/>
+                            </p:stCondLst>
+                            <p:childTnLst>
+                              <p:par>
+                                <p:cTn id="13" presetID="1" presetClass="entr" presetSubtype="0" fill="hold" grpId="0" nodeType="clickEffect">
+                                  <p:stCondLst>
+                                    <p:cond delay="0"/>
+                                  </p:stCondLst>
+                                  <p:childTnLst>
+                                    <p:set>
+                                      <p:cBhvr>
+                                        <p:cTn id="14" dur="1" fill="hold">
+                                          <p:stCondLst>
+                                            <p:cond delay="0"/>
+                                          </p:stCondLst>
+                                        </p:cTn>
+                                        <p:tgtEl>
+                                          <p:spTgt spid="198">
+                                            <p:txEl>
+                                              <p:pRg st="2" end="2"/>
+                                            </p:txEl>
+                                          </p:spTgt>
+                                        </p:tgtEl>
+                                        <p:attrNameLst>
+                                          <p:attrName>style.visibility</p:attrName>
+                                        </p:attrNameLst>
+                                      </p:cBhvr>
+                                      <p:to>
+                                        <p:strVal val="visible"/>
+                                      </p:to>
+                                    </p:set>
+                                  </p:childTnLst>
+                                </p:cTn>
+                              </p:par>
+                            </p:childTnLst>
+                          </p:cTn>
+                        </p:par>
+                      </p:childTnLst>
+                    </p:cTn>
+                  </p:par>
+                </p:childTnLst>
+              </p:cTn>
+              <p:prevCondLst>
+                <p:cond evt="onPrev" delay="0">
+                  <p:tgtEl>
+                    <p:sldTgt/>
+                  </p:tgtEl>
+                </p:cond>
+              </p:prevCondLst>
+              <p:nextCondLst>
+                <p:cond evt="onNext" delay="0">
+                  <p:tgtEl>
+                    <p:sldTgt/>
+                  </p:tgtEl>
+                </p:cond>
+              </p:nextCondLst>
+            </p:seq>
+          </p:childTnLst>
+        </p:cTn>
+      </p:par>
+    </p:tnLst>
+    <p:bldLst>
+      <p:bldP spid="198" grpId="0" build="p"/>
+    </p:bldLst>
   </p:timing>
 </p:sld>
 </file>
@@ -6392,4 +14262,265 @@
     </a:ext>
   </a:extLst>
 </a:theme>
+</file>
+
+<file path=ppt/theme/theme2.xml><?xml version="1.0" encoding="utf-8"?>
+<a:theme xmlns:a="http://schemas.openxmlformats.org/drawingml/2006/main" name="Office Theme">
+  <a:themeElements>
+    <a:clrScheme name="Office">
+      <a:dk1>
+        <a:sysClr val="windowText" lastClr="000000"/>
+      </a:dk1>
+      <a:lt1>
+        <a:sysClr val="window" lastClr="FFFFFF"/>
+      </a:lt1>
+      <a:dk2>
+        <a:srgbClr val="44546A"/>
+      </a:dk2>
+      <a:lt2>
+        <a:srgbClr val="E7E6E6"/>
+      </a:lt2>
+      <a:accent1>
+        <a:srgbClr val="5B9BD5"/>
+      </a:accent1>
+      <a:accent2>
+        <a:srgbClr val="ED7D31"/>
+      </a:accent2>
+      <a:accent3>
+        <a:srgbClr val="A5A5A5"/>
+      </a:accent3>
+      <a:accent4>
+        <a:srgbClr val="FFC000"/>
+      </a:accent4>
+      <a:accent5>
+        <a:srgbClr val="4472C4"/>
+      </a:accent5>
+      <a:accent6>
+        <a:srgbClr val="70AD47"/>
+      </a:accent6>
+      <a:hlink>
+        <a:srgbClr val="0563C1"/>
+      </a:hlink>
+      <a:folHlink>
+        <a:srgbClr val="954F72"/>
+      </a:folHlink>
+    </a:clrScheme>
+    <a:fontScheme name="Office">
+      <a:majorFont>
+        <a:latin typeface="Calibri Light" panose="020F0302020204030204"/>
+        <a:ea typeface=""/>
+        <a:cs typeface=""/>
+        <a:font script="Jpan" typeface="ＭＳ Ｐゴシック"/>
+        <a:font script="Hang" typeface="맑은 고딕"/>
+        <a:font script="Hans" typeface="宋体"/>
+        <a:font script="Hant" typeface="新細明體"/>
+        <a:font script="Arab" typeface="Times New Roman"/>
+        <a:font script="Hebr" typeface="Times New Roman"/>
+        <a:font script="Thai" typeface="Angsana New"/>
+        <a:font script="Ethi" typeface="Nyala"/>
+        <a:font script="Beng" typeface="Vrinda"/>
+        <a:font script="Gujr" typeface="Shruti"/>
+        <a:font script="Khmr" typeface="MoolBoran"/>
+        <a:font script="Knda" typeface="Tunga"/>
+        <a:font script="Guru" typeface="Raavi"/>
+        <a:font script="Cans" typeface="Euphemia"/>
+        <a:font script="Cher" typeface="Plantagenet Cherokee"/>
+        <a:font script="Yiii" typeface="Microsoft Yi Baiti"/>
+        <a:font script="Tibt" typeface="Microsoft Himalaya"/>
+        <a:font script="Thaa" typeface="MV Boli"/>
+        <a:font script="Deva" typeface="Mangal"/>
+        <a:font script="Telu" typeface="Gautami"/>
+        <a:font script="Taml" typeface="Latha"/>
+        <a:font script="Syrc" typeface="Estrangelo Edessa"/>
+        <a:font script="Orya" typeface="Kalinga"/>
+        <a:font script="Mlym" typeface="Kartika"/>
+        <a:font script="Laoo" typeface="DokChampa"/>
+        <a:font script="Sinh" typeface="Iskoola Pota"/>
+        <a:font script="Mong" typeface="Mongolian Baiti"/>
+        <a:font script="Viet" typeface="Times New Roman"/>
+        <a:font script="Uigh" typeface="Microsoft Uighur"/>
+        <a:font script="Geor" typeface="Sylfaen"/>
+      </a:majorFont>
+      <a:minorFont>
+        <a:latin typeface="Calibri" panose="020F0502020204030204"/>
+        <a:ea typeface=""/>
+        <a:cs typeface=""/>
+        <a:font script="Jpan" typeface="ＭＳ Ｐゴシック"/>
+        <a:font script="Hang" typeface="맑은 고딕"/>
+        <a:font script="Hans" typeface="宋体"/>
+        <a:font script="Hant" typeface="新細明體"/>
+        <a:font script="Arab" typeface="Arial"/>
+        <a:font script="Hebr" typeface="Arial"/>
+        <a:font script="Thai" typeface="Cordia New"/>
+        <a:font script="Ethi" typeface="Nyala"/>
+        <a:font script="Beng" typeface="Vrinda"/>
+        <a:font script="Gujr" typeface="Shruti"/>
+        <a:font script="Khmr" typeface="DaunPenh"/>
+        <a:font script="Knda" typeface="Tunga"/>
+        <a:font script="Guru" typeface="Raavi"/>
+        <a:font script="Cans" typeface="Euphemia"/>
+        <a:font script="Cher" typeface="Plantagenet Cherokee"/>
+        <a:font script="Yiii" typeface="Microsoft Yi Baiti"/>
+        <a:font script="Tibt" typeface="Microsoft Himalaya"/>
+        <a:font script="Thaa" typeface="MV Boli"/>
+        <a:font script="Deva" typeface="Mangal"/>
+        <a:font script="Telu" typeface="Gautami"/>
+        <a:font script="Taml" typeface="Latha"/>
+        <a:font script="Syrc" typeface="Estrangelo Edessa"/>
+        <a:font script="Orya" typeface="Kalinga"/>
+        <a:font script="Mlym" typeface="Kartika"/>
+        <a:font script="Laoo" typeface="DokChampa"/>
+        <a:font script="Sinh" typeface="Iskoola Pota"/>
+        <a:font script="Mong" typeface="Mongolian Baiti"/>
+        <a:font script="Viet" typeface="Arial"/>
+        <a:font script="Uigh" typeface="Microsoft Uighur"/>
+        <a:font script="Geor" typeface="Sylfaen"/>
+      </a:minorFont>
+    </a:fontScheme>
+    <a:fmtScheme name="Office">
+      <a:fillStyleLst>
+        <a:solidFill>
+          <a:schemeClr val="phClr"/>
+        </a:solidFill>
+        <a:gradFill rotWithShape="1">
+          <a:gsLst>
+            <a:gs pos="0">
+              <a:schemeClr val="phClr">
+                <a:lumMod val="110000"/>
+                <a:satMod val="105000"/>
+                <a:tint val="67000"/>
+              </a:schemeClr>
+            </a:gs>
+            <a:gs pos="50000">
+              <a:schemeClr val="phClr">
+                <a:lumMod val="105000"/>
+                <a:satMod val="103000"/>
+                <a:tint val="73000"/>
+              </a:schemeClr>
+            </a:gs>
+            <a:gs pos="100000">
+              <a:schemeClr val="phClr">
+                <a:lumMod val="105000"/>
+                <a:satMod val="109000"/>
+                <a:tint val="81000"/>
+              </a:schemeClr>
+            </a:gs>
+          </a:gsLst>
+          <a:lin ang="5400000" scaled="0"/>
+        </a:gradFill>
+        <a:gradFill rotWithShape="1">
+          <a:gsLst>
+            <a:gs pos="0">
+              <a:schemeClr val="phClr">
+                <a:satMod val="103000"/>
+                <a:lumMod val="102000"/>
+                <a:tint val="94000"/>
+              </a:schemeClr>
+            </a:gs>
+            <a:gs pos="50000">
+              <a:schemeClr val="phClr">
+                <a:satMod val="110000"/>
+                <a:lumMod val="100000"/>
+                <a:shade val="100000"/>
+              </a:schemeClr>
+            </a:gs>
+            <a:gs pos="100000">
+              <a:schemeClr val="phClr">
+                <a:lumMod val="99000"/>
+                <a:satMod val="120000"/>
+                <a:shade val="78000"/>
+              </a:schemeClr>
+            </a:gs>
+          </a:gsLst>
+          <a:lin ang="5400000" scaled="0"/>
+        </a:gradFill>
+      </a:fillStyleLst>
+      <a:lnStyleLst>
+        <a:ln w="6350" cap="flat" cmpd="sng" algn="ctr">
+          <a:solidFill>
+            <a:schemeClr val="phClr"/>
+          </a:solidFill>
+          <a:prstDash val="solid"/>
+          <a:miter lim="800000"/>
+        </a:ln>
+        <a:ln w="12700" cap="flat" cmpd="sng" algn="ctr">
+          <a:solidFill>
+            <a:schemeClr val="phClr"/>
+          </a:solidFill>
+          <a:prstDash val="solid"/>
+          <a:miter lim="800000"/>
+        </a:ln>
+        <a:ln w="19050" cap="flat" cmpd="sng" algn="ctr">
+          <a:solidFill>
+            <a:schemeClr val="phClr"/>
+          </a:solidFill>
+          <a:prstDash val="solid"/>
+          <a:miter lim="800000"/>
+        </a:ln>
+      </a:lnStyleLst>
+      <a:effectStyleLst>
+        <a:effectStyle>
+          <a:effectLst/>
+        </a:effectStyle>
+        <a:effectStyle>
+          <a:effectLst/>
+        </a:effectStyle>
+        <a:effectStyle>
+          <a:effectLst>
+            <a:outerShdw blurRad="57150" dist="19050" dir="5400000" algn="ctr" rotWithShape="0">
+              <a:srgbClr val="000000">
+                <a:alpha val="63000"/>
+              </a:srgbClr>
+            </a:outerShdw>
+          </a:effectLst>
+        </a:effectStyle>
+      </a:effectStyleLst>
+      <a:bgFillStyleLst>
+        <a:solidFill>
+          <a:schemeClr val="phClr"/>
+        </a:solidFill>
+        <a:solidFill>
+          <a:schemeClr val="phClr">
+            <a:tint val="95000"/>
+            <a:satMod val="170000"/>
+          </a:schemeClr>
+        </a:solidFill>
+        <a:gradFill rotWithShape="1">
+          <a:gsLst>
+            <a:gs pos="0">
+              <a:schemeClr val="phClr">
+                <a:tint val="93000"/>
+                <a:satMod val="150000"/>
+                <a:shade val="98000"/>
+                <a:lumMod val="102000"/>
+              </a:schemeClr>
+            </a:gs>
+            <a:gs pos="50000">
+              <a:schemeClr val="phClr">
+                <a:tint val="98000"/>
+                <a:satMod val="130000"/>
+                <a:shade val="90000"/>
+                <a:lumMod val="103000"/>
+              </a:schemeClr>
+            </a:gs>
+            <a:gs pos="100000">
+              <a:schemeClr val="phClr">
+                <a:shade val="63000"/>
+                <a:satMod val="120000"/>
+              </a:schemeClr>
+            </a:gs>
+          </a:gsLst>
+          <a:lin ang="5400000" scaled="0"/>
+        </a:gradFill>
+      </a:bgFillStyleLst>
+    </a:fmtScheme>
+  </a:themeElements>
+  <a:objectDefaults/>
+  <a:extraClrSchemeLst/>
+  <a:extLst>
+    <a:ext uri="{05A4C25C-085E-4340-85A3-A5531E510DB2}">
+      <thm15:themeFamily xmlns:thm15="http://schemas.microsoft.com/office/thememl/2012/main" name="Office Theme" id="{62F939B6-93AF-4DB8-9C6B-D6C7DFDC589F}" vid="{4A3C46E8-61CC-4603-A589-7422A47A8E4A}"/>
+    </a:ext>
+  </a:extLst>
+</a:theme>
 </file>
--- a/presentations/TRiCAM QRI Introductory Presentation.pptx
+++ b/presentations/TRiCAM QRI Introductory Presentation.pptx
@@ -225,7 +225,7 @@
           <a:p>
             <a:fld id="{209DDBFB-6AC7-48DC-91AF-69617815B01E}" type="datetimeFigureOut">
               <a:rPr lang="en-US" smtClean="0"/>
-              <a:t>6/23/2015</a:t>
+              <a:t>6/24/2015</a:t>
             </a:fld>
             <a:endParaRPr lang="en-US"/>
           </a:p>
@@ -1007,7 +1007,7 @@
             <a:fld id="{B61BEF0D-F0BB-DE4B-95CE-6DB70DBA9567}" type="datetimeFigureOut">
               <a:rPr lang="en-US" dirty="0"/>
               <a:pPr/>
-              <a:t>6/23/2015</a:t>
+              <a:t>6/24/2015</a:t>
             </a:fld>
             <a:endParaRPr lang="en-US" dirty="0"/>
           </a:p>
@@ -1266,7 +1266,7 @@
             <a:fld id="{B61BEF0D-F0BB-DE4B-95CE-6DB70DBA9567}" type="datetimeFigureOut">
               <a:rPr lang="en-US" dirty="0"/>
               <a:pPr/>
-              <a:t>6/23/2015</a:t>
+              <a:t>6/24/2015</a:t>
             </a:fld>
             <a:endParaRPr lang="en-US" dirty="0"/>
           </a:p>
@@ -1498,7 +1498,7 @@
             <a:fld id="{B61BEF0D-F0BB-DE4B-95CE-6DB70DBA9567}" type="datetimeFigureOut">
               <a:rPr lang="en-US" dirty="0"/>
               <a:pPr/>
-              <a:t>6/23/2015</a:t>
+              <a:t>6/24/2015</a:t>
             </a:fld>
             <a:endParaRPr lang="en-US" dirty="0"/>
           </a:p>
@@ -1735,7 +1735,7 @@
             <a:fld id="{B61BEF0D-F0BB-DE4B-95CE-6DB70DBA9567}" type="datetimeFigureOut">
               <a:rPr lang="en-US" dirty="0"/>
               <a:pPr/>
-              <a:t>6/23/2015</a:t>
+              <a:t>6/24/2015</a:t>
             </a:fld>
             <a:endParaRPr lang="en-US" dirty="0"/>
           </a:p>
@@ -2039,7 +2039,7 @@
             <a:fld id="{B61BEF0D-F0BB-DE4B-95CE-6DB70DBA9567}" type="datetimeFigureOut">
               <a:rPr lang="en-US" dirty="0"/>
               <a:pPr/>
-              <a:t>6/23/2015</a:t>
+              <a:t>6/24/2015</a:t>
             </a:fld>
             <a:endParaRPr lang="en-US" dirty="0"/>
           </a:p>
@@ -2338,7 +2338,7 @@
             <a:fld id="{B61BEF0D-F0BB-DE4B-95CE-6DB70DBA9567}" type="datetimeFigureOut">
               <a:rPr lang="en-US" dirty="0"/>
               <a:pPr/>
-              <a:t>6/23/2015</a:t>
+              <a:t>6/24/2015</a:t>
             </a:fld>
             <a:endParaRPr lang="en-US" dirty="0"/>
           </a:p>
@@ -2757,7 +2757,7 @@
             <a:fld id="{B61BEF0D-F0BB-DE4B-95CE-6DB70DBA9567}" type="datetimeFigureOut">
               <a:rPr lang="en-US" dirty="0"/>
               <a:pPr/>
-              <a:t>6/23/2015</a:t>
+              <a:t>6/24/2015</a:t>
             </a:fld>
             <a:endParaRPr lang="en-US" dirty="0"/>
           </a:p>
@@ -2916,7 +2916,7 @@
             <a:fld id="{B61BEF0D-F0BB-DE4B-95CE-6DB70DBA9567}" type="datetimeFigureOut">
               <a:rPr lang="en-US" dirty="0"/>
               <a:pPr/>
-              <a:t>6/23/2015</a:t>
+              <a:t>6/24/2015</a:t>
             </a:fld>
             <a:endParaRPr lang="en-US" dirty="0"/>
           </a:p>
@@ -3008,7 +3008,7 @@
             <a:fld id="{B61BEF0D-F0BB-DE4B-95CE-6DB70DBA9567}" type="datetimeFigureOut">
               <a:rPr lang="en-US" dirty="0"/>
               <a:pPr/>
-              <a:t>6/23/2015</a:t>
+              <a:t>6/24/2015</a:t>
             </a:fld>
             <a:endParaRPr lang="en-US" dirty="0"/>
           </a:p>
@@ -3383,7 +3383,7 @@
             <a:fld id="{B61BEF0D-F0BB-DE4B-95CE-6DB70DBA9567}" type="datetimeFigureOut">
               <a:rPr lang="en-US" dirty="0"/>
               <a:pPr/>
-              <a:t>6/23/2015</a:t>
+              <a:t>6/24/2015</a:t>
             </a:fld>
             <a:endParaRPr lang="en-US" dirty="0"/>
           </a:p>
@@ -3669,7 +3669,7 @@
             <a:fld id="{B61BEF0D-F0BB-DE4B-95CE-6DB70DBA9567}" type="datetimeFigureOut">
               <a:rPr lang="en-US" dirty="0"/>
               <a:pPr/>
-              <a:t>6/23/2015</a:t>
+              <a:t>6/24/2015</a:t>
             </a:fld>
             <a:endParaRPr lang="en-US" dirty="0"/>
           </a:p>
@@ -3877,7 +3877,7 @@
             <a:fld id="{B61BEF0D-F0BB-DE4B-95CE-6DB70DBA9567}" type="datetimeFigureOut">
               <a:rPr lang="en-US" dirty="0"/>
               <a:pPr/>
-              <a:t>6/23/2015</a:t>
+              <a:t>6/24/2015</a:t>
             </a:fld>
             <a:endParaRPr lang="en-US" dirty="0"/>
           </a:p>
@@ -4491,15 +4491,7 @@
           <a:p>
             <a:r>
               <a:rPr lang="en-US" dirty="0" smtClean="0"/>
-              <a:t>TRiCAM QRI </a:t>
-            </a:r>
-            <a:r>
-              <a:rPr lang="en-US" dirty="0" smtClean="0"/>
-              <a:t>Project </a:t>
-            </a:r>
-            <a:r>
-              <a:rPr lang="en-US" dirty="0" smtClean="0"/>
-              <a:t>Presentation</a:t>
+              <a:t>TRiCAM QRI Project Presentation</a:t>
             </a:r>
             <a:endParaRPr lang="en-US" dirty="0"/>
           </a:p>
@@ -4651,52 +4643,7 @@
                   </a:outerShdw>
                 </a:effectLst>
               </a:rPr>
-              <a:t>Project Members: Michelle Yang, </a:t>
-            </a:r>
-            <a:r>
-              <a:rPr lang="en-US" dirty="0" smtClean="0">
-                <a:solidFill>
-                  <a:schemeClr val="bg1"/>
-                </a:solidFill>
-                <a:effectLst>
-                  <a:outerShdw blurRad="38100" dist="38100" dir="2700000" algn="tl">
-                    <a:srgbClr val="000000">
-                      <a:alpha val="43137"/>
-                    </a:srgbClr>
-                  </a:outerShdw>
-                </a:effectLst>
-              </a:rPr>
-              <a:t>Akash Levy, </a:t>
-            </a:r>
-            <a:r>
-              <a:rPr lang="en-US" dirty="0" smtClean="0">
-                <a:solidFill>
-                  <a:schemeClr val="bg1"/>
-                </a:solidFill>
-                <a:effectLst>
-                  <a:outerShdw blurRad="38100" dist="38100" dir="2700000" algn="tl">
-                    <a:srgbClr val="000000">
-                      <a:alpha val="43137"/>
-                    </a:srgbClr>
-                  </a:outerShdw>
-                </a:effectLst>
-              </a:rPr>
-              <a:t>Janette Garcia, </a:t>
-            </a:r>
-            <a:r>
-              <a:rPr lang="en-US" dirty="0" smtClean="0">
-                <a:solidFill>
-                  <a:schemeClr val="bg1"/>
-                </a:solidFill>
-                <a:effectLst>
-                  <a:outerShdw blurRad="38100" dist="38100" dir="2700000" algn="tl">
-                    <a:srgbClr val="000000">
-                      <a:alpha val="43137"/>
-                    </a:srgbClr>
-                  </a:outerShdw>
-                </a:effectLst>
-              </a:rPr>
-              <a:t>Albert Tung</a:t>
+              <a:t>Project Members: Michelle Yang, Akash Levy, Janette Garcia, Albert Tung</a:t>
             </a:r>
             <a:endParaRPr lang="en-US" dirty="0">
               <a:solidFill>
@@ -4861,8 +4808,8 @@
           </a:p>
         </p:txBody>
       </p:sp>
-      <mc:AlternateContent xmlns:mc="http://schemas.openxmlformats.org/markup-compatibility/2006">
-        <mc:Choice xmlns:a14="http://schemas.microsoft.com/office/drawing/2010/main" Requires="a14">
+      <mc:AlternateContent xmlns:mc="http://schemas.openxmlformats.org/markup-compatibility/2006" xmlns:a14="http://schemas.microsoft.com/office/drawing/2010/main">
+        <mc:Choice Requires="a14">
           <p:sp>
             <p:nvSpPr>
               <p:cNvPr id="48" name="Content Placeholder 2"/>
@@ -5835,7 +5782,7 @@
             </p:txBody>
           </p:sp>
         </mc:Choice>
-        <mc:Fallback>
+        <mc:Fallback xmlns="">
           <p:sp>
             <p:nvSpPr>
               <p:cNvPr id="48" name="Content Placeholder 2"/>
@@ -5886,11 +5833,11 @@
   <p:clrMapOvr>
     <a:masterClrMapping/>
   </p:clrMapOvr>
-  <mc:AlternateContent xmlns:mc="http://schemas.openxmlformats.org/markup-compatibility/2006">
-    <mc:Choice xmlns:p14="http://schemas.microsoft.com/office/powerpoint/2010/main" Requires="p14">
+  <mc:AlternateContent xmlns:mc="http://schemas.openxmlformats.org/markup-compatibility/2006" xmlns:p14="http://schemas.microsoft.com/office/powerpoint/2010/main">
+    <mc:Choice Requires="p14">
       <p:transition spd="slow" p14:dur="2000"/>
     </mc:Choice>
-    <mc:Fallback>
+    <mc:Fallback xmlns="">
       <p:transition spd="slow"/>
     </mc:Fallback>
   </mc:AlternateContent>
@@ -6388,26 +6335,7 @@
                     </m:sSup>
                   </m:oMath>
                 </a14:m>
-                <a:endParaRPr lang="en-US" b="0" dirty="0" smtClean="0"/>
-              </a:p>
-              <a:p>
-                <a:r>
-                  <a:rPr lang="en-US" dirty="0" smtClean="0"/>
-                  <a:t>Goal: minimize loss on both training </a:t>
-                </a:r>
-              </a:p>
-              <a:p>
-                <a:r>
-                  <a:rPr lang="en-US" dirty="0" smtClean="0"/>
-                  <a:t>How do we accomplish this?</a:t>
-                </a:r>
-                <a:endParaRPr lang="en-US" dirty="0"/>
-              </a:p>
-              <a:p>
-                <a:r>
-                  <a:rPr lang="en-US" dirty="0" smtClean="0"/>
-                  <a:t>Answer: Stochastic Gradient Descent (SGD)</a:t>
-                </a:r>
+                <a:endParaRPr lang="en-US" dirty="0" smtClean="0"/>
               </a:p>
             </p:txBody>
           </p:sp>
@@ -6615,153 +6543,6 @@
                       </p:childTnLst>
                     </p:cTn>
                   </p:par>
-                  <p:par>
-                    <p:cTn id="15" fill="hold">
-                      <p:stCondLst>
-                        <p:cond delay="indefinite"/>
-                      </p:stCondLst>
-                      <p:childTnLst>
-                        <p:par>
-                          <p:cTn id="16" fill="hold">
-                            <p:stCondLst>
-                              <p:cond delay="0"/>
-                            </p:stCondLst>
-                            <p:childTnLst>
-                              <p:par>
-                                <p:cTn id="17" presetID="1" presetClass="entr" presetSubtype="0" fill="hold" grpId="0" nodeType="clickEffect">
-                                  <p:stCondLst>
-                                    <p:cond delay="0"/>
-                                  </p:stCondLst>
-                                  <p:childTnLst>
-                                    <p:set>
-                                      <p:cBhvr>
-                                        <p:cTn id="18" dur="1" fill="hold">
-                                          <p:stCondLst>
-                                            <p:cond delay="0"/>
-                                          </p:stCondLst>
-                                        </p:cTn>
-                                        <p:tgtEl>
-                                          <p:spTgt spid="3">
-                                            <p:txEl>
-                                              <p:pRg st="3" end="3"/>
-                                            </p:txEl>
-                                          </p:spTgt>
-                                        </p:tgtEl>
-                                        <p:attrNameLst>
-                                          <p:attrName>style.visibility</p:attrName>
-                                        </p:attrNameLst>
-                                      </p:cBhvr>
-                                      <p:to>
-                                        <p:strVal val="visible"/>
-                                      </p:to>
-                                    </p:set>
-                                  </p:childTnLst>
-                                </p:cTn>
-                              </p:par>
-                            </p:childTnLst>
-                          </p:cTn>
-                        </p:par>
-                      </p:childTnLst>
-                    </p:cTn>
-                  </p:par>
-                  <p:par>
-                    <p:cTn id="19" fill="hold">
-                      <p:stCondLst>
-                        <p:cond delay="indefinite"/>
-                      </p:stCondLst>
-                      <p:childTnLst>
-                        <p:par>
-                          <p:cTn id="20" fill="hold">
-                            <p:stCondLst>
-                              <p:cond delay="0"/>
-                            </p:stCondLst>
-                            <p:childTnLst>
-                              <p:par>
-                                <p:cTn id="21" presetID="1" presetClass="entr" presetSubtype="0" fill="hold" grpId="0" nodeType="clickEffect">
-                                  <p:stCondLst>
-                                    <p:cond delay="0"/>
-                                  </p:stCondLst>
-                                  <p:childTnLst>
-                                    <p:set>
-                                      <p:cBhvr>
-                                        <p:cTn id="22" dur="1" fill="hold">
-                                          <p:stCondLst>
-                                            <p:cond delay="0"/>
-                                          </p:stCondLst>
-                                        </p:cTn>
-                                        <p:tgtEl>
-                                          <p:spTgt spid="3">
-                                            <p:txEl>
-                                              <p:pRg st="4" end="4"/>
-                                            </p:txEl>
-                                          </p:spTgt>
-                                        </p:tgtEl>
-                                        <p:attrNameLst>
-                                          <p:attrName>style.visibility</p:attrName>
-                                        </p:attrNameLst>
-                                      </p:cBhvr>
-                                      <p:to>
-                                        <p:strVal val="visible"/>
-                                      </p:to>
-                                    </p:set>
-                                  </p:childTnLst>
-                                </p:cTn>
-                              </p:par>
-                            </p:childTnLst>
-                          </p:cTn>
-                        </p:par>
-                      </p:childTnLst>
-                    </p:cTn>
-                  </p:par>
-                  <p:par>
-                    <p:cTn id="23" fill="hold">
-                      <p:stCondLst>
-                        <p:cond delay="indefinite"/>
-                      </p:stCondLst>
-                      <p:childTnLst>
-                        <p:par>
-                          <p:cTn id="24" fill="hold">
-                            <p:stCondLst>
-                              <p:cond delay="0"/>
-                            </p:stCondLst>
-                            <p:childTnLst>
-                              <p:par>
-                                <p:cTn id="25" presetID="1" presetClass="entr" presetSubtype="0" fill="hold" grpId="0" nodeType="clickEffect">
-                                  <p:stCondLst>
-                                    <p:cond delay="0"/>
-                                  </p:stCondLst>
-                                  <p:childTnLst>
-                                    <p:set>
-                                      <p:cBhvr>
-                                        <p:cTn id="26" dur="1" fill="hold">
-                                          <p:stCondLst>
-                                            <p:cond delay="0"/>
-                                          </p:stCondLst>
-                                        </p:cTn>
-                                        <p:tgtEl>
-                                          <p:spTgt spid="3">
-                                            <p:txEl>
-                                              <p:pRg st="5" end="5"/>
-                                            </p:txEl>
-                                          </p:spTgt>
-                                        </p:tgtEl>
-                                        <p:attrNameLst>
-                                          <p:attrName>style.visibility</p:attrName>
-                                        </p:attrNameLst>
-                                      </p:cBhvr>
-                                      <p:to>
-                                        <p:strVal val="visible"/>
-                                      </p:to>
-                                    </p:set>
-                                  </p:childTnLst>
-                                </p:cTn>
-                              </p:par>
-                            </p:childTnLst>
-                          </p:cTn>
-                        </p:par>
-                      </p:childTnLst>
-                    </p:cTn>
-                  </p:par>
                 </p:childTnLst>
               </p:cTn>
               <p:prevCondLst>
@@ -6830,8 +6611,8 @@
           </a:p>
         </p:txBody>
       </p:sp>
-      <mc:AlternateContent xmlns:mc="http://schemas.openxmlformats.org/markup-compatibility/2006">
-        <mc:Choice xmlns:a14="http://schemas.microsoft.com/office/drawing/2010/main" Requires="a14">
+      <mc:AlternateContent xmlns:mc="http://schemas.openxmlformats.org/markup-compatibility/2006" xmlns:a14="http://schemas.microsoft.com/office/drawing/2010/main">
+        <mc:Choice Requires="a14">
           <p:sp>
             <p:nvSpPr>
               <p:cNvPr id="3" name="Content Placeholder 2"/>
@@ -7287,7 +7068,7 @@
             </p:txBody>
           </p:sp>
         </mc:Choice>
-        <mc:Fallback>
+        <mc:Fallback xmlns="">
           <p:sp>
             <p:nvSpPr>
               <p:cNvPr id="3" name="Content Placeholder 2"/>
@@ -7840,11 +7621,7 @@
           <a:p>
             <a:r>
               <a:rPr lang="en-US" dirty="0" smtClean="0"/>
-              <a:t>Why use </a:t>
-            </a:r>
-            <a:r>
-              <a:rPr lang="en-US" dirty="0" smtClean="0"/>
-              <a:t>deep learning?</a:t>
+              <a:t>Why use deep learning?</a:t>
             </a:r>
             <a:endParaRPr lang="en-US" dirty="0"/>
           </a:p>
@@ -9658,73 +9435,25 @@
           <a:p>
             <a:r>
               <a:rPr lang="en-US" dirty="0" smtClean="0"/>
-              <a:t>Project proposed by Quantum Reservoir </a:t>
-            </a:r>
+              <a:t>Project proposed by Quantum Reservoir Impact (QRI)</a:t>
+            </a:r>
+          </a:p>
+          <a:p>
             <a:r>
               <a:rPr lang="en-US" dirty="0" smtClean="0"/>
-              <a:t>Impact (QRI)</a:t>
+              <a:t>QRI: petroleum reservoir management company</a:t>
             </a:r>
           </a:p>
           <a:p>
             <a:r>
               <a:rPr lang="en-US" dirty="0" smtClean="0"/>
-              <a:t>QRI: p</a:t>
-            </a:r>
+              <a:t>Project goal: identify features in production data and forecast oil production rate in petroleum wells</a:t>
+            </a:r>
+          </a:p>
+          <a:p>
             <a:r>
               <a:rPr lang="en-US" dirty="0" smtClean="0"/>
-              <a:t>etroleum </a:t>
-            </a:r>
-            <a:r>
-              <a:rPr lang="en-US" dirty="0" smtClean="0"/>
-              <a:t>reservoir management company</a:t>
-            </a:r>
-          </a:p>
-          <a:p>
-            <a:r>
-              <a:rPr lang="en-US" dirty="0" smtClean="0"/>
-              <a:t>Project g</a:t>
-            </a:r>
-            <a:r>
-              <a:rPr lang="en-US" dirty="0" smtClean="0"/>
-              <a:t>oal</a:t>
-            </a:r>
-            <a:r>
-              <a:rPr lang="en-US" dirty="0" smtClean="0"/>
-              <a:t>: </a:t>
-            </a:r>
-            <a:r>
-              <a:rPr lang="en-US" dirty="0" smtClean="0"/>
-              <a:t>identify </a:t>
-            </a:r>
-            <a:r>
-              <a:rPr lang="en-US" dirty="0" smtClean="0"/>
-              <a:t>features </a:t>
-            </a:r>
-            <a:r>
-              <a:rPr lang="en-US" dirty="0" smtClean="0"/>
-              <a:t>in production data and </a:t>
-            </a:r>
-            <a:r>
-              <a:rPr lang="en-US" dirty="0" smtClean="0"/>
-              <a:t>forecast oil production rate </a:t>
-            </a:r>
-            <a:r>
-              <a:rPr lang="en-US" dirty="0" smtClean="0"/>
-              <a:t>in petroleum </a:t>
-            </a:r>
-            <a:r>
-              <a:rPr lang="en-US" dirty="0" smtClean="0"/>
-              <a:t>wells</a:t>
-            </a:r>
-          </a:p>
-          <a:p>
-            <a:r>
-              <a:rPr lang="en-US" dirty="0" smtClean="0"/>
-              <a:t>Task 1: </a:t>
-            </a:r>
-            <a:r>
-              <a:rPr lang="en-US" dirty="0" smtClean="0"/>
-              <a:t>detect “events” </a:t>
+              <a:t>Task 1: detect “events” </a:t>
             </a:r>
             <a:r>
               <a:rPr lang="en-US" dirty="0"/>
@@ -9758,7 +9487,6 @@
               <a:rPr lang="en-US" b="1" dirty="0" smtClean="0"/>
               <a:t>deep learning</a:t>
             </a:r>
-            <a:endParaRPr lang="en-US" b="1" dirty="0" smtClean="0"/>
           </a:p>
         </p:txBody>
       </p:sp>
@@ -10495,11 +10223,37 @@
           <a:p>
             <a:r>
               <a:rPr lang="en-US" dirty="0" smtClean="0"/>
-              <a:t>Event </a:t>
-            </a:r>
+              <a:t>Event detection (anonymized data)</a:t>
+            </a:r>
+            <a:endParaRPr lang="en-US" dirty="0"/>
+          </a:p>
+        </p:txBody>
+      </p:sp>
+      <p:sp>
+        <p:nvSpPr>
+          <p:cNvPr id="4" name="TextBox 3"/>
+          <p:cNvSpPr txBox="1"/>
+          <p:nvPr/>
+        </p:nvSpPr>
+        <p:spPr>
+          <a:xfrm>
+            <a:off x="3731074" y="2244838"/>
+            <a:ext cx="4240648" cy="369332"/>
+          </a:xfrm>
+          <a:prstGeom prst="rect">
+            <a:avLst/>
+          </a:prstGeom>
+          <a:noFill/>
+        </p:spPr>
+        <p:txBody>
+          <a:bodyPr wrap="none" rtlCol="0">
+            <a:spAutoFit/>
+          </a:bodyPr>
+          <a:lstStyle/>
+          <a:p>
             <a:r>
               <a:rPr lang="en-US" dirty="0" smtClean="0"/>
-              <a:t>detection (anonymized data)</a:t>
+              <a:t>Oil production (in standard barrels) vs. Year</a:t>
             </a:r>
             <a:endParaRPr lang="en-US" dirty="0"/>
           </a:p>
@@ -11011,11 +10765,37 @@
           <a:p>
             <a:r>
               <a:rPr lang="en-US" dirty="0" smtClean="0"/>
-              <a:t>Linear regressions for events, exponential </a:t>
-            </a:r>
+              <a:t>Linear regressions for events, exponential decay otherwise</a:t>
+            </a:r>
+            <a:endParaRPr lang="en-US" dirty="0"/>
+          </a:p>
+        </p:txBody>
+      </p:sp>
+      <p:sp>
+        <p:nvSpPr>
+          <p:cNvPr id="15" name="TextBox 14"/>
+          <p:cNvSpPr txBox="1"/>
+          <p:nvPr/>
+        </p:nvSpPr>
+        <p:spPr>
+          <a:xfrm>
+            <a:off x="3731074" y="2244838"/>
+            <a:ext cx="4240648" cy="369332"/>
+          </a:xfrm>
+          <a:prstGeom prst="rect">
+            <a:avLst/>
+          </a:prstGeom>
+          <a:noFill/>
+        </p:spPr>
+        <p:txBody>
+          <a:bodyPr wrap="none" rtlCol="0">
+            <a:spAutoFit/>
+          </a:bodyPr>
+          <a:lstStyle/>
+          <a:p>
             <a:r>
               <a:rPr lang="en-US" dirty="0" smtClean="0"/>
-              <a:t>decay otherwise</a:t>
+              <a:t>Oil production (in standard barrels) vs. Year</a:t>
             </a:r>
             <a:endParaRPr lang="en-US" dirty="0"/>
           </a:p>
@@ -11559,11 +11339,7 @@
           <a:p>
             <a:r>
               <a:rPr lang="en-US" dirty="0" smtClean="0"/>
-              <a:t>deep </a:t>
-            </a:r>
-            <a:r>
-              <a:rPr lang="en-US" dirty="0" smtClean="0"/>
-              <a:t>learning?</a:t>
+              <a:t>deep learning?</a:t>
             </a:r>
             <a:endParaRPr lang="en-US" dirty="0"/>
           </a:p>
@@ -13804,11 +13580,11 @@
   <p:clrMapOvr>
     <a:masterClrMapping/>
   </p:clrMapOvr>
-  <mc:AlternateContent xmlns:mc="http://schemas.openxmlformats.org/markup-compatibility/2006">
-    <mc:Choice xmlns:p14="http://schemas.microsoft.com/office/powerpoint/2010/main" Requires="p14">
+  <mc:AlternateContent xmlns:mc="http://schemas.openxmlformats.org/markup-compatibility/2006" xmlns:p14="http://schemas.microsoft.com/office/powerpoint/2010/main">
+    <mc:Choice Requires="p14">
       <p:transition spd="slow" p14:dur="2000"/>
     </mc:Choice>
-    <mc:Fallback>
+    <mc:Fallback xmlns="">
       <p:transition spd="slow"/>
     </mc:Fallback>
   </mc:AlternateContent>
